--- a/React - Redux with Hooks.pptx
+++ b/React - Redux with Hooks.pptx
@@ -118,6 +118,11 @@
       </a:defRPr>
     </a:lvl9pPr>
   </p:defaultTextStyle>
+  <p:extLst>
+    <p:ext uri="{EFAFB233-063F-42B5-8137-9DF3F51BA10A}">
+      <p15:sldGuideLst xmlns:p15="http://schemas.microsoft.com/office/powerpoint/2012/main"/>
+    </p:ext>
+  </p:extLst>
 </p:presentation>
 </file>
 
@@ -667,7 +672,7 @@
           <a:p>
             <a:fld id="{7CF9FAEB-4AD6-4364-B8B1-C87D190B56A4}" type="datetimeFigureOut">
               <a:rPr lang="en-US" smtClean="0"/>
-              <a:t>1/9/2020</a:t>
+              <a:t>1/20/2020</a:t>
             </a:fld>
             <a:endParaRPr lang="en-US"/>
           </a:p>
@@ -865,7 +870,7 @@
           <a:p>
             <a:fld id="{7CF9FAEB-4AD6-4364-B8B1-C87D190B56A4}" type="datetimeFigureOut">
               <a:rPr lang="en-US" smtClean="0"/>
-              <a:t>1/9/2020</a:t>
+              <a:t>1/20/2020</a:t>
             </a:fld>
             <a:endParaRPr lang="en-US"/>
           </a:p>
@@ -1073,7 +1078,7 @@
           <a:p>
             <a:fld id="{7CF9FAEB-4AD6-4364-B8B1-C87D190B56A4}" type="datetimeFigureOut">
               <a:rPr lang="en-US" smtClean="0"/>
-              <a:t>1/9/2020</a:t>
+              <a:t>1/20/2020</a:t>
             </a:fld>
             <a:endParaRPr lang="en-US"/>
           </a:p>
@@ -1271,7 +1276,7 @@
           <a:p>
             <a:fld id="{7CF9FAEB-4AD6-4364-B8B1-C87D190B56A4}" type="datetimeFigureOut">
               <a:rPr lang="en-US" smtClean="0"/>
-              <a:t>1/9/2020</a:t>
+              <a:t>1/20/2020</a:t>
             </a:fld>
             <a:endParaRPr lang="en-US"/>
           </a:p>
@@ -1546,7 +1551,7 @@
           <a:p>
             <a:fld id="{7CF9FAEB-4AD6-4364-B8B1-C87D190B56A4}" type="datetimeFigureOut">
               <a:rPr lang="en-US" smtClean="0"/>
-              <a:t>1/9/2020</a:t>
+              <a:t>1/20/2020</a:t>
             </a:fld>
             <a:endParaRPr lang="en-US"/>
           </a:p>
@@ -1811,7 +1816,7 @@
           <a:p>
             <a:fld id="{7CF9FAEB-4AD6-4364-B8B1-C87D190B56A4}" type="datetimeFigureOut">
               <a:rPr lang="en-US" smtClean="0"/>
-              <a:t>1/9/2020</a:t>
+              <a:t>1/20/2020</a:t>
             </a:fld>
             <a:endParaRPr lang="en-US"/>
           </a:p>
@@ -2223,7 +2228,7 @@
           <a:p>
             <a:fld id="{7CF9FAEB-4AD6-4364-B8B1-C87D190B56A4}" type="datetimeFigureOut">
               <a:rPr lang="en-US" smtClean="0"/>
-              <a:t>1/9/2020</a:t>
+              <a:t>1/20/2020</a:t>
             </a:fld>
             <a:endParaRPr lang="en-US"/>
           </a:p>
@@ -2364,7 +2369,7 @@
           <a:p>
             <a:fld id="{7CF9FAEB-4AD6-4364-B8B1-C87D190B56A4}" type="datetimeFigureOut">
               <a:rPr lang="en-US" smtClean="0"/>
-              <a:t>1/9/2020</a:t>
+              <a:t>1/20/2020</a:t>
             </a:fld>
             <a:endParaRPr lang="en-US"/>
           </a:p>
@@ -2477,7 +2482,7 @@
           <a:p>
             <a:fld id="{7CF9FAEB-4AD6-4364-B8B1-C87D190B56A4}" type="datetimeFigureOut">
               <a:rPr lang="en-US" smtClean="0"/>
-              <a:t>1/9/2020</a:t>
+              <a:t>1/20/2020</a:t>
             </a:fld>
             <a:endParaRPr lang="en-US"/>
           </a:p>
@@ -2788,7 +2793,7 @@
           <a:p>
             <a:fld id="{7CF9FAEB-4AD6-4364-B8B1-C87D190B56A4}" type="datetimeFigureOut">
               <a:rPr lang="en-US" smtClean="0"/>
-              <a:t>1/9/2020</a:t>
+              <a:t>1/20/2020</a:t>
             </a:fld>
             <a:endParaRPr lang="en-US"/>
           </a:p>
@@ -3076,7 +3081,7 @@
           <a:p>
             <a:fld id="{7CF9FAEB-4AD6-4364-B8B1-C87D190B56A4}" type="datetimeFigureOut">
               <a:rPr lang="en-US" smtClean="0"/>
-              <a:t>1/9/2020</a:t>
+              <a:t>1/20/2020</a:t>
             </a:fld>
             <a:endParaRPr lang="en-US"/>
           </a:p>
@@ -3317,7 +3322,7 @@
           <a:p>
             <a:fld id="{7CF9FAEB-4AD6-4364-B8B1-C87D190B56A4}" type="datetimeFigureOut">
               <a:rPr lang="en-US" smtClean="0"/>
-              <a:t>1/9/2020</a:t>
+              <a:t>1/20/2020</a:t>
             </a:fld>
             <a:endParaRPr lang="en-US"/>
           </a:p>
@@ -4128,96 +4133,6 @@
           </a:p>
         </p:txBody>
       </p:sp>
-      <p:pic>
-        <p:nvPicPr>
-          <p:cNvPr id="4" name="Picture 3">
-            <a:extLst>
-              <a:ext uri="{FF2B5EF4-FFF2-40B4-BE49-F238E27FC236}">
-                <a16:creationId xmlns:a16="http://schemas.microsoft.com/office/drawing/2014/main" id="{3D1F2ED1-F8AC-4C6A-B6AC-27A50427F70F}"/>
-              </a:ext>
-            </a:extLst>
-          </p:cNvPr>
-          <p:cNvPicPr>
-            <a:picLocks noChangeAspect="1"/>
-          </p:cNvPicPr>
-          <p:nvPr/>
-        </p:nvPicPr>
-        <p:blipFill>
-          <a:blip r:embed="rId2"/>
-          <a:stretch>
-            <a:fillRect/>
-          </a:stretch>
-        </p:blipFill>
-        <p:spPr>
-          <a:xfrm>
-            <a:off x="266700" y="1258094"/>
-            <a:ext cx="5504926" cy="944473"/>
-          </a:xfrm>
-          <a:prstGeom prst="rect">
-            <a:avLst/>
-          </a:prstGeom>
-        </p:spPr>
-      </p:pic>
-      <p:pic>
-        <p:nvPicPr>
-          <p:cNvPr id="5" name="Picture 4">
-            <a:extLst>
-              <a:ext uri="{FF2B5EF4-FFF2-40B4-BE49-F238E27FC236}">
-                <a16:creationId xmlns:a16="http://schemas.microsoft.com/office/drawing/2014/main" id="{ECDF8097-C874-42B2-86F6-35C5A5EEA7C5}"/>
-              </a:ext>
-            </a:extLst>
-          </p:cNvPr>
-          <p:cNvPicPr>
-            <a:picLocks noChangeAspect="1"/>
-          </p:cNvPicPr>
-          <p:nvPr/>
-        </p:nvPicPr>
-        <p:blipFill>
-          <a:blip r:embed="rId3"/>
-          <a:stretch>
-            <a:fillRect/>
-          </a:stretch>
-        </p:blipFill>
-        <p:spPr>
-          <a:xfrm>
-            <a:off x="6095999" y="1234280"/>
-            <a:ext cx="5903538" cy="4919615"/>
-          </a:xfrm>
-          <a:prstGeom prst="rect">
-            <a:avLst/>
-          </a:prstGeom>
-        </p:spPr>
-      </p:pic>
-      <p:pic>
-        <p:nvPicPr>
-          <p:cNvPr id="6" name="Picture 5">
-            <a:extLst>
-              <a:ext uri="{FF2B5EF4-FFF2-40B4-BE49-F238E27FC236}">
-                <a16:creationId xmlns:a16="http://schemas.microsoft.com/office/drawing/2014/main" id="{82BC3934-4521-486F-B252-31815748E464}"/>
-              </a:ext>
-            </a:extLst>
-          </p:cNvPr>
-          <p:cNvPicPr>
-            <a:picLocks noChangeAspect="1"/>
-          </p:cNvPicPr>
-          <p:nvPr/>
-        </p:nvPicPr>
-        <p:blipFill>
-          <a:blip r:embed="rId4"/>
-          <a:stretch>
-            <a:fillRect/>
-          </a:stretch>
-        </p:blipFill>
-        <p:spPr>
-          <a:xfrm>
-            <a:off x="266700" y="3201145"/>
-            <a:ext cx="4086225" cy="2952750"/>
-          </a:xfrm>
-          <a:prstGeom prst="rect">
-            <a:avLst/>
-          </a:prstGeom>
-        </p:spPr>
-      </p:pic>
       <p:sp>
         <p:nvSpPr>
           <p:cNvPr id="7" name="Content Placeholder 2">
@@ -4624,6 +4539,96 @@
           </a:p>
         </p:txBody>
       </p:sp>
+      <p:pic>
+        <p:nvPicPr>
+          <p:cNvPr id="2" name="Picture 1">
+            <a:extLst>
+              <a:ext uri="{FF2B5EF4-FFF2-40B4-BE49-F238E27FC236}">
+                <a16:creationId xmlns:a16="http://schemas.microsoft.com/office/drawing/2014/main" id="{DFFE626B-B2C4-4591-9D95-A7A478A3704D}"/>
+              </a:ext>
+            </a:extLst>
+          </p:cNvPr>
+          <p:cNvPicPr>
+            <a:picLocks noChangeAspect="1"/>
+          </p:cNvPicPr>
+          <p:nvPr/>
+        </p:nvPicPr>
+        <p:blipFill>
+          <a:blip r:embed="rId2"/>
+          <a:stretch>
+            <a:fillRect/>
+          </a:stretch>
+        </p:blipFill>
+        <p:spPr>
+          <a:xfrm>
+            <a:off x="266700" y="1401515"/>
+            <a:ext cx="5506218" cy="943107"/>
+          </a:xfrm>
+          <a:prstGeom prst="rect">
+            <a:avLst/>
+          </a:prstGeom>
+        </p:spPr>
+      </p:pic>
+      <p:pic>
+        <p:nvPicPr>
+          <p:cNvPr id="9" name="Picture 8">
+            <a:extLst>
+              <a:ext uri="{FF2B5EF4-FFF2-40B4-BE49-F238E27FC236}">
+                <a16:creationId xmlns:a16="http://schemas.microsoft.com/office/drawing/2014/main" id="{D83D485C-FBB6-4D61-A070-45F0A68A1C41}"/>
+              </a:ext>
+            </a:extLst>
+          </p:cNvPr>
+          <p:cNvPicPr>
+            <a:picLocks noChangeAspect="1"/>
+          </p:cNvPicPr>
+          <p:nvPr/>
+        </p:nvPicPr>
+        <p:blipFill>
+          <a:blip r:embed="rId3"/>
+          <a:stretch>
+            <a:fillRect/>
+          </a:stretch>
+        </p:blipFill>
+        <p:spPr>
+          <a:xfrm>
+            <a:off x="266700" y="3369365"/>
+            <a:ext cx="4086795" cy="2953162"/>
+          </a:xfrm>
+          <a:prstGeom prst="rect">
+            <a:avLst/>
+          </a:prstGeom>
+        </p:spPr>
+      </p:pic>
+      <p:pic>
+        <p:nvPicPr>
+          <p:cNvPr id="11" name="Picture 10">
+            <a:extLst>
+              <a:ext uri="{FF2B5EF4-FFF2-40B4-BE49-F238E27FC236}">
+                <a16:creationId xmlns:a16="http://schemas.microsoft.com/office/drawing/2014/main" id="{564C809D-B576-4379-A94E-1D496AF12228}"/>
+              </a:ext>
+            </a:extLst>
+          </p:cNvPr>
+          <p:cNvPicPr>
+            <a:picLocks noChangeAspect="1"/>
+          </p:cNvPicPr>
+          <p:nvPr/>
+        </p:nvPicPr>
+        <p:blipFill>
+          <a:blip r:embed="rId4"/>
+          <a:stretch>
+            <a:fillRect/>
+          </a:stretch>
+        </p:blipFill>
+        <p:spPr>
+          <a:xfrm>
+            <a:off x="6122562" y="1322002"/>
+            <a:ext cx="6069438" cy="4456043"/>
+          </a:xfrm>
+          <a:prstGeom prst="rect">
+            <a:avLst/>
+          </a:prstGeom>
+        </p:spPr>
+      </p:pic>
     </p:spTree>
     <p:extLst>
       <p:ext uri="{BB962C8B-B14F-4D97-AF65-F5344CB8AC3E}">
@@ -4826,10 +4831,10 @@
       </p:sp>
       <p:pic>
         <p:nvPicPr>
-          <p:cNvPr id="10" name="Picture 9">
-            <a:extLst>
-              <a:ext uri="{FF2B5EF4-FFF2-40B4-BE49-F238E27FC236}">
-                <a16:creationId xmlns:a16="http://schemas.microsoft.com/office/drawing/2014/main" id="{0C99DB43-54EE-43FA-B899-DD6CBB8FB927}"/>
+          <p:cNvPr id="3" name="Picture 2">
+            <a:extLst>
+              <a:ext uri="{FF2B5EF4-FFF2-40B4-BE49-F238E27FC236}">
+                <a16:creationId xmlns:a16="http://schemas.microsoft.com/office/drawing/2014/main" id="{388C1F6B-2DF6-4692-80A7-512CA5608D33}"/>
               </a:ext>
             </a:extLst>
           </p:cNvPr>
@@ -4846,20 +4851,27 @@
         </p:blipFill>
         <p:spPr>
           <a:xfrm>
-            <a:off x="187660" y="1874311"/>
-            <a:ext cx="5715838" cy="4333576"/>
+            <a:off x="434629" y="1874311"/>
+            <a:ext cx="5511563" cy="3840689"/>
           </a:xfrm>
           <a:prstGeom prst="rect">
             <a:avLst/>
           </a:prstGeom>
+          <a:effectLst>
+            <a:outerShdw blurRad="50800" dist="38100" dir="2700000" algn="tl" rotWithShape="0">
+              <a:prstClr val="black">
+                <a:alpha val="40000"/>
+              </a:prstClr>
+            </a:outerShdw>
+          </a:effectLst>
         </p:spPr>
       </p:pic>
       <p:pic>
         <p:nvPicPr>
-          <p:cNvPr id="11" name="Picture 10">
-            <a:extLst>
-              <a:ext uri="{FF2B5EF4-FFF2-40B4-BE49-F238E27FC236}">
-                <a16:creationId xmlns:a16="http://schemas.microsoft.com/office/drawing/2014/main" id="{7B4A6DCC-0436-41C7-8594-6802D619EED1}"/>
+          <p:cNvPr id="4" name="Picture 3">
+            <a:extLst>
+              <a:ext uri="{FF2B5EF4-FFF2-40B4-BE49-F238E27FC236}">
+                <a16:creationId xmlns:a16="http://schemas.microsoft.com/office/drawing/2014/main" id="{D721AB1D-097C-429F-9C7D-498913475F65}"/>
               </a:ext>
             </a:extLst>
           </p:cNvPr>
@@ -4876,12 +4888,19 @@
         </p:blipFill>
         <p:spPr>
           <a:xfrm>
-            <a:off x="6198984" y="1874311"/>
-            <a:ext cx="5805356" cy="4333576"/>
+            <a:off x="6384235" y="1874311"/>
+            <a:ext cx="5486400" cy="4038600"/>
           </a:xfrm>
           <a:prstGeom prst="rect">
             <a:avLst/>
           </a:prstGeom>
+          <a:effectLst>
+            <a:outerShdw blurRad="50800" dist="38100" dir="2700000" algn="tl" rotWithShape="0">
+              <a:prstClr val="black">
+                <a:alpha val="40000"/>
+              </a:prstClr>
+            </a:outerShdw>
+          </a:effectLst>
         </p:spPr>
       </p:pic>
     </p:spTree>
@@ -5001,10 +5020,10 @@
       </p:sp>
       <p:pic>
         <p:nvPicPr>
-          <p:cNvPr id="5" name="Picture 4">
-            <a:extLst>
-              <a:ext uri="{FF2B5EF4-FFF2-40B4-BE49-F238E27FC236}">
-                <a16:creationId xmlns:a16="http://schemas.microsoft.com/office/drawing/2014/main" id="{A4897982-F4A0-4A25-9828-9FDBBD9CD5AF}"/>
+          <p:cNvPr id="4" name="Picture 3">
+            <a:extLst>
+              <a:ext uri="{FF2B5EF4-FFF2-40B4-BE49-F238E27FC236}">
+                <a16:creationId xmlns:a16="http://schemas.microsoft.com/office/drawing/2014/main" id="{7423D04A-71CB-43D9-9F8C-60C7485B264F}"/>
               </a:ext>
             </a:extLst>
           </p:cNvPr>
@@ -5021,20 +5040,27 @@
         </p:blipFill>
         <p:spPr>
           <a:xfrm>
-            <a:off x="3590925" y="1395413"/>
-            <a:ext cx="5848350" cy="1228725"/>
+            <a:off x="3590925" y="1395052"/>
+            <a:ext cx="4936849" cy="1671999"/>
           </a:xfrm>
           <a:prstGeom prst="rect">
             <a:avLst/>
           </a:prstGeom>
+          <a:effectLst>
+            <a:outerShdw blurRad="50800" dist="38100" dir="2700000" algn="tl" rotWithShape="0">
+              <a:prstClr val="black">
+                <a:alpha val="40000"/>
+              </a:prstClr>
+            </a:outerShdw>
+          </a:effectLst>
         </p:spPr>
       </p:pic>
       <p:pic>
         <p:nvPicPr>
-          <p:cNvPr id="6" name="Picture 5">
-            <a:extLst>
-              <a:ext uri="{FF2B5EF4-FFF2-40B4-BE49-F238E27FC236}">
-                <a16:creationId xmlns:a16="http://schemas.microsoft.com/office/drawing/2014/main" id="{A30BCD0E-9739-490D-B181-E3FAD36D6A51}"/>
+          <p:cNvPr id="7" name="Picture 6">
+            <a:extLst>
+              <a:ext uri="{FF2B5EF4-FFF2-40B4-BE49-F238E27FC236}">
+                <a16:creationId xmlns:a16="http://schemas.microsoft.com/office/drawing/2014/main" id="{E9B66916-3C90-4392-9C07-C4C4581BE4FB}"/>
               </a:ext>
             </a:extLst>
           </p:cNvPr>
@@ -5051,12 +5077,19 @@
         </p:blipFill>
         <p:spPr>
           <a:xfrm>
-            <a:off x="3590925" y="3067051"/>
-            <a:ext cx="7037335" cy="3109912"/>
+            <a:off x="3590925" y="3429000"/>
+            <a:ext cx="6219825" cy="3200400"/>
           </a:xfrm>
           <a:prstGeom prst="rect">
             <a:avLst/>
           </a:prstGeom>
+          <a:effectLst>
+            <a:outerShdw blurRad="50800" dist="38100" dir="2700000" algn="tl" rotWithShape="0">
+              <a:prstClr val="black">
+                <a:alpha val="40000"/>
+              </a:prstClr>
+            </a:outerShdw>
+          </a:effectLst>
         </p:spPr>
       </p:pic>
     </p:spTree>
@@ -5546,10 +5579,10 @@
       </p:sp>
       <p:pic>
         <p:nvPicPr>
-          <p:cNvPr id="5" name="Picture 4">
-            <a:extLst>
-              <a:ext uri="{FF2B5EF4-FFF2-40B4-BE49-F238E27FC236}">
-                <a16:creationId xmlns:a16="http://schemas.microsoft.com/office/drawing/2014/main" id="{CA12D178-B227-4C99-BB47-1084A35887A7}"/>
+          <p:cNvPr id="3" name="Picture 2">
+            <a:extLst>
+              <a:ext uri="{FF2B5EF4-FFF2-40B4-BE49-F238E27FC236}">
+                <a16:creationId xmlns:a16="http://schemas.microsoft.com/office/drawing/2014/main" id="{6C51B7B9-84AD-4E86-B8FE-B40CD43CD159}"/>
               </a:ext>
             </a:extLst>
           </p:cNvPr>
@@ -5566,20 +5599,27 @@
         </p:blipFill>
         <p:spPr>
           <a:xfrm>
-            <a:off x="249153" y="1804987"/>
-            <a:ext cx="6191250" cy="3248025"/>
+            <a:off x="228600" y="1690688"/>
+            <a:ext cx="6191250" cy="3143250"/>
           </a:xfrm>
           <a:prstGeom prst="rect">
             <a:avLst/>
           </a:prstGeom>
+          <a:effectLst>
+            <a:outerShdw blurRad="50800" dist="38100" dir="2700000" algn="tl" rotWithShape="0">
+              <a:prstClr val="black">
+                <a:alpha val="40000"/>
+              </a:prstClr>
+            </a:outerShdw>
+          </a:effectLst>
         </p:spPr>
       </p:pic>
       <p:pic>
         <p:nvPicPr>
-          <p:cNvPr id="6" name="Picture 5">
-            <a:extLst>
-              <a:ext uri="{FF2B5EF4-FFF2-40B4-BE49-F238E27FC236}">
-                <a16:creationId xmlns:a16="http://schemas.microsoft.com/office/drawing/2014/main" id="{40B88FCD-1F6A-4D79-8745-DE36DECF8CEF}"/>
+          <p:cNvPr id="4" name="Picture 3">
+            <a:extLst>
+              <a:ext uri="{FF2B5EF4-FFF2-40B4-BE49-F238E27FC236}">
+                <a16:creationId xmlns:a16="http://schemas.microsoft.com/office/drawing/2014/main" id="{7AAD9CF3-FD75-43A0-AF19-EF68DF273751}"/>
               </a:ext>
             </a:extLst>
           </p:cNvPr>
@@ -5596,12 +5636,19 @@
         </p:blipFill>
         <p:spPr>
           <a:xfrm>
-            <a:off x="6627897" y="1804987"/>
-            <a:ext cx="5410200" cy="1304925"/>
+            <a:off x="6569027" y="1690688"/>
+            <a:ext cx="5534025" cy="1295400"/>
           </a:xfrm>
           <a:prstGeom prst="rect">
             <a:avLst/>
           </a:prstGeom>
+          <a:effectLst>
+            <a:outerShdw blurRad="50800" dist="38100" dir="2700000" algn="tl" rotWithShape="0">
+              <a:prstClr val="black">
+                <a:alpha val="40000"/>
+              </a:prstClr>
+            </a:outerShdw>
+          </a:effectLst>
         </p:spPr>
       </p:pic>
     </p:spTree>
@@ -5650,117 +5697,28 @@
             <p:ph type="title"/>
           </p:nvPr>
         </p:nvSpPr>
-        <p:spPr/>
-        <p:txBody>
-          <a:bodyPr/>
-          <a:lstStyle/>
-          <a:p>
-            <a:r>
-              <a:rPr lang="ru-RU" b="1" dirty="0"/>
-              <a:t>Хук эффекта</a:t>
-            </a:r>
-            <a:r>
-              <a:rPr lang="en-US" b="1" dirty="0"/>
-              <a:t> </a:t>
-            </a:r>
-            <a:r>
-              <a:rPr lang="en-US" b="1" dirty="0" err="1"/>
-              <a:t>useEffect</a:t>
-            </a:r>
-            <a:endParaRPr lang="en-US" dirty="0"/>
-          </a:p>
-        </p:txBody>
-      </p:sp>
-      <p:pic>
-        <p:nvPicPr>
-          <p:cNvPr id="4" name="Picture 3">
-            <a:extLst>
-              <a:ext uri="{FF2B5EF4-FFF2-40B4-BE49-F238E27FC236}">
-                <a16:creationId xmlns:a16="http://schemas.microsoft.com/office/drawing/2014/main" id="{8C95E61B-9582-4C0B-B91B-9DA7E2AEF935}"/>
-              </a:ext>
-            </a:extLst>
-          </p:cNvPr>
-          <p:cNvPicPr>
-            <a:picLocks noChangeAspect="1"/>
-          </p:cNvPicPr>
-          <p:nvPr/>
-        </p:nvPicPr>
-        <p:blipFill>
-          <a:blip r:embed="rId2"/>
-          <a:stretch>
-            <a:fillRect/>
-          </a:stretch>
-        </p:blipFill>
         <p:spPr>
           <a:xfrm>
-            <a:off x="1776236" y="1397000"/>
-            <a:ext cx="4214989" cy="5095875"/>
+            <a:off x="838200" y="365125"/>
+            <a:ext cx="10515600" cy="1325563"/>
           </a:xfrm>
-          <a:prstGeom prst="rect">
-            <a:avLst/>
-          </a:prstGeom>
         </p:spPr>
-      </p:pic>
-      <p:pic>
-        <p:nvPicPr>
-          <p:cNvPr id="5" name="Picture 4">
-            <a:extLst>
-              <a:ext uri="{FF2B5EF4-FFF2-40B4-BE49-F238E27FC236}">
-                <a16:creationId xmlns:a16="http://schemas.microsoft.com/office/drawing/2014/main" id="{1D9963A3-2F90-4770-ABF2-6C642CC0B33E}"/>
-              </a:ext>
-            </a:extLst>
-          </p:cNvPr>
-          <p:cNvPicPr>
-            <a:picLocks noChangeAspect="1"/>
-          </p:cNvPicPr>
-          <p:nvPr/>
-        </p:nvPicPr>
-        <p:blipFill>
-          <a:blip r:embed="rId3"/>
-          <a:stretch>
-            <a:fillRect/>
-          </a:stretch>
-        </p:blipFill>
-        <p:spPr>
-          <a:xfrm>
-            <a:off x="6281737" y="1397000"/>
-            <a:ext cx="4276725" cy="2209800"/>
-          </a:xfrm>
-          <a:prstGeom prst="rect">
-            <a:avLst/>
-          </a:prstGeom>
-        </p:spPr>
-      </p:pic>
-      <p:pic>
-        <p:nvPicPr>
-          <p:cNvPr id="6" name="Picture 5">
-            <a:extLst>
-              <a:ext uri="{FF2B5EF4-FFF2-40B4-BE49-F238E27FC236}">
-                <a16:creationId xmlns:a16="http://schemas.microsoft.com/office/drawing/2014/main" id="{7ACD7BC4-4672-4A77-A996-8247738032E4}"/>
-              </a:ext>
-            </a:extLst>
-          </p:cNvPr>
-          <p:cNvPicPr>
-            <a:picLocks noChangeAspect="1"/>
-          </p:cNvPicPr>
-          <p:nvPr/>
-        </p:nvPicPr>
-        <p:blipFill>
-          <a:blip r:embed="rId4"/>
-          <a:stretch>
-            <a:fillRect/>
-          </a:stretch>
-        </p:blipFill>
-        <p:spPr>
-          <a:xfrm>
-            <a:off x="6281737" y="4638675"/>
-            <a:ext cx="4276725" cy="1122524"/>
-          </a:xfrm>
-          <a:prstGeom prst="rect">
-            <a:avLst/>
-          </a:prstGeom>
-        </p:spPr>
-      </p:pic>
+        <p:txBody>
+          <a:bodyPr/>
+          <a:lstStyle/>
+          <a:p>
+            <a:r>
+              <a:rPr lang="ru-RU" b="1"/>
+              <a:t>Хук эффекта</a:t>
+            </a:r>
+            <a:r>
+              <a:rPr lang="en-US" b="1"/>
+              <a:t> useEffect</a:t>
+            </a:r>
+            <a:endParaRPr lang="en-US" dirty="0"/>
+          </a:p>
+        </p:txBody>
+      </p:sp>
       <p:sp>
         <p:nvSpPr>
           <p:cNvPr id="7" name="Arrow: Down 6">
@@ -5807,6 +5765,117 @@
           </a:p>
         </p:txBody>
       </p:sp>
+      <p:pic>
+        <p:nvPicPr>
+          <p:cNvPr id="3" name="Picture 2">
+            <a:extLst>
+              <a:ext uri="{FF2B5EF4-FFF2-40B4-BE49-F238E27FC236}">
+                <a16:creationId xmlns:a16="http://schemas.microsoft.com/office/drawing/2014/main" id="{EA0C992C-B219-4F5C-84BD-D65AF601E23A}"/>
+              </a:ext>
+            </a:extLst>
+          </p:cNvPr>
+          <p:cNvPicPr>
+            <a:picLocks noChangeAspect="1"/>
+          </p:cNvPicPr>
+          <p:nvPr/>
+        </p:nvPicPr>
+        <p:blipFill>
+          <a:blip r:embed="rId2"/>
+          <a:stretch>
+            <a:fillRect/>
+          </a:stretch>
+        </p:blipFill>
+        <p:spPr>
+          <a:xfrm>
+            <a:off x="1739557" y="1598612"/>
+            <a:ext cx="4200525" cy="5048250"/>
+          </a:xfrm>
+          <a:prstGeom prst="rect">
+            <a:avLst/>
+          </a:prstGeom>
+          <a:effectLst>
+            <a:outerShdw blurRad="50800" dist="38100" dir="2700000" algn="tl" rotWithShape="0">
+              <a:prstClr val="black">
+                <a:alpha val="40000"/>
+              </a:prstClr>
+            </a:outerShdw>
+          </a:effectLst>
+        </p:spPr>
+      </p:pic>
+      <p:pic>
+        <p:nvPicPr>
+          <p:cNvPr id="9" name="Picture 8">
+            <a:extLst>
+              <a:ext uri="{FF2B5EF4-FFF2-40B4-BE49-F238E27FC236}">
+                <a16:creationId xmlns:a16="http://schemas.microsoft.com/office/drawing/2014/main" id="{96A9A535-2D0A-4F2E-AB56-5D2A809264BF}"/>
+              </a:ext>
+            </a:extLst>
+          </p:cNvPr>
+          <p:cNvPicPr>
+            <a:picLocks noChangeAspect="1"/>
+          </p:cNvPicPr>
+          <p:nvPr/>
+        </p:nvPicPr>
+        <p:blipFill>
+          <a:blip r:embed="rId3"/>
+          <a:stretch>
+            <a:fillRect/>
+          </a:stretch>
+        </p:blipFill>
+        <p:spPr>
+          <a:xfrm>
+            <a:off x="6696073" y="1467402"/>
+            <a:ext cx="3448050" cy="2171700"/>
+          </a:xfrm>
+          <a:prstGeom prst="rect">
+            <a:avLst/>
+          </a:prstGeom>
+          <a:effectLst>
+            <a:outerShdw blurRad="50800" dist="38100" dir="2700000" algn="tl" rotWithShape="0">
+              <a:prstClr val="black">
+                <a:alpha val="40000"/>
+              </a:prstClr>
+            </a:outerShdw>
+          </a:effectLst>
+        </p:spPr>
+      </p:pic>
+      <p:pic>
+        <p:nvPicPr>
+          <p:cNvPr id="10" name="Picture 9">
+            <a:extLst>
+              <a:ext uri="{FF2B5EF4-FFF2-40B4-BE49-F238E27FC236}">
+                <a16:creationId xmlns:a16="http://schemas.microsoft.com/office/drawing/2014/main" id="{7B51956F-71D4-463B-AAFC-D4EF0ED255C7}"/>
+              </a:ext>
+            </a:extLst>
+          </p:cNvPr>
+          <p:cNvPicPr>
+            <a:picLocks noChangeAspect="1"/>
+          </p:cNvPicPr>
+          <p:nvPr/>
+        </p:nvPicPr>
+        <p:blipFill>
+          <a:blip r:embed="rId4"/>
+          <a:stretch>
+            <a:fillRect/>
+          </a:stretch>
+        </p:blipFill>
+        <p:spPr>
+          <a:xfrm>
+            <a:off x="6724648" y="4606373"/>
+            <a:ext cx="3419475" cy="1123950"/>
+          </a:xfrm>
+          <a:prstGeom prst="rect">
+            <a:avLst/>
+          </a:prstGeom>
+          <a:effectLst>
+            <a:outerShdw blurRad="50800" dist="38100" dir="2700000" algn="tl" rotWithShape="0">
+              <a:prstClr val="black">
+                <a:alpha val="40000"/>
+              </a:prstClr>
+            </a:outerShdw>
+          </a:effectLst>
+        </p:spPr>
+      </p:pic>
     </p:spTree>
     <p:extLst>
       <p:ext uri="{BB962C8B-B14F-4D97-AF65-F5344CB8AC3E}">
@@ -6604,6 +6673,21 @@
 </file>
 
 <file path=customXml/item1.xml><?xml version="1.0" encoding="utf-8"?>
+<p:properties xmlns:p="http://schemas.microsoft.com/office/2006/metadata/properties" xmlns:xsi="http://www.w3.org/2001/XMLSchema-instance" xmlns:pc="http://schemas.microsoft.com/office/infopath/2007/PartnerControls">
+  <documentManagement/>
+</p:properties>
+</file>
+
+<file path=customXml/item2.xml><?xml version="1.0" encoding="utf-8"?>
+<?mso-contentType ?>
+<FormTemplates xmlns="http://schemas.microsoft.com/sharepoint/v3/contenttype/forms">
+  <Display>DocumentLibraryForm</Display>
+  <Edit>DocumentLibraryForm</Edit>
+  <New>DocumentLibraryForm</New>
+</FormTemplates>
+</file>
+
+<file path=customXml/item3.xml><?xml version="1.0" encoding="utf-8"?>
 <ct:contentTypeSchema xmlns:ct="http://schemas.microsoft.com/office/2006/metadata/contentType" xmlns:ma="http://schemas.microsoft.com/office/2006/metadata/properties/metaAttributes" ct:_="" ma:_="" ma:contentTypeName="Document" ma:contentTypeID="0x0101009506CC75B57D6E4D83EC88A35B325E1C" ma:contentTypeVersion="11" ma:contentTypeDescription="Create a new document." ma:contentTypeScope="" ma:versionID="ab11620176266e48924805f4bb45d84f">
   <xsd:schema xmlns:xsd="http://www.w3.org/2001/XMLSchema" xmlns:xs="http://www.w3.org/2001/XMLSchema" xmlns:p="http://schemas.microsoft.com/office/2006/metadata/properties" xmlns:ns3="f2002a93-7bda-4cbc-8612-fb29e2446453" xmlns:ns4="e1790abd-ae67-465d-bed3-840f6d97e514" targetNamespace="http://schemas.microsoft.com/office/2006/metadata/properties" ma:root="true" ma:fieldsID="77dd7eec0c879deba95b5856a64ec636" ns3:_="" ns4:_="">
     <xsd:import namespace="f2002a93-7bda-4cbc-8612-fb29e2446453"/>
@@ -6812,22 +6896,32 @@
 </ct:contentTypeSchema>
 </file>
 
-<file path=customXml/item2.xml><?xml version="1.0" encoding="utf-8"?>
-<?mso-contentType ?>
-<FormTemplates xmlns="http://schemas.microsoft.com/sharepoint/v3/contenttype/forms">
-  <Display>DocumentLibraryForm</Display>
-  <Edit>DocumentLibraryForm</Edit>
-  <New>DocumentLibraryForm</New>
-</FormTemplates>
+<file path=customXml/itemProps1.xml><?xml version="1.0" encoding="utf-8"?>
+<ds:datastoreItem xmlns:ds="http://schemas.openxmlformats.org/officeDocument/2006/customXml" ds:itemID="{81800929-FD15-4FCE-B863-7CC612F65BDB}">
+  <ds:schemaRefs>
+    <ds:schemaRef ds:uri="http://purl.org/dc/dcmitype/"/>
+    <ds:schemaRef ds:uri="http://schemas.microsoft.com/office/2006/metadata/properties"/>
+    <ds:schemaRef ds:uri="http://schemas.microsoft.com/office/infopath/2007/PartnerControls"/>
+    <ds:schemaRef ds:uri="http://schemas.microsoft.com/office/2006/documentManagement/types"/>
+    <ds:schemaRef ds:uri="e1790abd-ae67-465d-bed3-840f6d97e514"/>
+    <ds:schemaRef ds:uri="http://purl.org/dc/elements/1.1/"/>
+    <ds:schemaRef ds:uri="http://purl.org/dc/terms/"/>
+    <ds:schemaRef ds:uri="http://schemas.openxmlformats.org/package/2006/metadata/core-properties"/>
+    <ds:schemaRef ds:uri="f2002a93-7bda-4cbc-8612-fb29e2446453"/>
+    <ds:schemaRef ds:uri="http://www.w3.org/XML/1998/namespace"/>
+  </ds:schemaRefs>
+</ds:datastoreItem>
 </file>
 
-<file path=customXml/item3.xml><?xml version="1.0" encoding="utf-8"?>
-<p:properties xmlns:p="http://schemas.microsoft.com/office/2006/metadata/properties" xmlns:xsi="http://www.w3.org/2001/XMLSchema-instance" xmlns:pc="http://schemas.microsoft.com/office/infopath/2007/PartnerControls">
-  <documentManagement/>
-</p:properties>
+<file path=customXml/itemProps2.xml><?xml version="1.0" encoding="utf-8"?>
+<ds:datastoreItem xmlns:ds="http://schemas.openxmlformats.org/officeDocument/2006/customXml" ds:itemID="{BE1E3851-0FEA-4D7D-B543-8D5F66D03BCE}">
+  <ds:schemaRefs>
+    <ds:schemaRef ds:uri="http://schemas.microsoft.com/sharepoint/v3/contenttype/forms"/>
+  </ds:schemaRefs>
+</ds:datastoreItem>
 </file>
 
-<file path=customXml/itemProps1.xml><?xml version="1.0" encoding="utf-8"?>
+<file path=customXml/itemProps3.xml><?xml version="1.0" encoding="utf-8"?>
 <ds:datastoreItem xmlns:ds="http://schemas.openxmlformats.org/officeDocument/2006/customXml" ds:itemID="{3238B1D8-D86E-4C6A-A542-4E73DE7D910F}">
   <ds:schemaRefs>
     <ds:schemaRef ds:uri="http://schemas.microsoft.com/office/2006/metadata/contentType"/>
@@ -6844,29 +6938,4 @@
     <ds:schemaRef ds:uri="http://schemas.microsoft.com/internal/obd"/>
   </ds:schemaRefs>
 </ds:datastoreItem>
-</file>
-
-<file path=customXml/itemProps2.xml><?xml version="1.0" encoding="utf-8"?>
-<ds:datastoreItem xmlns:ds="http://schemas.openxmlformats.org/officeDocument/2006/customXml" ds:itemID="{BE1E3851-0FEA-4D7D-B543-8D5F66D03BCE}">
-  <ds:schemaRefs>
-    <ds:schemaRef ds:uri="http://schemas.microsoft.com/sharepoint/v3/contenttype/forms"/>
-  </ds:schemaRefs>
-</ds:datastoreItem>
-</file>
-
-<file path=customXml/itemProps3.xml><?xml version="1.0" encoding="utf-8"?>
-<ds:datastoreItem xmlns:ds="http://schemas.openxmlformats.org/officeDocument/2006/customXml" ds:itemID="{81800929-FD15-4FCE-B863-7CC612F65BDB}">
-  <ds:schemaRefs>
-    <ds:schemaRef ds:uri="http://purl.org/dc/dcmitype/"/>
-    <ds:schemaRef ds:uri="http://schemas.microsoft.com/office/2006/metadata/properties"/>
-    <ds:schemaRef ds:uri="http://schemas.microsoft.com/office/infopath/2007/PartnerControls"/>
-    <ds:schemaRef ds:uri="http://schemas.microsoft.com/office/2006/documentManagement/types"/>
-    <ds:schemaRef ds:uri="e1790abd-ae67-465d-bed3-840f6d97e514"/>
-    <ds:schemaRef ds:uri="http://purl.org/dc/elements/1.1/"/>
-    <ds:schemaRef ds:uri="http://purl.org/dc/terms/"/>
-    <ds:schemaRef ds:uri="http://schemas.openxmlformats.org/package/2006/metadata/core-properties"/>
-    <ds:schemaRef ds:uri="f2002a93-7bda-4cbc-8612-fb29e2446453"/>
-    <ds:schemaRef ds:uri="http://www.w3.org/XML/1998/namespace"/>
-  </ds:schemaRefs>
-</ds:datastoreItem>
 </file>
--- a/React - Redux with Hooks.pptx
+++ b/React - Redux with Hooks.pptx
@@ -10,16 +10,24 @@
     <p:sldId id="261" r:id="rId7"/>
     <p:sldId id="263" r:id="rId8"/>
     <p:sldId id="264" r:id="rId9"/>
-    <p:sldId id="262" r:id="rId10"/>
-    <p:sldId id="265" r:id="rId11"/>
-    <p:sldId id="267" r:id="rId12"/>
-    <p:sldId id="270" r:id="rId13"/>
-    <p:sldId id="269" r:id="rId14"/>
-    <p:sldId id="268" r:id="rId15"/>
-    <p:sldId id="257" r:id="rId16"/>
-    <p:sldId id="271" r:id="rId17"/>
-    <p:sldId id="266" r:id="rId18"/>
-    <p:sldId id="258" r:id="rId19"/>
+    <p:sldId id="277" r:id="rId10"/>
+    <p:sldId id="273" r:id="rId11"/>
+    <p:sldId id="274" r:id="rId12"/>
+    <p:sldId id="276" r:id="rId13"/>
+    <p:sldId id="275" r:id="rId14"/>
+    <p:sldId id="262" r:id="rId15"/>
+    <p:sldId id="265" r:id="rId16"/>
+    <p:sldId id="267" r:id="rId17"/>
+    <p:sldId id="270" r:id="rId18"/>
+    <p:sldId id="269" r:id="rId19"/>
+    <p:sldId id="268" r:id="rId20"/>
+    <p:sldId id="257" r:id="rId21"/>
+    <p:sldId id="271" r:id="rId22"/>
+    <p:sldId id="266" r:id="rId23"/>
+    <p:sldId id="278" r:id="rId24"/>
+    <p:sldId id="272" r:id="rId25"/>
+    <p:sldId id="279" r:id="rId26"/>
+    <p:sldId id="258" r:id="rId27"/>
   </p:sldIdLst>
   <p:sldSz cx="12192000" cy="6858000"/>
   <p:notesSz cx="6858000" cy="9144000"/>
@@ -672,7 +680,7 @@
           <a:p>
             <a:fld id="{7CF9FAEB-4AD6-4364-B8B1-C87D190B56A4}" type="datetimeFigureOut">
               <a:rPr lang="en-US" smtClean="0"/>
-              <a:t>1/20/2020</a:t>
+              <a:t>2/1/2020</a:t>
             </a:fld>
             <a:endParaRPr lang="en-US"/>
           </a:p>
@@ -870,7 +878,7 @@
           <a:p>
             <a:fld id="{7CF9FAEB-4AD6-4364-B8B1-C87D190B56A4}" type="datetimeFigureOut">
               <a:rPr lang="en-US" smtClean="0"/>
-              <a:t>1/20/2020</a:t>
+              <a:t>2/1/2020</a:t>
             </a:fld>
             <a:endParaRPr lang="en-US"/>
           </a:p>
@@ -1078,7 +1086,7 @@
           <a:p>
             <a:fld id="{7CF9FAEB-4AD6-4364-B8B1-C87D190B56A4}" type="datetimeFigureOut">
               <a:rPr lang="en-US" smtClean="0"/>
-              <a:t>1/20/2020</a:t>
+              <a:t>2/1/2020</a:t>
             </a:fld>
             <a:endParaRPr lang="en-US"/>
           </a:p>
@@ -1276,7 +1284,7 @@
           <a:p>
             <a:fld id="{7CF9FAEB-4AD6-4364-B8B1-C87D190B56A4}" type="datetimeFigureOut">
               <a:rPr lang="en-US" smtClean="0"/>
-              <a:t>1/20/2020</a:t>
+              <a:t>2/1/2020</a:t>
             </a:fld>
             <a:endParaRPr lang="en-US"/>
           </a:p>
@@ -1551,7 +1559,7 @@
           <a:p>
             <a:fld id="{7CF9FAEB-4AD6-4364-B8B1-C87D190B56A4}" type="datetimeFigureOut">
               <a:rPr lang="en-US" smtClean="0"/>
-              <a:t>1/20/2020</a:t>
+              <a:t>2/1/2020</a:t>
             </a:fld>
             <a:endParaRPr lang="en-US"/>
           </a:p>
@@ -1816,7 +1824,7 @@
           <a:p>
             <a:fld id="{7CF9FAEB-4AD6-4364-B8B1-C87D190B56A4}" type="datetimeFigureOut">
               <a:rPr lang="en-US" smtClean="0"/>
-              <a:t>1/20/2020</a:t>
+              <a:t>2/1/2020</a:t>
             </a:fld>
             <a:endParaRPr lang="en-US"/>
           </a:p>
@@ -2228,7 +2236,7 @@
           <a:p>
             <a:fld id="{7CF9FAEB-4AD6-4364-B8B1-C87D190B56A4}" type="datetimeFigureOut">
               <a:rPr lang="en-US" smtClean="0"/>
-              <a:t>1/20/2020</a:t>
+              <a:t>2/1/2020</a:t>
             </a:fld>
             <a:endParaRPr lang="en-US"/>
           </a:p>
@@ -2369,7 +2377,7 @@
           <a:p>
             <a:fld id="{7CF9FAEB-4AD6-4364-B8B1-C87D190B56A4}" type="datetimeFigureOut">
               <a:rPr lang="en-US" smtClean="0"/>
-              <a:t>1/20/2020</a:t>
+              <a:t>2/1/2020</a:t>
             </a:fld>
             <a:endParaRPr lang="en-US"/>
           </a:p>
@@ -2482,7 +2490,7 @@
           <a:p>
             <a:fld id="{7CF9FAEB-4AD6-4364-B8B1-C87D190B56A4}" type="datetimeFigureOut">
               <a:rPr lang="en-US" smtClean="0"/>
-              <a:t>1/20/2020</a:t>
+              <a:t>2/1/2020</a:t>
             </a:fld>
             <a:endParaRPr lang="en-US"/>
           </a:p>
@@ -2793,7 +2801,7 @@
           <a:p>
             <a:fld id="{7CF9FAEB-4AD6-4364-B8B1-C87D190B56A4}" type="datetimeFigureOut">
               <a:rPr lang="en-US" smtClean="0"/>
-              <a:t>1/20/2020</a:t>
+              <a:t>2/1/2020</a:t>
             </a:fld>
             <a:endParaRPr lang="en-US"/>
           </a:p>
@@ -3081,7 +3089,7 @@
           <a:p>
             <a:fld id="{7CF9FAEB-4AD6-4364-B8B1-C87D190B56A4}" type="datetimeFigureOut">
               <a:rPr lang="en-US" smtClean="0"/>
-              <a:t>1/20/2020</a:t>
+              <a:t>2/1/2020</a:t>
             </a:fld>
             <a:endParaRPr lang="en-US"/>
           </a:p>
@@ -3322,7 +3330,7 @@
           <a:p>
             <a:fld id="{7CF9FAEB-4AD6-4364-B8B1-C87D190B56A4}" type="datetimeFigureOut">
               <a:rPr lang="en-US" smtClean="0"/>
-              <a:t>1/20/2020</a:t>
+              <a:t>2/1/2020</a:t>
             </a:fld>
             <a:endParaRPr lang="en-US"/>
           </a:p>
@@ -3910,6 +3918,725 @@
           <p:cNvPr id="2" name="Title 1">
             <a:extLst>
               <a:ext uri="{FF2B5EF4-FFF2-40B4-BE49-F238E27FC236}">
+                <a16:creationId xmlns:a16="http://schemas.microsoft.com/office/drawing/2014/main" id="{28CA0A12-2AAF-4FBA-A466-349DAFDBA8EF}"/>
+              </a:ext>
+            </a:extLst>
+          </p:cNvPr>
+          <p:cNvSpPr>
+            <a:spLocks noGrp="1"/>
+          </p:cNvSpPr>
+          <p:nvPr>
+            <p:ph type="title"/>
+          </p:nvPr>
+        </p:nvSpPr>
+        <p:spPr/>
+        <p:txBody>
+          <a:bodyPr/>
+          <a:lstStyle/>
+          <a:p>
+            <a:endParaRPr lang="en-US"/>
+          </a:p>
+        </p:txBody>
+      </p:sp>
+      <p:sp>
+        <p:nvSpPr>
+          <p:cNvPr id="3" name="Content Placeholder 2">
+            <a:extLst>
+              <a:ext uri="{FF2B5EF4-FFF2-40B4-BE49-F238E27FC236}">
+                <a16:creationId xmlns:a16="http://schemas.microsoft.com/office/drawing/2014/main" id="{9BA01680-26F4-42A1-A856-4136530AAB76}"/>
+              </a:ext>
+            </a:extLst>
+          </p:cNvPr>
+          <p:cNvSpPr>
+            <a:spLocks noGrp="1"/>
+          </p:cNvSpPr>
+          <p:nvPr>
+            <p:ph idx="1"/>
+          </p:nvPr>
+        </p:nvSpPr>
+        <p:spPr/>
+        <p:txBody>
+          <a:bodyPr/>
+          <a:lstStyle/>
+          <a:p>
+            <a:endParaRPr lang="en-US"/>
+          </a:p>
+        </p:txBody>
+      </p:sp>
+      <p:pic>
+        <p:nvPicPr>
+          <p:cNvPr id="3074" name="Picture 2">
+            <a:extLst>
+              <a:ext uri="{FF2B5EF4-FFF2-40B4-BE49-F238E27FC236}">
+                <a16:creationId xmlns:a16="http://schemas.microsoft.com/office/drawing/2014/main" id="{97422294-3398-4BC2-9A6D-9D864411E029}"/>
+              </a:ext>
+            </a:extLst>
+          </p:cNvPr>
+          <p:cNvPicPr>
+            <a:picLocks noChangeAspect="1" noChangeArrowheads="1"/>
+          </p:cNvPicPr>
+          <p:nvPr/>
+        </p:nvPicPr>
+        <p:blipFill>
+          <a:blip r:embed="rId2">
+            <a:extLst>
+              <a:ext uri="{28A0092B-C50C-407E-A947-70E740481C1C}">
+                <a14:useLocalDpi xmlns:a14="http://schemas.microsoft.com/office/drawing/2010/main" val="0"/>
+              </a:ext>
+            </a:extLst>
+          </a:blip>
+          <a:srcRect/>
+          <a:stretch>
+            <a:fillRect/>
+          </a:stretch>
+        </p:blipFill>
+        <p:spPr bwMode="auto">
+          <a:xfrm>
+            <a:off x="0" y="-26194"/>
+            <a:ext cx="12192000" cy="3433763"/>
+          </a:xfrm>
+          <a:prstGeom prst="rect">
+            <a:avLst/>
+          </a:prstGeom>
+          <a:noFill/>
+          <a:extLst>
+            <a:ext uri="{909E8E84-426E-40DD-AFC4-6F175D3DCCD1}">
+              <a14:hiddenFill xmlns:a14="http://schemas.microsoft.com/office/drawing/2010/main">
+                <a:solidFill>
+                  <a:srgbClr val="FFFFFF"/>
+                </a:solidFill>
+              </a14:hiddenFill>
+            </a:ext>
+          </a:extLst>
+        </p:spPr>
+      </p:pic>
+      <p:pic>
+        <p:nvPicPr>
+          <p:cNvPr id="3076" name="Picture 4">
+            <a:extLst>
+              <a:ext uri="{FF2B5EF4-FFF2-40B4-BE49-F238E27FC236}">
+                <a16:creationId xmlns:a16="http://schemas.microsoft.com/office/drawing/2014/main" id="{A67CB2EB-5F0A-4815-A424-E53DE1B135A1}"/>
+              </a:ext>
+            </a:extLst>
+          </p:cNvPr>
+          <p:cNvPicPr>
+            <a:picLocks noChangeAspect="1" noChangeArrowheads="1"/>
+          </p:cNvPicPr>
+          <p:nvPr/>
+        </p:nvPicPr>
+        <p:blipFill>
+          <a:blip r:embed="rId3">
+            <a:extLst>
+              <a:ext uri="{28A0092B-C50C-407E-A947-70E740481C1C}">
+                <a14:useLocalDpi xmlns:a14="http://schemas.microsoft.com/office/drawing/2010/main" val="0"/>
+              </a:ext>
+            </a:extLst>
+          </a:blip>
+          <a:srcRect/>
+          <a:stretch>
+            <a:fillRect/>
+          </a:stretch>
+        </p:blipFill>
+        <p:spPr bwMode="auto">
+          <a:xfrm>
+            <a:off x="266700" y="2747223"/>
+            <a:ext cx="9413206" cy="4090087"/>
+          </a:xfrm>
+          <a:prstGeom prst="rect">
+            <a:avLst/>
+          </a:prstGeom>
+          <a:noFill/>
+          <a:extLst>
+            <a:ext uri="{909E8E84-426E-40DD-AFC4-6F175D3DCCD1}">
+              <a14:hiddenFill xmlns:a14="http://schemas.microsoft.com/office/drawing/2010/main">
+                <a:solidFill>
+                  <a:srgbClr val="FFFFFF"/>
+                </a:solidFill>
+              </a14:hiddenFill>
+            </a:ext>
+          </a:extLst>
+        </p:spPr>
+      </p:pic>
+    </p:spTree>
+    <p:extLst>
+      <p:ext uri="{BB962C8B-B14F-4D97-AF65-F5344CB8AC3E}">
+        <p14:creationId xmlns:p14="http://schemas.microsoft.com/office/powerpoint/2010/main" val="4286722135"/>
+      </p:ext>
+    </p:extLst>
+  </p:cSld>
+  <p:clrMapOvr>
+    <a:masterClrMapping/>
+  </p:clrMapOvr>
+</p:sld>
+</file>
+
+<file path=ppt/slides/slide11.xml><?xml version="1.0" encoding="utf-8"?>
+<p:sld xmlns:a="http://schemas.openxmlformats.org/drawingml/2006/main" xmlns:r="http://schemas.openxmlformats.org/officeDocument/2006/relationships" xmlns:p="http://schemas.openxmlformats.org/presentationml/2006/main">
+  <p:cSld>
+    <p:spTree>
+      <p:nvGrpSpPr>
+        <p:cNvPr id="1" name=""/>
+        <p:cNvGrpSpPr/>
+        <p:nvPr/>
+      </p:nvGrpSpPr>
+      <p:grpSpPr>
+        <a:xfrm>
+          <a:off x="0" y="0"/>
+          <a:ext cx="0" cy="0"/>
+          <a:chOff x="0" y="0"/>
+          <a:chExt cx="0" cy="0"/>
+        </a:xfrm>
+      </p:grpSpPr>
+      <p:sp>
+        <p:nvSpPr>
+          <p:cNvPr id="2" name="Title 1">
+            <a:extLst>
+              <a:ext uri="{FF2B5EF4-FFF2-40B4-BE49-F238E27FC236}">
+                <a16:creationId xmlns:a16="http://schemas.microsoft.com/office/drawing/2014/main" id="{86790A83-CC29-4768-8B18-A1AAF3942424}"/>
+              </a:ext>
+            </a:extLst>
+          </p:cNvPr>
+          <p:cNvSpPr>
+            <a:spLocks noGrp="1"/>
+          </p:cNvSpPr>
+          <p:nvPr>
+            <p:ph type="title"/>
+          </p:nvPr>
+        </p:nvSpPr>
+        <p:spPr>
+          <a:xfrm>
+            <a:off x="234066" y="278151"/>
+            <a:ext cx="10515600" cy="1325563"/>
+          </a:xfrm>
+        </p:spPr>
+        <p:txBody>
+          <a:bodyPr/>
+          <a:lstStyle/>
+          <a:p>
+            <a:r>
+              <a:rPr lang="ru-RU" b="1" dirty="0"/>
+              <a:t>Правила хуков</a:t>
+            </a:r>
+            <a:br>
+              <a:rPr lang="ru-RU" b="1" dirty="0"/>
+            </a:br>
+            <a:endParaRPr lang="en-US" dirty="0"/>
+          </a:p>
+        </p:txBody>
+      </p:sp>
+      <p:sp>
+        <p:nvSpPr>
+          <p:cNvPr id="3" name="Content Placeholder 2">
+            <a:extLst>
+              <a:ext uri="{FF2B5EF4-FFF2-40B4-BE49-F238E27FC236}">
+                <a16:creationId xmlns:a16="http://schemas.microsoft.com/office/drawing/2014/main" id="{33C9C682-1A9C-4456-8A2D-820249B2DB19}"/>
+              </a:ext>
+            </a:extLst>
+          </p:cNvPr>
+          <p:cNvSpPr>
+            <a:spLocks noGrp="1"/>
+          </p:cNvSpPr>
+          <p:nvPr>
+            <p:ph idx="1"/>
+          </p:nvPr>
+        </p:nvSpPr>
+        <p:spPr>
+          <a:xfrm>
+            <a:off x="234066" y="1167606"/>
+            <a:ext cx="11519784" cy="4351338"/>
+          </a:xfrm>
+        </p:spPr>
+        <p:txBody>
+          <a:bodyPr/>
+          <a:lstStyle/>
+          <a:p>
+            <a:r>
+              <a:rPr lang="ru-RU" sz="2400" dirty="0"/>
+              <a:t>Хуки следует вызывать только </a:t>
+            </a:r>
+            <a:r>
+              <a:rPr lang="ru-RU" sz="2400" b="1" dirty="0"/>
+              <a:t>на верхнем уровне</a:t>
+            </a:r>
+            <a:r>
+              <a:rPr lang="ru-RU" sz="2400" dirty="0"/>
+              <a:t>. Не вызывайте хуки внутри циклов, условий или вложенных функций.</a:t>
+            </a:r>
+          </a:p>
+          <a:p>
+            <a:r>
+              <a:rPr lang="ru-RU" sz="2400" dirty="0"/>
+              <a:t>Хуки следует вызывать только </a:t>
+            </a:r>
+            <a:r>
+              <a:rPr lang="ru-RU" sz="2400" b="1" dirty="0"/>
+              <a:t>из функциональных компонентов </a:t>
+            </a:r>
+            <a:r>
+              <a:rPr lang="ru-RU" sz="2400" b="1" dirty="0" err="1"/>
+              <a:t>React</a:t>
+            </a:r>
+            <a:r>
+              <a:rPr lang="ru-RU" sz="2400" dirty="0"/>
+              <a:t>. </a:t>
+            </a:r>
+          </a:p>
+          <a:p>
+            <a:endParaRPr lang="en-US" dirty="0"/>
+          </a:p>
+        </p:txBody>
+      </p:sp>
+      <p:pic>
+        <p:nvPicPr>
+          <p:cNvPr id="1026" name="Picture 2">
+            <a:extLst>
+              <a:ext uri="{FF2B5EF4-FFF2-40B4-BE49-F238E27FC236}">
+                <a16:creationId xmlns:a16="http://schemas.microsoft.com/office/drawing/2014/main" id="{A2CDECEE-85F4-4881-A996-3AB4F905FEE6}"/>
+              </a:ext>
+            </a:extLst>
+          </p:cNvPr>
+          <p:cNvPicPr>
+            <a:picLocks noChangeAspect="1" noChangeArrowheads="1"/>
+          </p:cNvPicPr>
+          <p:nvPr/>
+        </p:nvPicPr>
+        <p:blipFill>
+          <a:blip r:embed="rId2">
+            <a:extLst>
+              <a:ext uri="{28A0092B-C50C-407E-A947-70E740481C1C}">
+                <a14:useLocalDpi xmlns:a14="http://schemas.microsoft.com/office/drawing/2010/main" val="0"/>
+              </a:ext>
+            </a:extLst>
+          </a:blip>
+          <a:srcRect/>
+          <a:stretch>
+            <a:fillRect/>
+          </a:stretch>
+        </p:blipFill>
+        <p:spPr bwMode="auto">
+          <a:xfrm>
+            <a:off x="2937961" y="2664619"/>
+            <a:ext cx="6316078" cy="3915230"/>
+          </a:xfrm>
+          <a:prstGeom prst="rect">
+            <a:avLst/>
+          </a:prstGeom>
+          <a:noFill/>
+          <a:extLst>
+            <a:ext uri="{909E8E84-426E-40DD-AFC4-6F175D3DCCD1}">
+              <a14:hiddenFill xmlns:a14="http://schemas.microsoft.com/office/drawing/2010/main">
+                <a:solidFill>
+                  <a:srgbClr val="FFFFFF"/>
+                </a:solidFill>
+              </a14:hiddenFill>
+            </a:ext>
+          </a:extLst>
+        </p:spPr>
+      </p:pic>
+    </p:spTree>
+    <p:extLst>
+      <p:ext uri="{BB962C8B-B14F-4D97-AF65-F5344CB8AC3E}">
+        <p14:creationId xmlns:p14="http://schemas.microsoft.com/office/powerpoint/2010/main" val="2735156009"/>
+      </p:ext>
+    </p:extLst>
+  </p:cSld>
+  <p:clrMapOvr>
+    <a:masterClrMapping/>
+  </p:clrMapOvr>
+</p:sld>
+</file>
+
+<file path=ppt/slides/slide12.xml><?xml version="1.0" encoding="utf-8"?>
+<p:sld xmlns:a="http://schemas.openxmlformats.org/drawingml/2006/main" xmlns:r="http://schemas.openxmlformats.org/officeDocument/2006/relationships" xmlns:p="http://schemas.openxmlformats.org/presentationml/2006/main">
+  <p:cSld>
+    <p:spTree>
+      <p:nvGrpSpPr>
+        <p:cNvPr id="1" name=""/>
+        <p:cNvGrpSpPr/>
+        <p:nvPr/>
+      </p:nvGrpSpPr>
+      <p:grpSpPr>
+        <a:xfrm>
+          <a:off x="0" y="0"/>
+          <a:ext cx="0" cy="0"/>
+          <a:chOff x="0" y="0"/>
+          <a:chExt cx="0" cy="0"/>
+        </a:xfrm>
+      </p:grpSpPr>
+      <p:sp>
+        <p:nvSpPr>
+          <p:cNvPr id="2" name="Title 1">
+            <a:extLst>
+              <a:ext uri="{FF2B5EF4-FFF2-40B4-BE49-F238E27FC236}">
+                <a16:creationId xmlns:a16="http://schemas.microsoft.com/office/drawing/2014/main" id="{5FFB6316-CDFC-4C0C-B48F-939722DCB317}"/>
+              </a:ext>
+            </a:extLst>
+          </p:cNvPr>
+          <p:cNvSpPr>
+            <a:spLocks noGrp="1"/>
+          </p:cNvSpPr>
+          <p:nvPr>
+            <p:ph type="title"/>
+          </p:nvPr>
+        </p:nvSpPr>
+        <p:spPr/>
+        <p:txBody>
+          <a:bodyPr/>
+          <a:lstStyle/>
+          <a:p>
+            <a:r>
+              <a:rPr lang="en-US" dirty="0"/>
+              <a:t>Redux</a:t>
+            </a:r>
+          </a:p>
+        </p:txBody>
+      </p:sp>
+      <p:sp>
+        <p:nvSpPr>
+          <p:cNvPr id="3" name="Content Placeholder 2">
+            <a:extLst>
+              <a:ext uri="{FF2B5EF4-FFF2-40B4-BE49-F238E27FC236}">
+                <a16:creationId xmlns:a16="http://schemas.microsoft.com/office/drawing/2014/main" id="{445D9457-8049-4968-AFDE-41CCA7BA2687}"/>
+              </a:ext>
+            </a:extLst>
+          </p:cNvPr>
+          <p:cNvSpPr>
+            <a:spLocks noGrp="1"/>
+          </p:cNvSpPr>
+          <p:nvPr>
+            <p:ph idx="1"/>
+          </p:nvPr>
+        </p:nvSpPr>
+        <p:spPr/>
+        <p:txBody>
+          <a:bodyPr/>
+          <a:lstStyle/>
+          <a:p>
+            <a:r>
+              <a:rPr lang="en-US" dirty="0"/>
+              <a:t>Redux – </a:t>
+            </a:r>
+            <a:r>
+              <a:rPr lang="ru-RU" dirty="0"/>
+              <a:t>библиотека для работы со </a:t>
+            </a:r>
+            <a:r>
+              <a:rPr lang="ru-RU" dirty="0" err="1"/>
+              <a:t>стейтом</a:t>
+            </a:r>
+            <a:r>
+              <a:rPr lang="ru-RU" dirty="0"/>
+              <a:t> приложения.</a:t>
+            </a:r>
+          </a:p>
+          <a:p>
+            <a:endParaRPr lang="en-US" dirty="0"/>
+          </a:p>
+        </p:txBody>
+      </p:sp>
+      <p:pic>
+        <p:nvPicPr>
+          <p:cNvPr id="5124" name="Picture 4" descr="Картинки по запросу redux">
+            <a:extLst>
+              <a:ext uri="{FF2B5EF4-FFF2-40B4-BE49-F238E27FC236}">
+                <a16:creationId xmlns:a16="http://schemas.microsoft.com/office/drawing/2014/main" id="{7B5EB006-59D8-4309-B489-8A429F2938E5}"/>
+              </a:ext>
+            </a:extLst>
+          </p:cNvPr>
+          <p:cNvPicPr>
+            <a:picLocks noChangeAspect="1" noChangeArrowheads="1"/>
+          </p:cNvPicPr>
+          <p:nvPr/>
+        </p:nvPicPr>
+        <p:blipFill>
+          <a:blip r:embed="rId2">
+            <a:extLst>
+              <a:ext uri="{28A0092B-C50C-407E-A947-70E740481C1C}">
+                <a14:useLocalDpi xmlns:a14="http://schemas.microsoft.com/office/drawing/2010/main" val="0"/>
+              </a:ext>
+            </a:extLst>
+          </a:blip>
+          <a:srcRect/>
+          <a:stretch>
+            <a:fillRect/>
+          </a:stretch>
+        </p:blipFill>
+        <p:spPr bwMode="auto">
+          <a:xfrm>
+            <a:off x="1783517" y="2876551"/>
+            <a:ext cx="8624966" cy="2857020"/>
+          </a:xfrm>
+          <a:prstGeom prst="rect">
+            <a:avLst/>
+          </a:prstGeom>
+          <a:noFill/>
+          <a:extLst>
+            <a:ext uri="{909E8E84-426E-40DD-AFC4-6F175D3DCCD1}">
+              <a14:hiddenFill xmlns:a14="http://schemas.microsoft.com/office/drawing/2010/main">
+                <a:solidFill>
+                  <a:srgbClr val="FFFFFF"/>
+                </a:solidFill>
+              </a14:hiddenFill>
+            </a:ext>
+          </a:extLst>
+        </p:spPr>
+      </p:pic>
+    </p:spTree>
+    <p:extLst>
+      <p:ext uri="{BB962C8B-B14F-4D97-AF65-F5344CB8AC3E}">
+        <p14:creationId xmlns:p14="http://schemas.microsoft.com/office/powerpoint/2010/main" val="2999424102"/>
+      </p:ext>
+    </p:extLst>
+  </p:cSld>
+  <p:clrMapOvr>
+    <a:masterClrMapping/>
+  </p:clrMapOvr>
+</p:sld>
+</file>
+
+<file path=ppt/slides/slide13.xml><?xml version="1.0" encoding="utf-8"?>
+<p:sld xmlns:a="http://schemas.openxmlformats.org/drawingml/2006/main" xmlns:r="http://schemas.openxmlformats.org/officeDocument/2006/relationships" xmlns:p="http://schemas.openxmlformats.org/presentationml/2006/main">
+  <p:cSld>
+    <p:spTree>
+      <p:nvGrpSpPr>
+        <p:cNvPr id="1" name=""/>
+        <p:cNvGrpSpPr/>
+        <p:nvPr/>
+      </p:nvGrpSpPr>
+      <p:grpSpPr>
+        <a:xfrm>
+          <a:off x="0" y="0"/>
+          <a:ext cx="0" cy="0"/>
+          <a:chOff x="0" y="0"/>
+          <a:chExt cx="0" cy="0"/>
+        </a:xfrm>
+      </p:grpSpPr>
+      <p:sp>
+        <p:nvSpPr>
+          <p:cNvPr id="2" name="Title 1">
+            <a:extLst>
+              <a:ext uri="{FF2B5EF4-FFF2-40B4-BE49-F238E27FC236}">
+                <a16:creationId xmlns:a16="http://schemas.microsoft.com/office/drawing/2014/main" id="{D342E658-070A-44EE-B308-CD668F8E0CD6}"/>
+              </a:ext>
+            </a:extLst>
+          </p:cNvPr>
+          <p:cNvSpPr>
+            <a:spLocks noGrp="1"/>
+          </p:cNvSpPr>
+          <p:nvPr>
+            <p:ph type="title"/>
+          </p:nvPr>
+        </p:nvSpPr>
+        <p:spPr/>
+        <p:txBody>
+          <a:bodyPr/>
+          <a:lstStyle/>
+          <a:p>
+            <a:endParaRPr lang="en-US"/>
+          </a:p>
+        </p:txBody>
+      </p:sp>
+      <p:pic>
+        <p:nvPicPr>
+          <p:cNvPr id="7170" name="Picture 2">
+            <a:extLst>
+              <a:ext uri="{FF2B5EF4-FFF2-40B4-BE49-F238E27FC236}">
+                <a16:creationId xmlns:a16="http://schemas.microsoft.com/office/drawing/2014/main" id="{A06EF26E-735F-4E35-A5BB-7A7C14203726}"/>
+              </a:ext>
+            </a:extLst>
+          </p:cNvPr>
+          <p:cNvPicPr>
+            <a:picLocks noChangeAspect="1" noChangeArrowheads="1"/>
+          </p:cNvPicPr>
+          <p:nvPr/>
+        </p:nvPicPr>
+        <p:blipFill>
+          <a:blip r:embed="rId2">
+            <a:extLst>
+              <a:ext uri="{28A0092B-C50C-407E-A947-70E740481C1C}">
+                <a14:useLocalDpi xmlns:a14="http://schemas.microsoft.com/office/drawing/2010/main" val="0"/>
+              </a:ext>
+            </a:extLst>
+          </a:blip>
+          <a:srcRect/>
+          <a:stretch>
+            <a:fillRect/>
+          </a:stretch>
+        </p:blipFill>
+        <p:spPr bwMode="auto">
+          <a:xfrm>
+            <a:off x="3419475" y="2041818"/>
+            <a:ext cx="4857750" cy="3698830"/>
+          </a:xfrm>
+          <a:prstGeom prst="rect">
+            <a:avLst/>
+          </a:prstGeom>
+          <a:noFill/>
+          <a:extLst>
+            <a:ext uri="{909E8E84-426E-40DD-AFC4-6F175D3DCCD1}">
+              <a14:hiddenFill xmlns:a14="http://schemas.microsoft.com/office/drawing/2010/main">
+                <a:solidFill>
+                  <a:srgbClr val="FFFFFF"/>
+                </a:solidFill>
+              </a14:hiddenFill>
+            </a:ext>
+          </a:extLst>
+        </p:spPr>
+      </p:pic>
+    </p:spTree>
+    <p:extLst>
+      <p:ext uri="{BB962C8B-B14F-4D97-AF65-F5344CB8AC3E}">
+        <p14:creationId xmlns:p14="http://schemas.microsoft.com/office/powerpoint/2010/main" val="2775715192"/>
+      </p:ext>
+    </p:extLst>
+  </p:cSld>
+  <p:clrMapOvr>
+    <a:masterClrMapping/>
+  </p:clrMapOvr>
+</p:sld>
+</file>
+
+<file path=ppt/slides/slide14.xml><?xml version="1.0" encoding="utf-8"?>
+<p:sld xmlns:a="http://schemas.openxmlformats.org/drawingml/2006/main" xmlns:r="http://schemas.openxmlformats.org/officeDocument/2006/relationships" xmlns:p="http://schemas.openxmlformats.org/presentationml/2006/main">
+  <p:cSld>
+    <p:spTree>
+      <p:nvGrpSpPr>
+        <p:cNvPr id="1" name=""/>
+        <p:cNvGrpSpPr/>
+        <p:nvPr/>
+      </p:nvGrpSpPr>
+      <p:grpSpPr>
+        <a:xfrm>
+          <a:off x="0" y="0"/>
+          <a:ext cx="0" cy="0"/>
+          <a:chOff x="0" y="0"/>
+          <a:chExt cx="0" cy="0"/>
+        </a:xfrm>
+      </p:grpSpPr>
+      <p:sp>
+        <p:nvSpPr>
+          <p:cNvPr id="2" name="Title 1">
+            <a:extLst>
+              <a:ext uri="{FF2B5EF4-FFF2-40B4-BE49-F238E27FC236}">
+                <a16:creationId xmlns:a16="http://schemas.microsoft.com/office/drawing/2014/main" id="{FDB526B0-5255-4E2F-B73C-65761AB4DC06}"/>
+              </a:ext>
+            </a:extLst>
+          </p:cNvPr>
+          <p:cNvSpPr>
+            <a:spLocks noGrp="1"/>
+          </p:cNvSpPr>
+          <p:nvPr>
+            <p:ph type="title"/>
+          </p:nvPr>
+        </p:nvSpPr>
+        <p:spPr/>
+        <p:txBody>
+          <a:bodyPr/>
+          <a:lstStyle/>
+          <a:p>
+            <a:r>
+              <a:rPr lang="ru-RU" dirty="0"/>
+              <a:t>3 принципа </a:t>
+            </a:r>
+            <a:r>
+              <a:rPr lang="en-US" dirty="0"/>
+              <a:t>Redux</a:t>
+            </a:r>
+          </a:p>
+        </p:txBody>
+      </p:sp>
+      <p:sp>
+        <p:nvSpPr>
+          <p:cNvPr id="3" name="Content Placeholder 2">
+            <a:extLst>
+              <a:ext uri="{FF2B5EF4-FFF2-40B4-BE49-F238E27FC236}">
+                <a16:creationId xmlns:a16="http://schemas.microsoft.com/office/drawing/2014/main" id="{F42AFD43-D056-4C2E-A3CF-0A2041032A5E}"/>
+              </a:ext>
+            </a:extLst>
+          </p:cNvPr>
+          <p:cNvSpPr>
+            <a:spLocks noGrp="1"/>
+          </p:cNvSpPr>
+          <p:nvPr>
+            <p:ph idx="1"/>
+          </p:nvPr>
+        </p:nvSpPr>
+        <p:spPr/>
+        <p:txBody>
+          <a:bodyPr/>
+          <a:lstStyle/>
+          <a:p>
+            <a:r>
+              <a:rPr lang="ru-RU" dirty="0"/>
+              <a:t>Стейт </a:t>
+            </a:r>
+            <a:r>
+              <a:rPr lang="en-US" dirty="0"/>
+              <a:t>- </a:t>
+            </a:r>
+            <a:r>
+              <a:rPr lang="ru-RU" dirty="0"/>
+              <a:t>единственный источник правды.</a:t>
+            </a:r>
+          </a:p>
+          <a:p>
+            <a:r>
+              <a:rPr lang="ru-RU" dirty="0"/>
+              <a:t>Стейт </a:t>
+            </a:r>
+            <a:r>
+              <a:rPr lang="ru-RU" dirty="0" err="1"/>
+              <a:t>иммутабельный</a:t>
+            </a:r>
+            <a:r>
+              <a:rPr lang="ru-RU" dirty="0"/>
+              <a:t>. </a:t>
+            </a:r>
+          </a:p>
+          <a:p>
+            <a:r>
+              <a:rPr lang="ru-RU" dirty="0"/>
+              <a:t>Все изменения происходят через чистые функции.</a:t>
+            </a:r>
+            <a:endParaRPr lang="en-US" dirty="0"/>
+          </a:p>
+        </p:txBody>
+      </p:sp>
+    </p:spTree>
+    <p:extLst>
+      <p:ext uri="{BB962C8B-B14F-4D97-AF65-F5344CB8AC3E}">
+        <p14:creationId xmlns:p14="http://schemas.microsoft.com/office/powerpoint/2010/main" val="1815725784"/>
+      </p:ext>
+    </p:extLst>
+  </p:cSld>
+  <p:clrMapOvr>
+    <a:masterClrMapping/>
+  </p:clrMapOvr>
+</p:sld>
+</file>
+
+<file path=ppt/slides/slide15.xml><?xml version="1.0" encoding="utf-8"?>
+<p:sld xmlns:a="http://schemas.openxmlformats.org/drawingml/2006/main" xmlns:r="http://schemas.openxmlformats.org/officeDocument/2006/relationships" xmlns:p="http://schemas.openxmlformats.org/presentationml/2006/main">
+  <p:cSld>
+    <p:spTree>
+      <p:nvGrpSpPr>
+        <p:cNvPr id="1" name=""/>
+        <p:cNvGrpSpPr/>
+        <p:nvPr/>
+      </p:nvGrpSpPr>
+      <p:grpSpPr>
+        <a:xfrm>
+          <a:off x="0" y="0"/>
+          <a:ext cx="0" cy="0"/>
+          <a:chOff x="0" y="0"/>
+          <a:chExt cx="0" cy="0"/>
+        </a:xfrm>
+      </p:grpSpPr>
+      <p:sp>
+        <p:nvSpPr>
+          <p:cNvPr id="2" name="Title 1">
+            <a:extLst>
+              <a:ext uri="{FF2B5EF4-FFF2-40B4-BE49-F238E27FC236}">
                 <a16:creationId xmlns:a16="http://schemas.microsoft.com/office/drawing/2014/main" id="{30EB4DCE-6BA4-40A4-8249-E17C65274755}"/>
               </a:ext>
             </a:extLst>
@@ -4080,7 +4807,7 @@
 </p:sld>
 </file>
 
-<file path=ppt/slides/slide11.xml><?xml version="1.0" encoding="utf-8"?>
+<file path=ppt/slides/slide16.xml><?xml version="1.0" encoding="utf-8"?>
 <p:sld xmlns:a="http://schemas.openxmlformats.org/drawingml/2006/main" xmlns:r="http://schemas.openxmlformats.org/officeDocument/2006/relationships" xmlns:p="http://schemas.openxmlformats.org/presentationml/2006/main">
   <p:cSld>
     <p:spTree>
@@ -4642,7 +5369,7 @@
 </p:sld>
 </file>
 
-<file path=ppt/slides/slide12.xml><?xml version="1.0" encoding="utf-8"?>
+<file path=ppt/slides/slide17.xml><?xml version="1.0" encoding="utf-8"?>
 <p:sld xmlns:a="http://schemas.openxmlformats.org/drawingml/2006/main" xmlns:r="http://schemas.openxmlformats.org/officeDocument/2006/relationships" xmlns:p="http://schemas.openxmlformats.org/presentationml/2006/main">
   <p:cSld>
     <p:spTree>
@@ -4784,7 +5511,7 @@
 </p:sld>
 </file>
 
-<file path=ppt/slides/slide13.xml><?xml version="1.0" encoding="utf-8"?>
+<file path=ppt/slides/slide18.xml><?xml version="1.0" encoding="utf-8"?>
 <p:sld xmlns:a="http://schemas.openxmlformats.org/drawingml/2006/main" xmlns:r="http://schemas.openxmlformats.org/officeDocument/2006/relationships" xmlns:p="http://schemas.openxmlformats.org/presentationml/2006/main">
   <p:cSld>
     <p:spTree>
@@ -4916,7 +5643,7 @@
 </p:sld>
 </file>
 
-<file path=ppt/slides/slide14.xml><?xml version="1.0" encoding="utf-8"?>
+<file path=ppt/slides/slide19.xml><?xml version="1.0" encoding="utf-8"?>
 <p:sld xmlns:a="http://schemas.openxmlformats.org/drawingml/2006/main" xmlns:r="http://schemas.openxmlformats.org/officeDocument/2006/relationships" xmlns:p="http://schemas.openxmlformats.org/presentationml/2006/main">
   <p:cSld>
     <p:spTree>
@@ -5105,7 +5832,997 @@
 </p:sld>
 </file>
 
-<file path=ppt/slides/slide15.xml><?xml version="1.0" encoding="utf-8"?>
+<file path=ppt/slides/slide2.xml><?xml version="1.0" encoding="utf-8"?>
+<p:sld xmlns:a="http://schemas.openxmlformats.org/drawingml/2006/main" xmlns:r="http://schemas.openxmlformats.org/officeDocument/2006/relationships" xmlns:p="http://schemas.openxmlformats.org/presentationml/2006/main">
+  <p:cSld>
+    <p:spTree>
+      <p:nvGrpSpPr>
+        <p:cNvPr id="1" name=""/>
+        <p:cNvGrpSpPr/>
+        <p:nvPr/>
+      </p:nvGrpSpPr>
+      <p:grpSpPr>
+        <a:xfrm>
+          <a:off x="0" y="0"/>
+          <a:ext cx="0" cy="0"/>
+          <a:chOff x="0" y="0"/>
+          <a:chExt cx="0" cy="0"/>
+        </a:xfrm>
+      </p:grpSpPr>
+      <p:sp>
+        <p:nvSpPr>
+          <p:cNvPr id="2" name="Title 1">
+            <a:extLst>
+              <a:ext uri="{FF2B5EF4-FFF2-40B4-BE49-F238E27FC236}">
+                <a16:creationId xmlns:a16="http://schemas.microsoft.com/office/drawing/2014/main" id="{A0C809ED-4169-4F88-B15D-159799893073}"/>
+              </a:ext>
+            </a:extLst>
+          </p:cNvPr>
+          <p:cNvSpPr>
+            <a:spLocks noGrp="1"/>
+          </p:cNvSpPr>
+          <p:nvPr>
+            <p:ph type="title"/>
+          </p:nvPr>
+        </p:nvSpPr>
+        <p:spPr>
+          <a:xfrm>
+            <a:off x="502820" y="184150"/>
+            <a:ext cx="11186360" cy="2314575"/>
+          </a:xfrm>
+        </p:spPr>
+        <p:txBody>
+          <a:bodyPr>
+            <a:normAutofit fontScale="90000"/>
+          </a:bodyPr>
+          <a:lstStyle/>
+          <a:p>
+            <a:pPr algn="ctr"/>
+            <a:r>
+              <a:rPr lang="en-US" i="1" dirty="0">
+                <a:solidFill>
+                  <a:srgbClr val="5A5A5A"/>
+                </a:solidFill>
+                <a:latin typeface="Arial" panose="020B0604020202020204" pitchFamily="34" charset="0"/>
+                <a:cs typeface="Arial" panose="020B0604020202020204" pitchFamily="34" charset="0"/>
+              </a:rPr>
+              <a:t>Hooks</a:t>
+            </a:r>
+            <a:r>
+              <a:rPr lang="ru-RU" dirty="0">
+                <a:solidFill>
+                  <a:srgbClr val="5A5A5A"/>
+                </a:solidFill>
+                <a:latin typeface="Arial" panose="020B0604020202020204" pitchFamily="34" charset="0"/>
+                <a:cs typeface="Arial" panose="020B0604020202020204" pitchFamily="34" charset="0"/>
+              </a:rPr>
+              <a:t> — нововведение в </a:t>
+            </a:r>
+            <a:r>
+              <a:rPr lang="ru-RU" dirty="0" err="1">
+                <a:solidFill>
+                  <a:srgbClr val="5A5A5A"/>
+                </a:solidFill>
+                <a:latin typeface="Arial" panose="020B0604020202020204" pitchFamily="34" charset="0"/>
+                <a:cs typeface="Arial" panose="020B0604020202020204" pitchFamily="34" charset="0"/>
+              </a:rPr>
+              <a:t>React</a:t>
+            </a:r>
+            <a:r>
+              <a:rPr lang="ru-RU" dirty="0">
+                <a:solidFill>
+                  <a:srgbClr val="5A5A5A"/>
+                </a:solidFill>
+                <a:latin typeface="Arial" panose="020B0604020202020204" pitchFamily="34" charset="0"/>
+                <a:cs typeface="Arial" panose="020B0604020202020204" pitchFamily="34" charset="0"/>
+              </a:rPr>
+              <a:t> 16.8, которое позволяет использовать состояние и другие возможности </a:t>
+            </a:r>
+            <a:r>
+              <a:rPr lang="ru-RU" dirty="0" err="1">
+                <a:solidFill>
+                  <a:srgbClr val="5A5A5A"/>
+                </a:solidFill>
+                <a:latin typeface="Arial" panose="020B0604020202020204" pitchFamily="34" charset="0"/>
+                <a:cs typeface="Arial" panose="020B0604020202020204" pitchFamily="34" charset="0"/>
+              </a:rPr>
+              <a:t>React</a:t>
+            </a:r>
+            <a:r>
+              <a:rPr lang="ru-RU" dirty="0">
+                <a:solidFill>
+                  <a:srgbClr val="5A5A5A"/>
+                </a:solidFill>
+                <a:latin typeface="Arial" panose="020B0604020202020204" pitchFamily="34" charset="0"/>
+                <a:cs typeface="Arial" panose="020B0604020202020204" pitchFamily="34" charset="0"/>
+              </a:rPr>
+              <a:t> без написания классов.</a:t>
+            </a:r>
+            <a:endParaRPr lang="en-US" dirty="0">
+              <a:solidFill>
+                <a:srgbClr val="5A5A5A"/>
+              </a:solidFill>
+              <a:latin typeface="Arial" panose="020B0604020202020204" pitchFamily="34" charset="0"/>
+              <a:cs typeface="Arial" panose="020B0604020202020204" pitchFamily="34" charset="0"/>
+            </a:endParaRPr>
+          </a:p>
+        </p:txBody>
+      </p:sp>
+      <p:pic>
+        <p:nvPicPr>
+          <p:cNvPr id="4" name="Picture 2" descr="Image result for react hook meme">
+            <a:extLst>
+              <a:ext uri="{FF2B5EF4-FFF2-40B4-BE49-F238E27FC236}">
+                <a16:creationId xmlns:a16="http://schemas.microsoft.com/office/drawing/2014/main" id="{C7CBBD9A-56D4-429A-9DCE-A0A39263B778}"/>
+              </a:ext>
+            </a:extLst>
+          </p:cNvPr>
+          <p:cNvPicPr>
+            <a:picLocks noChangeAspect="1" noChangeArrowheads="1"/>
+          </p:cNvPicPr>
+          <p:nvPr/>
+        </p:nvPicPr>
+        <p:blipFill>
+          <a:blip r:embed="rId2">
+            <a:extLst>
+              <a:ext uri="{28A0092B-C50C-407E-A947-70E740481C1C}">
+                <a14:useLocalDpi xmlns:a14="http://schemas.microsoft.com/office/drawing/2010/main" val="0"/>
+              </a:ext>
+            </a:extLst>
+          </a:blip>
+          <a:srcRect/>
+          <a:stretch>
+            <a:fillRect/>
+          </a:stretch>
+        </p:blipFill>
+        <p:spPr bwMode="auto">
+          <a:xfrm>
+            <a:off x="3134727" y="2697914"/>
+            <a:ext cx="6115050" cy="3590925"/>
+          </a:xfrm>
+          <a:prstGeom prst="rect">
+            <a:avLst/>
+          </a:prstGeom>
+          <a:noFill/>
+          <a:extLst>
+            <a:ext uri="{909E8E84-426E-40DD-AFC4-6F175D3DCCD1}">
+              <a14:hiddenFill xmlns:a14="http://schemas.microsoft.com/office/drawing/2010/main">
+                <a:solidFill>
+                  <a:srgbClr val="FFFFFF"/>
+                </a:solidFill>
+              </a14:hiddenFill>
+            </a:ext>
+          </a:extLst>
+        </p:spPr>
+      </p:pic>
+    </p:spTree>
+    <p:extLst>
+      <p:ext uri="{BB962C8B-B14F-4D97-AF65-F5344CB8AC3E}">
+        <p14:creationId xmlns:p14="http://schemas.microsoft.com/office/powerpoint/2010/main" val="2849461995"/>
+      </p:ext>
+    </p:extLst>
+  </p:cSld>
+  <p:clrMapOvr>
+    <a:masterClrMapping/>
+  </p:clrMapOvr>
+</p:sld>
+</file>
+
+<file path=ppt/slides/slide20.xml><?xml version="1.0" encoding="utf-8"?>
+<p:sld xmlns:a="http://schemas.openxmlformats.org/drawingml/2006/main" xmlns:r="http://schemas.openxmlformats.org/officeDocument/2006/relationships" xmlns:p="http://schemas.openxmlformats.org/presentationml/2006/main">
+  <p:cSld>
+    <p:spTree>
+      <p:nvGrpSpPr>
+        <p:cNvPr id="1" name=""/>
+        <p:cNvGrpSpPr/>
+        <p:nvPr/>
+      </p:nvGrpSpPr>
+      <p:grpSpPr>
+        <a:xfrm>
+          <a:off x="0" y="0"/>
+          <a:ext cx="0" cy="0"/>
+          <a:chOff x="0" y="0"/>
+          <a:chExt cx="0" cy="0"/>
+        </a:xfrm>
+      </p:grpSpPr>
+      <p:sp>
+        <p:nvSpPr>
+          <p:cNvPr id="2" name="Title 1">
+            <a:extLst>
+              <a:ext uri="{FF2B5EF4-FFF2-40B4-BE49-F238E27FC236}">
+                <a16:creationId xmlns:a16="http://schemas.microsoft.com/office/drawing/2014/main" id="{747CF1AC-9305-4000-99B2-2E43BEC5B2C4}"/>
+              </a:ext>
+            </a:extLst>
+          </p:cNvPr>
+          <p:cNvSpPr>
+            <a:spLocks noGrp="1"/>
+          </p:cNvSpPr>
+          <p:nvPr>
+            <p:ph type="title"/>
+          </p:nvPr>
+        </p:nvSpPr>
+        <p:spPr>
+          <a:xfrm>
+            <a:off x="838200" y="849353"/>
+            <a:ext cx="7563312" cy="841335"/>
+          </a:xfrm>
+        </p:spPr>
+        <p:txBody>
+          <a:bodyPr/>
+          <a:lstStyle/>
+          <a:p>
+            <a:r>
+              <a:rPr lang="en-US" dirty="0"/>
+              <a:t>React Context</a:t>
+            </a:r>
+          </a:p>
+        </p:txBody>
+      </p:sp>
+      <p:pic>
+        <p:nvPicPr>
+          <p:cNvPr id="7170" name="Picture 2" descr="Image result for react context">
+            <a:extLst>
+              <a:ext uri="{FF2B5EF4-FFF2-40B4-BE49-F238E27FC236}">
+                <a16:creationId xmlns:a16="http://schemas.microsoft.com/office/drawing/2014/main" id="{ADBDEC0E-A503-4D00-A613-11C52E712DD2}"/>
+              </a:ext>
+            </a:extLst>
+          </p:cNvPr>
+          <p:cNvPicPr>
+            <a:picLocks noChangeAspect="1" noChangeArrowheads="1"/>
+          </p:cNvPicPr>
+          <p:nvPr/>
+        </p:nvPicPr>
+        <p:blipFill>
+          <a:blip r:embed="rId2">
+            <a:extLst>
+              <a:ext uri="{28A0092B-C50C-407E-A947-70E740481C1C}">
+                <a14:useLocalDpi xmlns:a14="http://schemas.microsoft.com/office/drawing/2010/main" val="0"/>
+              </a:ext>
+            </a:extLst>
+          </a:blip>
+          <a:srcRect/>
+          <a:stretch>
+            <a:fillRect/>
+          </a:stretch>
+        </p:blipFill>
+        <p:spPr bwMode="auto">
+          <a:xfrm>
+            <a:off x="2193131" y="1825625"/>
+            <a:ext cx="8186737" cy="4679114"/>
+          </a:xfrm>
+          <a:prstGeom prst="rect">
+            <a:avLst/>
+          </a:prstGeom>
+          <a:noFill/>
+          <a:extLst>
+            <a:ext uri="{909E8E84-426E-40DD-AFC4-6F175D3DCCD1}">
+              <a14:hiddenFill xmlns:a14="http://schemas.microsoft.com/office/drawing/2010/main">
+                <a:solidFill>
+                  <a:srgbClr val="FFFFFF"/>
+                </a:solidFill>
+              </a14:hiddenFill>
+            </a:ext>
+          </a:extLst>
+        </p:spPr>
+      </p:pic>
+    </p:spTree>
+    <p:extLst>
+      <p:ext uri="{BB962C8B-B14F-4D97-AF65-F5344CB8AC3E}">
+        <p14:creationId xmlns:p14="http://schemas.microsoft.com/office/powerpoint/2010/main" val="506163282"/>
+      </p:ext>
+    </p:extLst>
+  </p:cSld>
+  <p:clrMapOvr>
+    <a:masterClrMapping/>
+  </p:clrMapOvr>
+</p:sld>
+</file>
+
+<file path=ppt/slides/slide21.xml><?xml version="1.0" encoding="utf-8"?>
+<p:sld xmlns:a="http://schemas.openxmlformats.org/drawingml/2006/main" xmlns:r="http://schemas.openxmlformats.org/officeDocument/2006/relationships" xmlns:p="http://schemas.openxmlformats.org/presentationml/2006/main">
+  <p:cSld>
+    <p:spTree>
+      <p:nvGrpSpPr>
+        <p:cNvPr id="1" name=""/>
+        <p:cNvGrpSpPr/>
+        <p:nvPr/>
+      </p:nvGrpSpPr>
+      <p:grpSpPr>
+        <a:xfrm>
+          <a:off x="0" y="0"/>
+          <a:ext cx="0" cy="0"/>
+          <a:chOff x="0" y="0"/>
+          <a:chExt cx="0" cy="0"/>
+        </a:xfrm>
+      </p:grpSpPr>
+      <p:sp>
+        <p:nvSpPr>
+          <p:cNvPr id="2" name="Title 1">
+            <a:extLst>
+              <a:ext uri="{FF2B5EF4-FFF2-40B4-BE49-F238E27FC236}">
+                <a16:creationId xmlns:a16="http://schemas.microsoft.com/office/drawing/2014/main" id="{23396196-357E-4FA6-AC44-4A50D1EA0E2F}"/>
+              </a:ext>
+            </a:extLst>
+          </p:cNvPr>
+          <p:cNvSpPr>
+            <a:spLocks noGrp="1"/>
+          </p:cNvSpPr>
+          <p:nvPr>
+            <p:ph type="title"/>
+          </p:nvPr>
+        </p:nvSpPr>
+        <p:spPr/>
+        <p:txBody>
+          <a:bodyPr/>
+          <a:lstStyle/>
+          <a:p>
+            <a:r>
+              <a:rPr lang="en-US" dirty="0"/>
+              <a:t>Redux vs React Context</a:t>
+            </a:r>
+          </a:p>
+        </p:txBody>
+      </p:sp>
+      <p:pic>
+        <p:nvPicPr>
+          <p:cNvPr id="1026" name="Picture 2" descr="Image result for redux context meme">
+            <a:extLst>
+              <a:ext uri="{FF2B5EF4-FFF2-40B4-BE49-F238E27FC236}">
+                <a16:creationId xmlns:a16="http://schemas.microsoft.com/office/drawing/2014/main" id="{EF8CB084-0460-496C-8F7C-A2F87E5F8629}"/>
+              </a:ext>
+            </a:extLst>
+          </p:cNvPr>
+          <p:cNvPicPr>
+            <a:picLocks noGrp="1" noChangeAspect="1" noChangeArrowheads="1"/>
+          </p:cNvPicPr>
+          <p:nvPr>
+            <p:ph idx="1"/>
+          </p:nvPr>
+        </p:nvPicPr>
+        <p:blipFill rotWithShape="1">
+          <a:blip r:embed="rId2">
+            <a:extLst>
+              <a:ext uri="{28A0092B-C50C-407E-A947-70E740481C1C}">
+                <a14:useLocalDpi xmlns:a14="http://schemas.microsoft.com/office/drawing/2010/main" val="0"/>
+              </a:ext>
+            </a:extLst>
+          </a:blip>
+          <a:srcRect b="4198"/>
+          <a:stretch/>
+        </p:blipFill>
+        <p:spPr bwMode="auto">
+          <a:xfrm>
+            <a:off x="7168500" y="4032877"/>
+            <a:ext cx="5023500" cy="2825123"/>
+          </a:xfrm>
+          <a:prstGeom prst="rect">
+            <a:avLst/>
+          </a:prstGeom>
+          <a:noFill/>
+          <a:extLst>
+            <a:ext uri="{909E8E84-426E-40DD-AFC4-6F175D3DCCD1}">
+              <a14:hiddenFill xmlns:a14="http://schemas.microsoft.com/office/drawing/2010/main">
+                <a:solidFill>
+                  <a:srgbClr val="FFFFFF"/>
+                </a:solidFill>
+              </a14:hiddenFill>
+            </a:ext>
+          </a:extLst>
+        </p:spPr>
+      </p:pic>
+      <p:sp>
+        <p:nvSpPr>
+          <p:cNvPr id="5" name="Content Placeholder 2">
+            <a:extLst>
+              <a:ext uri="{FF2B5EF4-FFF2-40B4-BE49-F238E27FC236}">
+                <a16:creationId xmlns:a16="http://schemas.microsoft.com/office/drawing/2014/main" id="{51DE9989-C5F7-4EB2-AE13-27360EC7E309}"/>
+              </a:ext>
+            </a:extLst>
+          </p:cNvPr>
+          <p:cNvSpPr txBox="1">
+            <a:spLocks/>
+          </p:cNvSpPr>
+          <p:nvPr/>
+        </p:nvSpPr>
+        <p:spPr>
+          <a:xfrm>
+            <a:off x="838200" y="1690688"/>
+            <a:ext cx="6286500" cy="2825123"/>
+          </a:xfrm>
+          <a:prstGeom prst="rect">
+            <a:avLst/>
+          </a:prstGeom>
+        </p:spPr>
+        <p:txBody>
+          <a:bodyPr vert="horz" lIns="91440" tIns="45720" rIns="91440" bIns="45720" rtlCol="0">
+            <a:normAutofit lnSpcReduction="10000"/>
+          </a:bodyPr>
+          <a:lstStyle>
+            <a:lvl1pPr marL="228600" indent="-228600" algn="l" defTabSz="914400" rtl="0" eaLnBrk="1" latinLnBrk="0" hangingPunct="1">
+              <a:lnSpc>
+                <a:spcPct val="90000"/>
+              </a:lnSpc>
+              <a:spcBef>
+                <a:spcPts val="1000"/>
+              </a:spcBef>
+              <a:buFont typeface="Arial" panose="020B0604020202020204" pitchFamily="34" charset="0"/>
+              <a:buChar char="•"/>
+              <a:defRPr sz="2800" kern="1200">
+                <a:solidFill>
+                  <a:schemeClr val="tx1"/>
+                </a:solidFill>
+                <a:latin typeface="+mn-lt"/>
+                <a:ea typeface="+mn-ea"/>
+                <a:cs typeface="+mn-cs"/>
+              </a:defRPr>
+            </a:lvl1pPr>
+            <a:lvl2pPr marL="685800" indent="-228600" algn="l" defTabSz="914400" rtl="0" eaLnBrk="1" latinLnBrk="0" hangingPunct="1">
+              <a:lnSpc>
+                <a:spcPct val="90000"/>
+              </a:lnSpc>
+              <a:spcBef>
+                <a:spcPts val="500"/>
+              </a:spcBef>
+              <a:buFont typeface="Arial" panose="020B0604020202020204" pitchFamily="34" charset="0"/>
+              <a:buChar char="•"/>
+              <a:defRPr sz="2400" kern="1200">
+                <a:solidFill>
+                  <a:schemeClr val="tx1"/>
+                </a:solidFill>
+                <a:latin typeface="+mn-lt"/>
+                <a:ea typeface="+mn-ea"/>
+                <a:cs typeface="+mn-cs"/>
+              </a:defRPr>
+            </a:lvl2pPr>
+            <a:lvl3pPr marL="1143000" indent="-228600" algn="l" defTabSz="914400" rtl="0" eaLnBrk="1" latinLnBrk="0" hangingPunct="1">
+              <a:lnSpc>
+                <a:spcPct val="90000"/>
+              </a:lnSpc>
+              <a:spcBef>
+                <a:spcPts val="500"/>
+              </a:spcBef>
+              <a:buFont typeface="Arial" panose="020B0604020202020204" pitchFamily="34" charset="0"/>
+              <a:buChar char="•"/>
+              <a:defRPr sz="2000" kern="1200">
+                <a:solidFill>
+                  <a:schemeClr val="tx1"/>
+                </a:solidFill>
+                <a:latin typeface="+mn-lt"/>
+                <a:ea typeface="+mn-ea"/>
+                <a:cs typeface="+mn-cs"/>
+              </a:defRPr>
+            </a:lvl3pPr>
+            <a:lvl4pPr marL="1600200" indent="-228600" algn="l" defTabSz="914400" rtl="0" eaLnBrk="1" latinLnBrk="0" hangingPunct="1">
+              <a:lnSpc>
+                <a:spcPct val="90000"/>
+              </a:lnSpc>
+              <a:spcBef>
+                <a:spcPts val="500"/>
+              </a:spcBef>
+              <a:buFont typeface="Arial" panose="020B0604020202020204" pitchFamily="34" charset="0"/>
+              <a:buChar char="•"/>
+              <a:defRPr sz="1800" kern="1200">
+                <a:solidFill>
+                  <a:schemeClr val="tx1"/>
+                </a:solidFill>
+                <a:latin typeface="+mn-lt"/>
+                <a:ea typeface="+mn-ea"/>
+                <a:cs typeface="+mn-cs"/>
+              </a:defRPr>
+            </a:lvl4pPr>
+            <a:lvl5pPr marL="2057400" indent="-228600" algn="l" defTabSz="914400" rtl="0" eaLnBrk="1" latinLnBrk="0" hangingPunct="1">
+              <a:lnSpc>
+                <a:spcPct val="90000"/>
+              </a:lnSpc>
+              <a:spcBef>
+                <a:spcPts val="500"/>
+              </a:spcBef>
+              <a:buFont typeface="Arial" panose="020B0604020202020204" pitchFamily="34" charset="0"/>
+              <a:buChar char="•"/>
+              <a:defRPr sz="1800" kern="1200">
+                <a:solidFill>
+                  <a:schemeClr val="tx1"/>
+                </a:solidFill>
+                <a:latin typeface="+mn-lt"/>
+                <a:ea typeface="+mn-ea"/>
+                <a:cs typeface="+mn-cs"/>
+              </a:defRPr>
+            </a:lvl5pPr>
+            <a:lvl6pPr marL="2514600" indent="-228600" algn="l" defTabSz="914400" rtl="0" eaLnBrk="1" latinLnBrk="0" hangingPunct="1">
+              <a:lnSpc>
+                <a:spcPct val="90000"/>
+              </a:lnSpc>
+              <a:spcBef>
+                <a:spcPts val="500"/>
+              </a:spcBef>
+              <a:buFont typeface="Arial" panose="020B0604020202020204" pitchFamily="34" charset="0"/>
+              <a:buChar char="•"/>
+              <a:defRPr sz="1800" kern="1200">
+                <a:solidFill>
+                  <a:schemeClr val="tx1"/>
+                </a:solidFill>
+                <a:latin typeface="+mn-lt"/>
+                <a:ea typeface="+mn-ea"/>
+                <a:cs typeface="+mn-cs"/>
+              </a:defRPr>
+            </a:lvl6pPr>
+            <a:lvl7pPr marL="2971800" indent="-228600" algn="l" defTabSz="914400" rtl="0" eaLnBrk="1" latinLnBrk="0" hangingPunct="1">
+              <a:lnSpc>
+                <a:spcPct val="90000"/>
+              </a:lnSpc>
+              <a:spcBef>
+                <a:spcPts val="500"/>
+              </a:spcBef>
+              <a:buFont typeface="Arial" panose="020B0604020202020204" pitchFamily="34" charset="0"/>
+              <a:buChar char="•"/>
+              <a:defRPr sz="1800" kern="1200">
+                <a:solidFill>
+                  <a:schemeClr val="tx1"/>
+                </a:solidFill>
+                <a:latin typeface="+mn-lt"/>
+                <a:ea typeface="+mn-ea"/>
+                <a:cs typeface="+mn-cs"/>
+              </a:defRPr>
+            </a:lvl7pPr>
+            <a:lvl8pPr marL="3429000" indent="-228600" algn="l" defTabSz="914400" rtl="0" eaLnBrk="1" latinLnBrk="0" hangingPunct="1">
+              <a:lnSpc>
+                <a:spcPct val="90000"/>
+              </a:lnSpc>
+              <a:spcBef>
+                <a:spcPts val="500"/>
+              </a:spcBef>
+              <a:buFont typeface="Arial" panose="020B0604020202020204" pitchFamily="34" charset="0"/>
+              <a:buChar char="•"/>
+              <a:defRPr sz="1800" kern="1200">
+                <a:solidFill>
+                  <a:schemeClr val="tx1"/>
+                </a:solidFill>
+                <a:latin typeface="+mn-lt"/>
+                <a:ea typeface="+mn-ea"/>
+                <a:cs typeface="+mn-cs"/>
+              </a:defRPr>
+            </a:lvl8pPr>
+            <a:lvl9pPr marL="3886200" indent="-228600" algn="l" defTabSz="914400" rtl="0" eaLnBrk="1" latinLnBrk="0" hangingPunct="1">
+              <a:lnSpc>
+                <a:spcPct val="90000"/>
+              </a:lnSpc>
+              <a:spcBef>
+                <a:spcPts val="500"/>
+              </a:spcBef>
+              <a:buFont typeface="Arial" panose="020B0604020202020204" pitchFamily="34" charset="0"/>
+              <a:buChar char="•"/>
+              <a:defRPr sz="1800" kern="1200">
+                <a:solidFill>
+                  <a:schemeClr val="tx1"/>
+                </a:solidFill>
+                <a:latin typeface="+mn-lt"/>
+                <a:ea typeface="+mn-ea"/>
+                <a:cs typeface="+mn-cs"/>
+              </a:defRPr>
+            </a:lvl9pPr>
+          </a:lstStyle>
+          <a:p>
+            <a:r>
+              <a:rPr lang="ru-RU" dirty="0"/>
+              <a:t>Более удобная отладка кода</a:t>
+            </a:r>
+          </a:p>
+          <a:p>
+            <a:r>
+              <a:rPr lang="ru-RU" dirty="0"/>
+              <a:t>Использование различных расширений (</a:t>
+            </a:r>
+            <a:r>
+              <a:rPr lang="en-US" dirty="0"/>
+              <a:t>middleware</a:t>
+            </a:r>
+            <a:r>
+              <a:rPr lang="ru-RU" dirty="0"/>
+              <a:t>)</a:t>
+            </a:r>
+            <a:endParaRPr lang="en-US" dirty="0"/>
+          </a:p>
+          <a:p>
+            <a:r>
+              <a:rPr lang="ru-RU" dirty="0"/>
+              <a:t>Функция </a:t>
+            </a:r>
+            <a:r>
+              <a:rPr lang="en-US" dirty="0"/>
+              <a:t>time travel</a:t>
+            </a:r>
+            <a:endParaRPr lang="ru-RU" dirty="0"/>
+          </a:p>
+          <a:p>
+            <a:r>
+              <a:rPr lang="ru-RU" dirty="0"/>
+              <a:t>Более организованная структура кода</a:t>
+            </a:r>
+          </a:p>
+          <a:p>
+            <a:r>
+              <a:rPr lang="ru-RU" dirty="0"/>
+              <a:t>Оптимизация рендеринга </a:t>
+            </a:r>
+            <a:endParaRPr lang="en-US" dirty="0"/>
+          </a:p>
+          <a:p>
+            <a:pPr marL="0" indent="0">
+              <a:buNone/>
+            </a:pPr>
+            <a:endParaRPr lang="en-US" dirty="0"/>
+          </a:p>
+        </p:txBody>
+      </p:sp>
+    </p:spTree>
+    <p:extLst>
+      <p:ext uri="{BB962C8B-B14F-4D97-AF65-F5344CB8AC3E}">
+        <p14:creationId xmlns:p14="http://schemas.microsoft.com/office/powerpoint/2010/main" val="3322451813"/>
+      </p:ext>
+    </p:extLst>
+  </p:cSld>
+  <p:clrMapOvr>
+    <a:masterClrMapping/>
+  </p:clrMapOvr>
+</p:sld>
+</file>
+
+<file path=ppt/slides/slide22.xml><?xml version="1.0" encoding="utf-8"?>
+<p:sld xmlns:a="http://schemas.openxmlformats.org/drawingml/2006/main" xmlns:r="http://schemas.openxmlformats.org/officeDocument/2006/relationships" xmlns:p="http://schemas.openxmlformats.org/presentationml/2006/main">
+  <p:cSld>
+    <p:spTree>
+      <p:nvGrpSpPr>
+        <p:cNvPr id="1" name=""/>
+        <p:cNvGrpSpPr/>
+        <p:nvPr/>
+      </p:nvGrpSpPr>
+      <p:grpSpPr>
+        <a:xfrm>
+          <a:off x="0" y="0"/>
+          <a:ext cx="0" cy="0"/>
+          <a:chOff x="0" y="0"/>
+          <a:chExt cx="0" cy="0"/>
+        </a:xfrm>
+      </p:grpSpPr>
+      <p:pic>
+        <p:nvPicPr>
+          <p:cNvPr id="5" name="Picture 4">
+            <a:extLst>
+              <a:ext uri="{FF2B5EF4-FFF2-40B4-BE49-F238E27FC236}">
+                <a16:creationId xmlns:a16="http://schemas.microsoft.com/office/drawing/2014/main" id="{C9369990-8FD4-4745-BE24-763FE6C658FF}"/>
+              </a:ext>
+            </a:extLst>
+          </p:cNvPr>
+          <p:cNvPicPr>
+            <a:picLocks noChangeAspect="1"/>
+          </p:cNvPicPr>
+          <p:nvPr/>
+        </p:nvPicPr>
+        <p:blipFill>
+          <a:blip r:embed="rId2"/>
+          <a:stretch>
+            <a:fillRect/>
+          </a:stretch>
+        </p:blipFill>
+        <p:spPr>
+          <a:xfrm>
+            <a:off x="237762" y="1131971"/>
+            <a:ext cx="4952499" cy="4143374"/>
+          </a:xfrm>
+          <a:prstGeom prst="rect">
+            <a:avLst/>
+          </a:prstGeom>
+          <a:effectLst>
+            <a:outerShdw blurRad="50800" dist="38100" dir="2700000" algn="tl" rotWithShape="0">
+              <a:prstClr val="black">
+                <a:alpha val="40000"/>
+              </a:prstClr>
+            </a:outerShdw>
+          </a:effectLst>
+        </p:spPr>
+      </p:pic>
+      <p:pic>
+        <p:nvPicPr>
+          <p:cNvPr id="6" name="Picture 5">
+            <a:extLst>
+              <a:ext uri="{FF2B5EF4-FFF2-40B4-BE49-F238E27FC236}">
+                <a16:creationId xmlns:a16="http://schemas.microsoft.com/office/drawing/2014/main" id="{709F548F-F2B0-427A-A042-7C96124C2D72}"/>
+              </a:ext>
+            </a:extLst>
+          </p:cNvPr>
+          <p:cNvPicPr>
+            <a:picLocks noChangeAspect="1"/>
+          </p:cNvPicPr>
+          <p:nvPr/>
+        </p:nvPicPr>
+        <p:blipFill>
+          <a:blip r:embed="rId3"/>
+          <a:stretch>
+            <a:fillRect/>
+          </a:stretch>
+        </p:blipFill>
+        <p:spPr>
+          <a:xfrm>
+            <a:off x="6732236" y="1131971"/>
+            <a:ext cx="5109803" cy="4238624"/>
+          </a:xfrm>
+          <a:prstGeom prst="rect">
+            <a:avLst/>
+          </a:prstGeom>
+          <a:effectLst>
+            <a:outerShdw blurRad="50800" dist="38100" dir="2700000" algn="tl" rotWithShape="0">
+              <a:prstClr val="black">
+                <a:alpha val="40000"/>
+              </a:prstClr>
+            </a:outerShdw>
+          </a:effectLst>
+        </p:spPr>
+      </p:pic>
+      <p:sp>
+        <p:nvSpPr>
+          <p:cNvPr id="7" name="Arrow: Right 6">
+            <a:extLst>
+              <a:ext uri="{FF2B5EF4-FFF2-40B4-BE49-F238E27FC236}">
+                <a16:creationId xmlns:a16="http://schemas.microsoft.com/office/drawing/2014/main" id="{DBBA4537-2D95-455D-BE6D-050E1B03CF02}"/>
+              </a:ext>
+            </a:extLst>
+          </p:cNvPr>
+          <p:cNvSpPr/>
+          <p:nvPr/>
+        </p:nvSpPr>
+        <p:spPr>
+          <a:xfrm>
+            <a:off x="5735052" y="2580272"/>
+            <a:ext cx="721895" cy="376989"/>
+          </a:xfrm>
+          <a:prstGeom prst="rightArrow">
+            <a:avLst/>
+          </a:prstGeom>
+        </p:spPr>
+        <p:style>
+          <a:lnRef idx="2">
+            <a:schemeClr val="accent1">
+              <a:shade val="50000"/>
+            </a:schemeClr>
+          </a:lnRef>
+          <a:fillRef idx="1">
+            <a:schemeClr val="accent1"/>
+          </a:fillRef>
+          <a:effectRef idx="0">
+            <a:schemeClr val="accent1"/>
+          </a:effectRef>
+          <a:fontRef idx="minor">
+            <a:schemeClr val="lt1"/>
+          </a:fontRef>
+        </p:style>
+        <p:txBody>
+          <a:bodyPr rtlCol="0" anchor="ctr"/>
+          <a:lstStyle/>
+          <a:p>
+            <a:pPr algn="ctr"/>
+            <a:endParaRPr lang="en-US"/>
+          </a:p>
+        </p:txBody>
+      </p:sp>
+      <p:sp>
+        <p:nvSpPr>
+          <p:cNvPr id="8" name="Content Placeholder 2">
+            <a:extLst>
+              <a:ext uri="{FF2B5EF4-FFF2-40B4-BE49-F238E27FC236}">
+                <a16:creationId xmlns:a16="http://schemas.microsoft.com/office/drawing/2014/main" id="{3B228005-F00F-4877-9A74-93377B01B77A}"/>
+              </a:ext>
+            </a:extLst>
+          </p:cNvPr>
+          <p:cNvSpPr txBox="1">
+            <a:spLocks/>
+          </p:cNvSpPr>
+          <p:nvPr/>
+        </p:nvSpPr>
+        <p:spPr>
+          <a:xfrm>
+            <a:off x="5322536" y="3115426"/>
+            <a:ext cx="2658979" cy="1058779"/>
+          </a:xfrm>
+          <a:prstGeom prst="rect">
+            <a:avLst/>
+          </a:prstGeom>
+        </p:spPr>
+        <p:txBody>
+          <a:bodyPr vert="horz" lIns="91440" tIns="45720" rIns="91440" bIns="45720" rtlCol="0">
+            <a:normAutofit/>
+          </a:bodyPr>
+          <a:lstStyle>
+            <a:lvl1pPr marL="228600" indent="-228600" algn="l" defTabSz="914400" rtl="0" eaLnBrk="1" latinLnBrk="0" hangingPunct="1">
+              <a:lnSpc>
+                <a:spcPct val="90000"/>
+              </a:lnSpc>
+              <a:spcBef>
+                <a:spcPts val="1000"/>
+              </a:spcBef>
+              <a:buFont typeface="Arial" panose="020B0604020202020204" pitchFamily="34" charset="0"/>
+              <a:buChar char="•"/>
+              <a:defRPr sz="2800" kern="1200">
+                <a:solidFill>
+                  <a:schemeClr val="tx1"/>
+                </a:solidFill>
+                <a:latin typeface="+mn-lt"/>
+                <a:ea typeface="+mn-ea"/>
+                <a:cs typeface="+mn-cs"/>
+              </a:defRPr>
+            </a:lvl1pPr>
+            <a:lvl2pPr marL="685800" indent="-228600" algn="l" defTabSz="914400" rtl="0" eaLnBrk="1" latinLnBrk="0" hangingPunct="1">
+              <a:lnSpc>
+                <a:spcPct val="90000"/>
+              </a:lnSpc>
+              <a:spcBef>
+                <a:spcPts val="500"/>
+              </a:spcBef>
+              <a:buFont typeface="Arial" panose="020B0604020202020204" pitchFamily="34" charset="0"/>
+              <a:buChar char="•"/>
+              <a:defRPr sz="2400" kern="1200">
+                <a:solidFill>
+                  <a:schemeClr val="tx1"/>
+                </a:solidFill>
+                <a:latin typeface="+mn-lt"/>
+                <a:ea typeface="+mn-ea"/>
+                <a:cs typeface="+mn-cs"/>
+              </a:defRPr>
+            </a:lvl2pPr>
+            <a:lvl3pPr marL="1143000" indent="-228600" algn="l" defTabSz="914400" rtl="0" eaLnBrk="1" latinLnBrk="0" hangingPunct="1">
+              <a:lnSpc>
+                <a:spcPct val="90000"/>
+              </a:lnSpc>
+              <a:spcBef>
+                <a:spcPts val="500"/>
+              </a:spcBef>
+              <a:buFont typeface="Arial" panose="020B0604020202020204" pitchFamily="34" charset="0"/>
+              <a:buChar char="•"/>
+              <a:defRPr sz="2000" kern="1200">
+                <a:solidFill>
+                  <a:schemeClr val="tx1"/>
+                </a:solidFill>
+                <a:latin typeface="+mn-lt"/>
+                <a:ea typeface="+mn-ea"/>
+                <a:cs typeface="+mn-cs"/>
+              </a:defRPr>
+            </a:lvl3pPr>
+            <a:lvl4pPr marL="1600200" indent="-228600" algn="l" defTabSz="914400" rtl="0" eaLnBrk="1" latinLnBrk="0" hangingPunct="1">
+              <a:lnSpc>
+                <a:spcPct val="90000"/>
+              </a:lnSpc>
+              <a:spcBef>
+                <a:spcPts val="500"/>
+              </a:spcBef>
+              <a:buFont typeface="Arial" panose="020B0604020202020204" pitchFamily="34" charset="0"/>
+              <a:buChar char="•"/>
+              <a:defRPr sz="1800" kern="1200">
+                <a:solidFill>
+                  <a:schemeClr val="tx1"/>
+                </a:solidFill>
+                <a:latin typeface="+mn-lt"/>
+                <a:ea typeface="+mn-ea"/>
+                <a:cs typeface="+mn-cs"/>
+              </a:defRPr>
+            </a:lvl4pPr>
+            <a:lvl5pPr marL="2057400" indent="-228600" algn="l" defTabSz="914400" rtl="0" eaLnBrk="1" latinLnBrk="0" hangingPunct="1">
+              <a:lnSpc>
+                <a:spcPct val="90000"/>
+              </a:lnSpc>
+              <a:spcBef>
+                <a:spcPts val="500"/>
+              </a:spcBef>
+              <a:buFont typeface="Arial" panose="020B0604020202020204" pitchFamily="34" charset="0"/>
+              <a:buChar char="•"/>
+              <a:defRPr sz="1800" kern="1200">
+                <a:solidFill>
+                  <a:schemeClr val="tx1"/>
+                </a:solidFill>
+                <a:latin typeface="+mn-lt"/>
+                <a:ea typeface="+mn-ea"/>
+                <a:cs typeface="+mn-cs"/>
+              </a:defRPr>
+            </a:lvl5pPr>
+            <a:lvl6pPr marL="2514600" indent="-228600" algn="l" defTabSz="914400" rtl="0" eaLnBrk="1" latinLnBrk="0" hangingPunct="1">
+              <a:lnSpc>
+                <a:spcPct val="90000"/>
+              </a:lnSpc>
+              <a:spcBef>
+                <a:spcPts val="500"/>
+              </a:spcBef>
+              <a:buFont typeface="Arial" panose="020B0604020202020204" pitchFamily="34" charset="0"/>
+              <a:buChar char="•"/>
+              <a:defRPr sz="1800" kern="1200">
+                <a:solidFill>
+                  <a:schemeClr val="tx1"/>
+                </a:solidFill>
+                <a:latin typeface="+mn-lt"/>
+                <a:ea typeface="+mn-ea"/>
+                <a:cs typeface="+mn-cs"/>
+              </a:defRPr>
+            </a:lvl6pPr>
+            <a:lvl7pPr marL="2971800" indent="-228600" algn="l" defTabSz="914400" rtl="0" eaLnBrk="1" latinLnBrk="0" hangingPunct="1">
+              <a:lnSpc>
+                <a:spcPct val="90000"/>
+              </a:lnSpc>
+              <a:spcBef>
+                <a:spcPts val="500"/>
+              </a:spcBef>
+              <a:buFont typeface="Arial" panose="020B0604020202020204" pitchFamily="34" charset="0"/>
+              <a:buChar char="•"/>
+              <a:defRPr sz="1800" kern="1200">
+                <a:solidFill>
+                  <a:schemeClr val="tx1"/>
+                </a:solidFill>
+                <a:latin typeface="+mn-lt"/>
+                <a:ea typeface="+mn-ea"/>
+                <a:cs typeface="+mn-cs"/>
+              </a:defRPr>
+            </a:lvl7pPr>
+            <a:lvl8pPr marL="3429000" indent="-228600" algn="l" defTabSz="914400" rtl="0" eaLnBrk="1" latinLnBrk="0" hangingPunct="1">
+              <a:lnSpc>
+                <a:spcPct val="90000"/>
+              </a:lnSpc>
+              <a:spcBef>
+                <a:spcPts val="500"/>
+              </a:spcBef>
+              <a:buFont typeface="Arial" panose="020B0604020202020204" pitchFamily="34" charset="0"/>
+              <a:buChar char="•"/>
+              <a:defRPr sz="1800" kern="1200">
+                <a:solidFill>
+                  <a:schemeClr val="tx1"/>
+                </a:solidFill>
+                <a:latin typeface="+mn-lt"/>
+                <a:ea typeface="+mn-ea"/>
+                <a:cs typeface="+mn-cs"/>
+              </a:defRPr>
+            </a:lvl8pPr>
+            <a:lvl9pPr marL="3886200" indent="-228600" algn="l" defTabSz="914400" rtl="0" eaLnBrk="1" latinLnBrk="0" hangingPunct="1">
+              <a:lnSpc>
+                <a:spcPct val="90000"/>
+              </a:lnSpc>
+              <a:spcBef>
+                <a:spcPts val="500"/>
+              </a:spcBef>
+              <a:buFont typeface="Arial" panose="020B0604020202020204" pitchFamily="34" charset="0"/>
+              <a:buChar char="•"/>
+              <a:defRPr sz="1800" kern="1200">
+                <a:solidFill>
+                  <a:schemeClr val="tx1"/>
+                </a:solidFill>
+                <a:latin typeface="+mn-lt"/>
+                <a:ea typeface="+mn-ea"/>
+                <a:cs typeface="+mn-cs"/>
+              </a:defRPr>
+            </a:lvl9pPr>
+          </a:lstStyle>
+          <a:p>
+            <a:r>
+              <a:rPr lang="en-US" dirty="0"/>
+              <a:t>Hooks</a:t>
+            </a:r>
+          </a:p>
+          <a:p>
+            <a:r>
+              <a:rPr lang="en-US" dirty="0"/>
+              <a:t>Redux</a:t>
+            </a:r>
+          </a:p>
+        </p:txBody>
+      </p:sp>
+    </p:spTree>
+    <p:extLst>
+      <p:ext uri="{BB962C8B-B14F-4D97-AF65-F5344CB8AC3E}">
+        <p14:creationId xmlns:p14="http://schemas.microsoft.com/office/powerpoint/2010/main" val="3903900541"/>
+      </p:ext>
+    </p:extLst>
+  </p:cSld>
+  <p:clrMapOvr>
+    <a:masterClrMapping/>
+  </p:clrMapOvr>
+</p:sld>
+</file>
+
+<file path=ppt/slides/slide23.xml><?xml version="1.0" encoding="utf-8"?>
 <p:sld xmlns:a="http://schemas.openxmlformats.org/drawingml/2006/main" xmlns:r="http://schemas.openxmlformats.org/officeDocument/2006/relationships" xmlns:p="http://schemas.openxmlformats.org/presentationml/2006/main">
   <p:cSld>
     <p:spTree>
@@ -5232,182 +6949,6 @@
 </p:sld>
 </file>
 
-<file path=ppt/slides/slide2.xml><?xml version="1.0" encoding="utf-8"?>
-<p:sld xmlns:a="http://schemas.openxmlformats.org/drawingml/2006/main" xmlns:r="http://schemas.openxmlformats.org/officeDocument/2006/relationships" xmlns:p="http://schemas.openxmlformats.org/presentationml/2006/main">
-  <p:cSld>
-    <p:spTree>
-      <p:nvGrpSpPr>
-        <p:cNvPr id="1" name=""/>
-        <p:cNvGrpSpPr/>
-        <p:nvPr/>
-      </p:nvGrpSpPr>
-      <p:grpSpPr>
-        <a:xfrm>
-          <a:off x="0" y="0"/>
-          <a:ext cx="0" cy="0"/>
-          <a:chOff x="0" y="0"/>
-          <a:chExt cx="0" cy="0"/>
-        </a:xfrm>
-      </p:grpSpPr>
-      <p:sp>
-        <p:nvSpPr>
-          <p:cNvPr id="2" name="Title 1">
-            <a:extLst>
-              <a:ext uri="{FF2B5EF4-FFF2-40B4-BE49-F238E27FC236}">
-                <a16:creationId xmlns:a16="http://schemas.microsoft.com/office/drawing/2014/main" id="{A0C809ED-4169-4F88-B15D-159799893073}"/>
-              </a:ext>
-            </a:extLst>
-          </p:cNvPr>
-          <p:cNvSpPr>
-            <a:spLocks noGrp="1"/>
-          </p:cNvSpPr>
-          <p:nvPr>
-            <p:ph type="title"/>
-          </p:nvPr>
-        </p:nvSpPr>
-        <p:spPr>
-          <a:xfrm>
-            <a:off x="502820" y="184150"/>
-            <a:ext cx="11186360" cy="2314575"/>
-          </a:xfrm>
-        </p:spPr>
-        <p:txBody>
-          <a:bodyPr>
-            <a:normAutofit fontScale="90000"/>
-          </a:bodyPr>
-          <a:lstStyle/>
-          <a:p>
-            <a:pPr algn="ctr"/>
-            <a:r>
-              <a:rPr lang="en-US" i="1" dirty="0">
-                <a:solidFill>
-                  <a:srgbClr val="5A5A5A"/>
-                </a:solidFill>
-                <a:latin typeface="Arial" panose="020B0604020202020204" pitchFamily="34" charset="0"/>
-                <a:cs typeface="Arial" panose="020B0604020202020204" pitchFamily="34" charset="0"/>
-              </a:rPr>
-              <a:t>Hooks</a:t>
-            </a:r>
-            <a:r>
-              <a:rPr lang="ru-RU" dirty="0">
-                <a:solidFill>
-                  <a:srgbClr val="5A5A5A"/>
-                </a:solidFill>
-                <a:latin typeface="Arial" panose="020B0604020202020204" pitchFamily="34" charset="0"/>
-                <a:cs typeface="Arial" panose="020B0604020202020204" pitchFamily="34" charset="0"/>
-              </a:rPr>
-              <a:t> — нововведение в </a:t>
-            </a:r>
-            <a:r>
-              <a:rPr lang="ru-RU" dirty="0" err="1">
-                <a:solidFill>
-                  <a:srgbClr val="5A5A5A"/>
-                </a:solidFill>
-                <a:latin typeface="Arial" panose="020B0604020202020204" pitchFamily="34" charset="0"/>
-                <a:cs typeface="Arial" panose="020B0604020202020204" pitchFamily="34" charset="0"/>
-              </a:rPr>
-              <a:t>React</a:t>
-            </a:r>
-            <a:r>
-              <a:rPr lang="ru-RU" dirty="0">
-                <a:solidFill>
-                  <a:srgbClr val="5A5A5A"/>
-                </a:solidFill>
-                <a:latin typeface="Arial" panose="020B0604020202020204" pitchFamily="34" charset="0"/>
-                <a:cs typeface="Arial" panose="020B0604020202020204" pitchFamily="34" charset="0"/>
-              </a:rPr>
-              <a:t> 16.8, которое позволяет использовать состояние и другие возможности </a:t>
-            </a:r>
-            <a:r>
-              <a:rPr lang="ru-RU" dirty="0" err="1">
-                <a:solidFill>
-                  <a:srgbClr val="5A5A5A"/>
-                </a:solidFill>
-                <a:latin typeface="Arial" panose="020B0604020202020204" pitchFamily="34" charset="0"/>
-                <a:cs typeface="Arial" panose="020B0604020202020204" pitchFamily="34" charset="0"/>
-              </a:rPr>
-              <a:t>React</a:t>
-            </a:r>
-            <a:r>
-              <a:rPr lang="ru-RU" dirty="0">
-                <a:solidFill>
-                  <a:srgbClr val="5A5A5A"/>
-                </a:solidFill>
-                <a:latin typeface="Arial" panose="020B0604020202020204" pitchFamily="34" charset="0"/>
-                <a:cs typeface="Arial" panose="020B0604020202020204" pitchFamily="34" charset="0"/>
-              </a:rPr>
-              <a:t> без написания классов.</a:t>
-            </a:r>
-            <a:endParaRPr lang="en-US" dirty="0">
-              <a:solidFill>
-                <a:srgbClr val="5A5A5A"/>
-              </a:solidFill>
-              <a:latin typeface="Arial" panose="020B0604020202020204" pitchFamily="34" charset="0"/>
-              <a:cs typeface="Arial" panose="020B0604020202020204" pitchFamily="34" charset="0"/>
-            </a:endParaRPr>
-          </a:p>
-        </p:txBody>
-      </p:sp>
-      <p:pic>
-        <p:nvPicPr>
-          <p:cNvPr id="4" name="Picture 2" descr="Image result for react hook meme">
-            <a:extLst>
-              <a:ext uri="{FF2B5EF4-FFF2-40B4-BE49-F238E27FC236}">
-                <a16:creationId xmlns:a16="http://schemas.microsoft.com/office/drawing/2014/main" id="{C7CBBD9A-56D4-429A-9DCE-A0A39263B778}"/>
-              </a:ext>
-            </a:extLst>
-          </p:cNvPr>
-          <p:cNvPicPr>
-            <a:picLocks noChangeAspect="1" noChangeArrowheads="1"/>
-          </p:cNvPicPr>
-          <p:nvPr/>
-        </p:nvPicPr>
-        <p:blipFill>
-          <a:blip r:embed="rId2">
-            <a:extLst>
-              <a:ext uri="{28A0092B-C50C-407E-A947-70E740481C1C}">
-                <a14:useLocalDpi xmlns:a14="http://schemas.microsoft.com/office/drawing/2010/main" val="0"/>
-              </a:ext>
-            </a:extLst>
-          </a:blip>
-          <a:srcRect/>
-          <a:stretch>
-            <a:fillRect/>
-          </a:stretch>
-        </p:blipFill>
-        <p:spPr bwMode="auto">
-          <a:xfrm>
-            <a:off x="3134727" y="2697914"/>
-            <a:ext cx="6115050" cy="3590925"/>
-          </a:xfrm>
-          <a:prstGeom prst="rect">
-            <a:avLst/>
-          </a:prstGeom>
-          <a:noFill/>
-          <a:extLst>
-            <a:ext uri="{909E8E84-426E-40DD-AFC4-6F175D3DCCD1}">
-              <a14:hiddenFill xmlns:a14="http://schemas.microsoft.com/office/drawing/2010/main">
-                <a:solidFill>
-                  <a:srgbClr val="FFFFFF"/>
-                </a:solidFill>
-              </a14:hiddenFill>
-            </a:ext>
-          </a:extLst>
-        </p:spPr>
-      </p:pic>
-    </p:spTree>
-    <p:extLst>
-      <p:ext uri="{BB962C8B-B14F-4D97-AF65-F5344CB8AC3E}">
-        <p14:creationId xmlns:p14="http://schemas.microsoft.com/office/powerpoint/2010/main" val="2849461995"/>
-      </p:ext>
-    </p:extLst>
-  </p:cSld>
-  <p:clrMapOvr>
-    <a:masterClrMapping/>
-  </p:clrMapOvr>
-</p:sld>
-</file>
-
 <file path=ppt/slides/slide3.xml><?xml version="1.0" encoding="utf-8"?>
 <p:sld xmlns:a="http://schemas.openxmlformats.org/drawingml/2006/main" xmlns:r="http://schemas.openxmlformats.org/officeDocument/2006/relationships" xmlns:p="http://schemas.openxmlformats.org/presentationml/2006/main">
   <p:cSld>
@@ -5481,9 +7022,42 @@
           <a:p>
             <a:r>
               <a:rPr lang="ru-RU" dirty="0"/>
+              <a:t>иметь больше возможностей </a:t>
+            </a:r>
+            <a:r>
+              <a:rPr lang="ru-RU" dirty="0" err="1"/>
+              <a:t>React</a:t>
+            </a:r>
+            <a:r>
+              <a:rPr lang="ru-RU" dirty="0"/>
+              <a:t> без написания классов</a:t>
+            </a:r>
+          </a:p>
+          <a:p>
+            <a:r>
+              <a:rPr lang="ru-RU" dirty="0"/>
               <a:t>извлечь логику состояния из компонента и повторно использовать</a:t>
             </a:r>
             <a:endParaRPr lang="en-US" dirty="0"/>
+          </a:p>
+          <a:p>
+            <a:r>
+              <a:rPr lang="ru-RU" dirty="0"/>
+              <a:t>избавление от </a:t>
+            </a:r>
+            <a:r>
+              <a:rPr lang="en-US" dirty="0"/>
+              <a:t>HOC, render props </a:t>
+            </a:r>
+            <a:r>
+              <a:rPr lang="ru-RU" dirty="0"/>
+              <a:t>и </a:t>
+            </a:r>
+            <a:r>
+              <a:rPr lang="en-US" dirty="0"/>
+              <a:t>wrapper-hell</a:t>
+            </a:r>
+            <a:endParaRPr lang="ru-RU" dirty="0"/>
           </a:p>
           <a:p>
             <a:r>
@@ -5494,15 +7068,7 @@
           <a:p>
             <a:r>
               <a:rPr lang="ru-RU" dirty="0"/>
-              <a:t>иметь больше возможностей </a:t>
-            </a:r>
-            <a:r>
-              <a:rPr lang="ru-RU" dirty="0" err="1"/>
-              <a:t>React</a:t>
-            </a:r>
-            <a:r>
-              <a:rPr lang="ru-RU" dirty="0"/>
-              <a:t> без написания классов</a:t>
+              <a:t>упрощение логики, связанной с жизненным циклом</a:t>
             </a:r>
           </a:p>
           <a:p>
@@ -5911,7 +7477,7 @@
           <p:cNvPr id="2" name="Title 1">
             <a:extLst>
               <a:ext uri="{FF2B5EF4-FFF2-40B4-BE49-F238E27FC236}">
-                <a16:creationId xmlns:a16="http://schemas.microsoft.com/office/drawing/2014/main" id="{86790A83-CC29-4768-8B18-A1AAF3942424}"/>
+                <a16:creationId xmlns:a16="http://schemas.microsoft.com/office/drawing/2014/main" id="{971E003F-F57D-46ED-8F8E-ACE0BDC921AD}"/>
               </a:ext>
             </a:extLst>
           </p:cNvPr>
@@ -5927,14 +7493,7 @@
           <a:bodyPr/>
           <a:lstStyle/>
           <a:p>
-            <a:r>
-              <a:rPr lang="ru-RU" b="1" dirty="0"/>
-              <a:t>Правила хуков</a:t>
-            </a:r>
-            <a:br>
-              <a:rPr lang="ru-RU" b="1" dirty="0"/>
-            </a:br>
-            <a:endParaRPr lang="en-US" dirty="0"/>
+            <a:endParaRPr lang="en-US"/>
           </a:p>
         </p:txBody>
       </p:sp>
@@ -5943,7 +7502,7 @@
           <p:cNvPr id="3" name="Content Placeholder 2">
             <a:extLst>
               <a:ext uri="{FF2B5EF4-FFF2-40B4-BE49-F238E27FC236}">
-                <a16:creationId xmlns:a16="http://schemas.microsoft.com/office/drawing/2014/main" id="{33C9C682-1A9C-4456-8A2D-820249B2DB19}"/>
+                <a16:creationId xmlns:a16="http://schemas.microsoft.com/office/drawing/2014/main" id="{BFF6BF5F-2D3E-40E0-99B8-0525F6F1693D}"/>
               </a:ext>
             </a:extLst>
           </p:cNvPr>
@@ -5959,46 +7518,61 @@
           <a:bodyPr/>
           <a:lstStyle/>
           <a:p>
-            <a:r>
-              <a:rPr lang="ru-RU" dirty="0"/>
-              <a:t>Хуки следует вызывать только </a:t>
-            </a:r>
-            <a:r>
-              <a:rPr lang="ru-RU" b="1" dirty="0"/>
-              <a:t>на верхнем уровне</a:t>
-            </a:r>
-            <a:r>
-              <a:rPr lang="ru-RU" dirty="0"/>
-              <a:t>. Не вызывайте хуки внутри циклов, условий или вложенных функций.</a:t>
-            </a:r>
-          </a:p>
-          <a:p>
-            <a:r>
-              <a:rPr lang="ru-RU" dirty="0"/>
-              <a:t>Хуки следует вызывать только </a:t>
-            </a:r>
-            <a:r>
-              <a:rPr lang="ru-RU" b="1" dirty="0"/>
-              <a:t>из функциональных компонентов </a:t>
-            </a:r>
-            <a:r>
-              <a:rPr lang="ru-RU" b="1" dirty="0" err="1"/>
-              <a:t>React</a:t>
-            </a:r>
-            <a:r>
-              <a:rPr lang="ru-RU" dirty="0"/>
-              <a:t>. </a:t>
-            </a:r>
-          </a:p>
-          <a:p>
-            <a:endParaRPr lang="en-US" dirty="0"/>
-          </a:p>
-        </p:txBody>
-      </p:sp>
+            <a:endParaRPr lang="en-US"/>
+          </a:p>
+        </p:txBody>
+      </p:sp>
+      <p:pic>
+        <p:nvPicPr>
+          <p:cNvPr id="6146" name="Picture 2">
+            <a:extLst>
+              <a:ext uri="{FF2B5EF4-FFF2-40B4-BE49-F238E27FC236}">
+                <a16:creationId xmlns:a16="http://schemas.microsoft.com/office/drawing/2014/main" id="{29E90465-CAD8-4C8F-AC59-491B22B0FE8D}"/>
+              </a:ext>
+            </a:extLst>
+          </p:cNvPr>
+          <p:cNvPicPr>
+            <a:picLocks noChangeAspect="1" noChangeArrowheads="1"/>
+          </p:cNvPicPr>
+          <p:nvPr/>
+        </p:nvPicPr>
+        <p:blipFill>
+          <a:blip r:embed="rId2">
+            <a:extLst>
+              <a:ext uri="{28A0092B-C50C-407E-A947-70E740481C1C}">
+                <a14:useLocalDpi xmlns:a14="http://schemas.microsoft.com/office/drawing/2010/main" val="0"/>
+              </a:ext>
+            </a:extLst>
+          </a:blip>
+          <a:srcRect/>
+          <a:stretch>
+            <a:fillRect/>
+          </a:stretch>
+        </p:blipFill>
+        <p:spPr bwMode="auto">
+          <a:xfrm>
+            <a:off x="146384" y="584201"/>
+            <a:ext cx="12192000" cy="5297487"/>
+          </a:xfrm>
+          <a:prstGeom prst="rect">
+            <a:avLst/>
+          </a:prstGeom>
+          <a:noFill/>
+          <a:extLst>
+            <a:ext uri="{909E8E84-426E-40DD-AFC4-6F175D3DCCD1}">
+              <a14:hiddenFill xmlns:a14="http://schemas.microsoft.com/office/drawing/2010/main">
+                <a:solidFill>
+                  <a:srgbClr val="FFFFFF"/>
+                </a:solidFill>
+              </a14:hiddenFill>
+            </a:ext>
+          </a:extLst>
+        </p:spPr>
+      </p:pic>
     </p:spTree>
     <p:extLst>
       <p:ext uri="{BB962C8B-B14F-4D97-AF65-F5344CB8AC3E}">
-        <p14:creationId xmlns:p14="http://schemas.microsoft.com/office/powerpoint/2010/main" val="2735156009"/>
+        <p14:creationId xmlns:p14="http://schemas.microsoft.com/office/powerpoint/2010/main" val="4276701952"/>
       </p:ext>
     </p:extLst>
   </p:cSld>
@@ -6030,7 +7604,7 @@
           <p:cNvPr id="2" name="Title 1">
             <a:extLst>
               <a:ext uri="{FF2B5EF4-FFF2-40B4-BE49-F238E27FC236}">
-                <a16:creationId xmlns:a16="http://schemas.microsoft.com/office/drawing/2014/main" id="{5FFB6316-CDFC-4C0C-B48F-939722DCB317}"/>
+                <a16:creationId xmlns:a16="http://schemas.microsoft.com/office/drawing/2014/main" id="{22B3D635-7AB9-44F6-AF8E-270F25F6FC6B}"/>
               </a:ext>
             </a:extLst>
           </p:cNvPr>
@@ -6046,10 +7620,7 @@
           <a:bodyPr/>
           <a:lstStyle/>
           <a:p>
-            <a:r>
-              <a:rPr lang="en-US" dirty="0"/>
-              <a:t>Redux</a:t>
-            </a:r>
+            <a:endParaRPr lang="en-US"/>
           </a:p>
         </p:txBody>
       </p:sp>
@@ -6058,7 +7629,7 @@
           <p:cNvPr id="3" name="Content Placeholder 2">
             <a:extLst>
               <a:ext uri="{FF2B5EF4-FFF2-40B4-BE49-F238E27FC236}">
-                <a16:creationId xmlns:a16="http://schemas.microsoft.com/office/drawing/2014/main" id="{445D9457-8049-4968-AFDE-41CCA7BA2687}"/>
+                <a16:creationId xmlns:a16="http://schemas.microsoft.com/office/drawing/2014/main" id="{2736EA2D-AB97-441A-AED9-17C07D2F7A72}"/>
               </a:ext>
             </a:extLst>
           </p:cNvPr>
@@ -6074,34 +7645,16 @@
           <a:bodyPr/>
           <a:lstStyle/>
           <a:p>
-            <a:r>
-              <a:rPr lang="en-US" dirty="0"/>
-              <a:t>Redux – </a:t>
-            </a:r>
-            <a:r>
-              <a:rPr lang="ru-RU" dirty="0"/>
-              <a:t>библиотека для работы со </a:t>
-            </a:r>
-            <a:r>
-              <a:rPr lang="ru-RU" dirty="0" err="1"/>
-              <a:t>стейтом</a:t>
-            </a:r>
-            <a:r>
-              <a:rPr lang="ru-RU" dirty="0"/>
-              <a:t> приложения.</a:t>
-            </a:r>
-          </a:p>
-          <a:p>
-            <a:endParaRPr lang="en-US" dirty="0"/>
+            <a:endParaRPr lang="en-US"/>
           </a:p>
         </p:txBody>
       </p:sp>
       <p:pic>
         <p:nvPicPr>
-          <p:cNvPr id="5124" name="Picture 4" descr="Картинки по запросу redux">
-            <a:extLst>
-              <a:ext uri="{FF2B5EF4-FFF2-40B4-BE49-F238E27FC236}">
-                <a16:creationId xmlns:a16="http://schemas.microsoft.com/office/drawing/2014/main" id="{7B5EB006-59D8-4309-B489-8A429F2938E5}"/>
+          <p:cNvPr id="2050" name="Picture 2">
+            <a:extLst>
+              <a:ext uri="{FF2B5EF4-FFF2-40B4-BE49-F238E27FC236}">
+                <a16:creationId xmlns:a16="http://schemas.microsoft.com/office/drawing/2014/main" id="{3B8052BB-FD85-4B08-BA25-13F957C765C9}"/>
               </a:ext>
             </a:extLst>
           </p:cNvPr>
@@ -6110,7 +7663,7 @@
           </p:cNvPicPr>
           <p:nvPr/>
         </p:nvPicPr>
-        <p:blipFill>
+        <p:blipFill rotWithShape="1">
           <a:blip r:embed="rId2">
             <a:extLst>
               <a:ext uri="{28A0092B-C50C-407E-A947-70E740481C1C}">
@@ -6118,15 +7671,13 @@
               </a:ext>
             </a:extLst>
           </a:blip>
-          <a:srcRect/>
-          <a:stretch>
-            <a:fillRect/>
-          </a:stretch>
+          <a:srcRect t="29112"/>
+          <a:stretch/>
         </p:blipFill>
         <p:spPr bwMode="auto">
           <a:xfrm>
-            <a:off x="1783517" y="2876551"/>
-            <a:ext cx="8624966" cy="2857020"/>
+            <a:off x="838200" y="1756611"/>
+            <a:ext cx="10932340" cy="3177589"/>
           </a:xfrm>
           <a:prstGeom prst="rect">
             <a:avLst/>
@@ -6146,7 +7697,7 @@
     </p:spTree>
     <p:extLst>
       <p:ext uri="{BB962C8B-B14F-4D97-AF65-F5344CB8AC3E}">
-        <p14:creationId xmlns:p14="http://schemas.microsoft.com/office/powerpoint/2010/main" val="2999424102"/>
+        <p14:creationId xmlns:p14="http://schemas.microsoft.com/office/powerpoint/2010/main" val="1513067476"/>
       </p:ext>
     </p:extLst>
   </p:cSld>
@@ -6178,7 +7729,7 @@
           <p:cNvPr id="2" name="Title 1">
             <a:extLst>
               <a:ext uri="{FF2B5EF4-FFF2-40B4-BE49-F238E27FC236}">
-                <a16:creationId xmlns:a16="http://schemas.microsoft.com/office/drawing/2014/main" id="{D342E658-070A-44EE-B308-CD668F8E0CD6}"/>
+                <a16:creationId xmlns:a16="http://schemas.microsoft.com/office/drawing/2014/main" id="{87C8B398-1A12-4B3E-84FE-90A9E638B1C1}"/>
               </a:ext>
             </a:extLst>
           </p:cNvPr>
@@ -6198,12 +7749,37 @@
           </a:p>
         </p:txBody>
       </p:sp>
+      <p:sp>
+        <p:nvSpPr>
+          <p:cNvPr id="3" name="Content Placeholder 2">
+            <a:extLst>
+              <a:ext uri="{FF2B5EF4-FFF2-40B4-BE49-F238E27FC236}">
+                <a16:creationId xmlns:a16="http://schemas.microsoft.com/office/drawing/2014/main" id="{C0D707B8-26D2-417A-94B7-8230EFDE5014}"/>
+              </a:ext>
+            </a:extLst>
+          </p:cNvPr>
+          <p:cNvSpPr>
+            <a:spLocks noGrp="1"/>
+          </p:cNvSpPr>
+          <p:nvPr>
+            <p:ph idx="1"/>
+          </p:nvPr>
+        </p:nvSpPr>
+        <p:spPr/>
+        <p:txBody>
+          <a:bodyPr/>
+          <a:lstStyle/>
+          <a:p>
+            <a:endParaRPr lang="en-US"/>
+          </a:p>
+        </p:txBody>
+      </p:sp>
       <p:pic>
         <p:nvPicPr>
-          <p:cNvPr id="7170" name="Picture 2">
-            <a:extLst>
-              <a:ext uri="{FF2B5EF4-FFF2-40B4-BE49-F238E27FC236}">
-                <a16:creationId xmlns:a16="http://schemas.microsoft.com/office/drawing/2014/main" id="{A06EF26E-735F-4E35-A5BB-7A7C14203726}"/>
+          <p:cNvPr id="4" name="Picture 4">
+            <a:extLst>
+              <a:ext uri="{FF2B5EF4-FFF2-40B4-BE49-F238E27FC236}">
+                <a16:creationId xmlns:a16="http://schemas.microsoft.com/office/drawing/2014/main" id="{AA1409C3-2FB7-45A8-8AFE-54DBB4C6731B}"/>
               </a:ext>
             </a:extLst>
           </p:cNvPr>
@@ -6212,7 +7788,7 @@
           </p:cNvPicPr>
           <p:nvPr/>
         </p:nvPicPr>
-        <p:blipFill>
+        <p:blipFill rotWithShape="1">
           <a:blip r:embed="rId2">
             <a:extLst>
               <a:ext uri="{28A0092B-C50C-407E-A947-70E740481C1C}">
@@ -6220,15 +7796,13 @@
               </a:ext>
             </a:extLst>
           </a:blip>
-          <a:srcRect/>
-          <a:stretch>
-            <a:fillRect/>
-          </a:stretch>
+          <a:srcRect t="27796"/>
+          <a:stretch/>
         </p:blipFill>
         <p:spPr bwMode="auto">
           <a:xfrm>
-            <a:off x="3419475" y="2041818"/>
-            <a:ext cx="4857750" cy="3698830"/>
+            <a:off x="1017169" y="2109536"/>
+            <a:ext cx="10443211" cy="3141871"/>
           </a:xfrm>
           <a:prstGeom prst="rect">
             <a:avLst/>
@@ -6248,7 +7822,7 @@
     </p:spTree>
     <p:extLst>
       <p:ext uri="{BB962C8B-B14F-4D97-AF65-F5344CB8AC3E}">
-        <p14:creationId xmlns:p14="http://schemas.microsoft.com/office/powerpoint/2010/main" val="2775715192"/>
+        <p14:creationId xmlns:p14="http://schemas.microsoft.com/office/powerpoint/2010/main" val="806707828"/>
       </p:ext>
     </p:extLst>
   </p:cSld>
@@ -6280,7 +7854,7 @@
           <p:cNvPr id="2" name="Title 1">
             <a:extLst>
               <a:ext uri="{FF2B5EF4-FFF2-40B4-BE49-F238E27FC236}">
-                <a16:creationId xmlns:a16="http://schemas.microsoft.com/office/drawing/2014/main" id="{FDB526B0-5255-4E2F-B73C-65761AB4DC06}"/>
+                <a16:creationId xmlns:a16="http://schemas.microsoft.com/office/drawing/2014/main" id="{CD74464C-79FA-439B-B4BA-A5A57CE5F834}"/>
               </a:ext>
             </a:extLst>
           </p:cNvPr>
@@ -6296,14 +7870,7 @@
           <a:bodyPr/>
           <a:lstStyle/>
           <a:p>
-            <a:r>
-              <a:rPr lang="ru-RU" dirty="0"/>
-              <a:t>3 принципа </a:t>
-            </a:r>
-            <a:r>
-              <a:rPr lang="en-US" dirty="0"/>
-              <a:t>Redux</a:t>
-            </a:r>
+            <a:endParaRPr lang="en-US"/>
           </a:p>
         </p:txBody>
       </p:sp>
@@ -6312,7 +7879,7 @@
           <p:cNvPr id="3" name="Content Placeholder 2">
             <a:extLst>
               <a:ext uri="{FF2B5EF4-FFF2-40B4-BE49-F238E27FC236}">
-                <a16:creationId xmlns:a16="http://schemas.microsoft.com/office/drawing/2014/main" id="{F42AFD43-D056-4C2E-A3CF-0A2041032A5E}"/>
+                <a16:creationId xmlns:a16="http://schemas.microsoft.com/office/drawing/2014/main" id="{C6B15ED1-47C4-4E6B-ABFE-1E0612984BA9}"/>
               </a:ext>
             </a:extLst>
           </p:cNvPr>
@@ -6328,46 +7895,61 @@
           <a:bodyPr/>
           <a:lstStyle/>
           <a:p>
-            <a:r>
-              <a:rPr lang="ru-RU" dirty="0"/>
-              <a:t>Стейт </a:t>
-            </a:r>
-            <a:r>
-              <a:rPr lang="en-US" dirty="0"/>
-              <a:t>- </a:t>
-            </a:r>
-            <a:r>
-              <a:rPr lang="ru-RU" dirty="0"/>
-              <a:t>единственный источник правды.</a:t>
-            </a:r>
-          </a:p>
-          <a:p>
-            <a:r>
-              <a:rPr lang="ru-RU" dirty="0"/>
-              <a:t>Стейт </a:t>
-            </a:r>
-            <a:r>
-              <a:rPr lang="ru-RU" dirty="0" err="1"/>
-              <a:t>иммутабельный</a:t>
-            </a:r>
-            <a:r>
-              <a:rPr lang="ru-RU" dirty="0"/>
-              <a:t>. </a:t>
-            </a:r>
-          </a:p>
-          <a:p>
-            <a:r>
-              <a:rPr lang="ru-RU" dirty="0"/>
-              <a:t>Все изменения происходят через чистые функции.</a:t>
-            </a:r>
-            <a:endParaRPr lang="en-US" dirty="0"/>
-          </a:p>
-        </p:txBody>
-      </p:sp>
+            <a:endParaRPr lang="en-US"/>
+          </a:p>
+        </p:txBody>
+      </p:sp>
+      <p:pic>
+        <p:nvPicPr>
+          <p:cNvPr id="5122" name="Picture 2">
+            <a:extLst>
+              <a:ext uri="{FF2B5EF4-FFF2-40B4-BE49-F238E27FC236}">
+                <a16:creationId xmlns:a16="http://schemas.microsoft.com/office/drawing/2014/main" id="{281E6F76-04AF-4D73-B65A-DD790C8F3EF6}"/>
+              </a:ext>
+            </a:extLst>
+          </p:cNvPr>
+          <p:cNvPicPr>
+            <a:picLocks noChangeAspect="1" noChangeArrowheads="1"/>
+          </p:cNvPicPr>
+          <p:nvPr/>
+        </p:nvPicPr>
+        <p:blipFill>
+          <a:blip r:embed="rId2">
+            <a:extLst>
+              <a:ext uri="{28A0092B-C50C-407E-A947-70E740481C1C}">
+                <a14:useLocalDpi xmlns:a14="http://schemas.microsoft.com/office/drawing/2010/main" val="0"/>
+              </a:ext>
+            </a:extLst>
+          </a:blip>
+          <a:srcRect/>
+          <a:stretch>
+            <a:fillRect/>
+          </a:stretch>
+        </p:blipFill>
+        <p:spPr bwMode="auto">
+          <a:xfrm>
+            <a:off x="665747" y="365125"/>
+            <a:ext cx="10218821" cy="4700923"/>
+          </a:xfrm>
+          <a:prstGeom prst="rect">
+            <a:avLst/>
+          </a:prstGeom>
+          <a:noFill/>
+          <a:extLst>
+            <a:ext uri="{909E8E84-426E-40DD-AFC4-6F175D3DCCD1}">
+              <a14:hiddenFill xmlns:a14="http://schemas.microsoft.com/office/drawing/2010/main">
+                <a:solidFill>
+                  <a:srgbClr val="FFFFFF"/>
+                </a:solidFill>
+              </a14:hiddenFill>
+            </a:ext>
+          </a:extLst>
+        </p:spPr>
+      </p:pic>
     </p:spTree>
     <p:extLst>
       <p:ext uri="{BB962C8B-B14F-4D97-AF65-F5344CB8AC3E}">
-        <p14:creationId xmlns:p14="http://schemas.microsoft.com/office/powerpoint/2010/main" val="1815725784"/>
+        <p14:creationId xmlns:p14="http://schemas.microsoft.com/office/powerpoint/2010/main" val="1619380711"/>
       </p:ext>
     </p:extLst>
   </p:cSld>

--- a/React - Redux with Hooks.pptx
+++ b/React - Redux with Hooks.pptx
@@ -6,28 +6,31 @@
   </p:sldMasterIdLst>
   <p:sldIdLst>
     <p:sldId id="259" r:id="rId5"/>
-    <p:sldId id="260" r:id="rId6"/>
-    <p:sldId id="261" r:id="rId7"/>
-    <p:sldId id="263" r:id="rId8"/>
-    <p:sldId id="264" r:id="rId9"/>
-    <p:sldId id="277" r:id="rId10"/>
-    <p:sldId id="273" r:id="rId11"/>
-    <p:sldId id="274" r:id="rId12"/>
-    <p:sldId id="276" r:id="rId13"/>
-    <p:sldId id="275" r:id="rId14"/>
-    <p:sldId id="262" r:id="rId15"/>
-    <p:sldId id="265" r:id="rId16"/>
-    <p:sldId id="267" r:id="rId17"/>
-    <p:sldId id="270" r:id="rId18"/>
-    <p:sldId id="269" r:id="rId19"/>
-    <p:sldId id="268" r:id="rId20"/>
-    <p:sldId id="257" r:id="rId21"/>
-    <p:sldId id="271" r:id="rId22"/>
-    <p:sldId id="266" r:id="rId23"/>
-    <p:sldId id="278" r:id="rId24"/>
-    <p:sldId id="272" r:id="rId25"/>
-    <p:sldId id="279" r:id="rId26"/>
-    <p:sldId id="258" r:id="rId27"/>
+    <p:sldId id="280" r:id="rId6"/>
+    <p:sldId id="260" r:id="rId7"/>
+    <p:sldId id="261" r:id="rId8"/>
+    <p:sldId id="282" r:id="rId9"/>
+    <p:sldId id="263" r:id="rId10"/>
+    <p:sldId id="264" r:id="rId11"/>
+    <p:sldId id="277" r:id="rId12"/>
+    <p:sldId id="273" r:id="rId13"/>
+    <p:sldId id="274" r:id="rId14"/>
+    <p:sldId id="276" r:id="rId15"/>
+    <p:sldId id="275" r:id="rId16"/>
+    <p:sldId id="262" r:id="rId17"/>
+    <p:sldId id="265" r:id="rId18"/>
+    <p:sldId id="267" r:id="rId19"/>
+    <p:sldId id="270" r:id="rId20"/>
+    <p:sldId id="269" r:id="rId21"/>
+    <p:sldId id="268" r:id="rId22"/>
+    <p:sldId id="257" r:id="rId23"/>
+    <p:sldId id="271" r:id="rId24"/>
+    <p:sldId id="266" r:id="rId25"/>
+    <p:sldId id="278" r:id="rId26"/>
+    <p:sldId id="272" r:id="rId27"/>
+    <p:sldId id="279" r:id="rId28"/>
+    <p:sldId id="258" r:id="rId29"/>
+    <p:sldId id="281" r:id="rId30"/>
   </p:sldIdLst>
   <p:sldSz cx="12192000" cy="6858000"/>
   <p:notesSz cx="6858000" cy="9144000"/>
@@ -680,7 +683,7 @@
           <a:p>
             <a:fld id="{7CF9FAEB-4AD6-4364-B8B1-C87D190B56A4}" type="datetimeFigureOut">
               <a:rPr lang="en-US" smtClean="0"/>
-              <a:t>2/1/2020</a:t>
+              <a:t>2/2/2020</a:t>
             </a:fld>
             <a:endParaRPr lang="en-US"/>
           </a:p>
@@ -878,7 +881,7 @@
           <a:p>
             <a:fld id="{7CF9FAEB-4AD6-4364-B8B1-C87D190B56A4}" type="datetimeFigureOut">
               <a:rPr lang="en-US" smtClean="0"/>
-              <a:t>2/1/2020</a:t>
+              <a:t>2/2/2020</a:t>
             </a:fld>
             <a:endParaRPr lang="en-US"/>
           </a:p>
@@ -1086,7 +1089,7 @@
           <a:p>
             <a:fld id="{7CF9FAEB-4AD6-4364-B8B1-C87D190B56A4}" type="datetimeFigureOut">
               <a:rPr lang="en-US" smtClean="0"/>
-              <a:t>2/1/2020</a:t>
+              <a:t>2/2/2020</a:t>
             </a:fld>
             <a:endParaRPr lang="en-US"/>
           </a:p>
@@ -1284,7 +1287,7 @@
           <a:p>
             <a:fld id="{7CF9FAEB-4AD6-4364-B8B1-C87D190B56A4}" type="datetimeFigureOut">
               <a:rPr lang="en-US" smtClean="0"/>
-              <a:t>2/1/2020</a:t>
+              <a:t>2/2/2020</a:t>
             </a:fld>
             <a:endParaRPr lang="en-US"/>
           </a:p>
@@ -1559,7 +1562,7 @@
           <a:p>
             <a:fld id="{7CF9FAEB-4AD6-4364-B8B1-C87D190B56A4}" type="datetimeFigureOut">
               <a:rPr lang="en-US" smtClean="0"/>
-              <a:t>2/1/2020</a:t>
+              <a:t>2/2/2020</a:t>
             </a:fld>
             <a:endParaRPr lang="en-US"/>
           </a:p>
@@ -1824,7 +1827,7 @@
           <a:p>
             <a:fld id="{7CF9FAEB-4AD6-4364-B8B1-C87D190B56A4}" type="datetimeFigureOut">
               <a:rPr lang="en-US" smtClean="0"/>
-              <a:t>2/1/2020</a:t>
+              <a:t>2/2/2020</a:t>
             </a:fld>
             <a:endParaRPr lang="en-US"/>
           </a:p>
@@ -2236,7 +2239,7 @@
           <a:p>
             <a:fld id="{7CF9FAEB-4AD6-4364-B8B1-C87D190B56A4}" type="datetimeFigureOut">
               <a:rPr lang="en-US" smtClean="0"/>
-              <a:t>2/1/2020</a:t>
+              <a:t>2/2/2020</a:t>
             </a:fld>
             <a:endParaRPr lang="en-US"/>
           </a:p>
@@ -2377,7 +2380,7 @@
           <a:p>
             <a:fld id="{7CF9FAEB-4AD6-4364-B8B1-C87D190B56A4}" type="datetimeFigureOut">
               <a:rPr lang="en-US" smtClean="0"/>
-              <a:t>2/1/2020</a:t>
+              <a:t>2/2/2020</a:t>
             </a:fld>
             <a:endParaRPr lang="en-US"/>
           </a:p>
@@ -2490,7 +2493,7 @@
           <a:p>
             <a:fld id="{7CF9FAEB-4AD6-4364-B8B1-C87D190B56A4}" type="datetimeFigureOut">
               <a:rPr lang="en-US" smtClean="0"/>
-              <a:t>2/1/2020</a:t>
+              <a:t>2/2/2020</a:t>
             </a:fld>
             <a:endParaRPr lang="en-US"/>
           </a:p>
@@ -2801,7 +2804,7 @@
           <a:p>
             <a:fld id="{7CF9FAEB-4AD6-4364-B8B1-C87D190B56A4}" type="datetimeFigureOut">
               <a:rPr lang="en-US" smtClean="0"/>
-              <a:t>2/1/2020</a:t>
+              <a:t>2/2/2020</a:t>
             </a:fld>
             <a:endParaRPr lang="en-US"/>
           </a:p>
@@ -3089,7 +3092,7 @@
           <a:p>
             <a:fld id="{7CF9FAEB-4AD6-4364-B8B1-C87D190B56A4}" type="datetimeFigureOut">
               <a:rPr lang="en-US" smtClean="0"/>
-              <a:t>2/1/2020</a:t>
+              <a:t>2/2/2020</a:t>
             </a:fld>
             <a:endParaRPr lang="en-US"/>
           </a:p>
@@ -3330,7 +3333,7 @@
           <a:p>
             <a:fld id="{7CF9FAEB-4AD6-4364-B8B1-C87D190B56A4}" type="datetimeFigureOut">
               <a:rPr lang="en-US" smtClean="0"/>
-              <a:t>2/1/2020</a:t>
+              <a:t>2/2/2020</a:t>
             </a:fld>
             <a:endParaRPr lang="en-US"/>
           </a:p>
@@ -3893,10 +3896,283 @@
   <p:clrMapOvr>
     <a:masterClrMapping/>
   </p:clrMapOvr>
+  <p:timing>
+    <p:tnLst>
+      <p:par>
+        <p:cTn id="1" dur="indefinite" restart="never" nodeType="tmRoot"/>
+      </p:par>
+    </p:tnLst>
+  </p:timing>
 </p:sld>
 </file>
 
 <file path=ppt/slides/slide10.xml><?xml version="1.0" encoding="utf-8"?>
+<p:sld xmlns:a="http://schemas.openxmlformats.org/drawingml/2006/main" xmlns:r="http://schemas.openxmlformats.org/officeDocument/2006/relationships" xmlns:p="http://schemas.openxmlformats.org/presentationml/2006/main">
+  <p:cSld>
+    <p:spTree>
+      <p:nvGrpSpPr>
+        <p:cNvPr id="1" name=""/>
+        <p:cNvGrpSpPr/>
+        <p:nvPr/>
+      </p:nvGrpSpPr>
+      <p:grpSpPr>
+        <a:xfrm>
+          <a:off x="0" y="0"/>
+          <a:ext cx="0" cy="0"/>
+          <a:chOff x="0" y="0"/>
+          <a:chExt cx="0" cy="0"/>
+        </a:xfrm>
+      </p:grpSpPr>
+      <p:sp>
+        <p:nvSpPr>
+          <p:cNvPr id="2" name="Title 1">
+            <a:extLst>
+              <a:ext uri="{FF2B5EF4-FFF2-40B4-BE49-F238E27FC236}">
+                <a16:creationId xmlns:a16="http://schemas.microsoft.com/office/drawing/2014/main" id="{87C8B398-1A12-4B3E-84FE-90A9E638B1C1}"/>
+              </a:ext>
+            </a:extLst>
+          </p:cNvPr>
+          <p:cNvSpPr>
+            <a:spLocks noGrp="1"/>
+          </p:cNvSpPr>
+          <p:nvPr>
+            <p:ph type="title"/>
+          </p:nvPr>
+        </p:nvSpPr>
+        <p:spPr/>
+        <p:txBody>
+          <a:bodyPr/>
+          <a:lstStyle/>
+          <a:p>
+            <a:endParaRPr lang="en-US"/>
+          </a:p>
+        </p:txBody>
+      </p:sp>
+      <p:sp>
+        <p:nvSpPr>
+          <p:cNvPr id="3" name="Content Placeholder 2">
+            <a:extLst>
+              <a:ext uri="{FF2B5EF4-FFF2-40B4-BE49-F238E27FC236}">
+                <a16:creationId xmlns:a16="http://schemas.microsoft.com/office/drawing/2014/main" id="{C0D707B8-26D2-417A-94B7-8230EFDE5014}"/>
+              </a:ext>
+            </a:extLst>
+          </p:cNvPr>
+          <p:cNvSpPr>
+            <a:spLocks noGrp="1"/>
+          </p:cNvSpPr>
+          <p:nvPr>
+            <p:ph idx="1"/>
+          </p:nvPr>
+        </p:nvSpPr>
+        <p:spPr/>
+        <p:txBody>
+          <a:bodyPr/>
+          <a:lstStyle/>
+          <a:p>
+            <a:endParaRPr lang="en-US"/>
+          </a:p>
+        </p:txBody>
+      </p:sp>
+      <p:pic>
+        <p:nvPicPr>
+          <p:cNvPr id="4" name="Picture 4">
+            <a:extLst>
+              <a:ext uri="{FF2B5EF4-FFF2-40B4-BE49-F238E27FC236}">
+                <a16:creationId xmlns:a16="http://schemas.microsoft.com/office/drawing/2014/main" id="{AA1409C3-2FB7-45A8-8AFE-54DBB4C6731B}"/>
+              </a:ext>
+            </a:extLst>
+          </p:cNvPr>
+          <p:cNvPicPr>
+            <a:picLocks noChangeAspect="1" noChangeArrowheads="1"/>
+          </p:cNvPicPr>
+          <p:nvPr/>
+        </p:nvPicPr>
+        <p:blipFill rotWithShape="1">
+          <a:blip r:embed="rId2">
+            <a:extLst>
+              <a:ext uri="{28A0092B-C50C-407E-A947-70E740481C1C}">
+                <a14:useLocalDpi xmlns:a14="http://schemas.microsoft.com/office/drawing/2010/main" val="0"/>
+              </a:ext>
+            </a:extLst>
+          </a:blip>
+          <a:srcRect t="27796"/>
+          <a:stretch/>
+        </p:blipFill>
+        <p:spPr bwMode="auto">
+          <a:xfrm>
+            <a:off x="1017169" y="2109536"/>
+            <a:ext cx="10443211" cy="3141871"/>
+          </a:xfrm>
+          <a:prstGeom prst="rect">
+            <a:avLst/>
+          </a:prstGeom>
+          <a:noFill/>
+          <a:extLst>
+            <a:ext uri="{909E8E84-426E-40DD-AFC4-6F175D3DCCD1}">
+              <a14:hiddenFill xmlns:a14="http://schemas.microsoft.com/office/drawing/2010/main">
+                <a:solidFill>
+                  <a:srgbClr val="FFFFFF"/>
+                </a:solidFill>
+              </a14:hiddenFill>
+            </a:ext>
+          </a:extLst>
+        </p:spPr>
+      </p:pic>
+    </p:spTree>
+    <p:extLst>
+      <p:ext uri="{BB962C8B-B14F-4D97-AF65-F5344CB8AC3E}">
+        <p14:creationId xmlns:p14="http://schemas.microsoft.com/office/powerpoint/2010/main" val="806707828"/>
+      </p:ext>
+    </p:extLst>
+  </p:cSld>
+  <p:clrMapOvr>
+    <a:masterClrMapping/>
+  </p:clrMapOvr>
+  <p:timing>
+    <p:tnLst>
+      <p:par>
+        <p:cTn id="1" dur="indefinite" restart="never" nodeType="tmRoot"/>
+      </p:par>
+    </p:tnLst>
+  </p:timing>
+</p:sld>
+</file>
+
+<file path=ppt/slides/slide11.xml><?xml version="1.0" encoding="utf-8"?>
+<p:sld xmlns:a="http://schemas.openxmlformats.org/drawingml/2006/main" xmlns:r="http://schemas.openxmlformats.org/officeDocument/2006/relationships" xmlns:p="http://schemas.openxmlformats.org/presentationml/2006/main">
+  <p:cSld>
+    <p:spTree>
+      <p:nvGrpSpPr>
+        <p:cNvPr id="1" name=""/>
+        <p:cNvGrpSpPr/>
+        <p:nvPr/>
+      </p:nvGrpSpPr>
+      <p:grpSpPr>
+        <a:xfrm>
+          <a:off x="0" y="0"/>
+          <a:ext cx="0" cy="0"/>
+          <a:chOff x="0" y="0"/>
+          <a:chExt cx="0" cy="0"/>
+        </a:xfrm>
+      </p:grpSpPr>
+      <p:sp>
+        <p:nvSpPr>
+          <p:cNvPr id="2" name="Title 1">
+            <a:extLst>
+              <a:ext uri="{FF2B5EF4-FFF2-40B4-BE49-F238E27FC236}">
+                <a16:creationId xmlns:a16="http://schemas.microsoft.com/office/drawing/2014/main" id="{CD74464C-79FA-439B-B4BA-A5A57CE5F834}"/>
+              </a:ext>
+            </a:extLst>
+          </p:cNvPr>
+          <p:cNvSpPr>
+            <a:spLocks noGrp="1"/>
+          </p:cNvSpPr>
+          <p:nvPr>
+            <p:ph type="title"/>
+          </p:nvPr>
+        </p:nvSpPr>
+        <p:spPr/>
+        <p:txBody>
+          <a:bodyPr/>
+          <a:lstStyle/>
+          <a:p>
+            <a:endParaRPr lang="en-US"/>
+          </a:p>
+        </p:txBody>
+      </p:sp>
+      <p:sp>
+        <p:nvSpPr>
+          <p:cNvPr id="3" name="Content Placeholder 2">
+            <a:extLst>
+              <a:ext uri="{FF2B5EF4-FFF2-40B4-BE49-F238E27FC236}">
+                <a16:creationId xmlns:a16="http://schemas.microsoft.com/office/drawing/2014/main" id="{C6B15ED1-47C4-4E6B-ABFE-1E0612984BA9}"/>
+              </a:ext>
+            </a:extLst>
+          </p:cNvPr>
+          <p:cNvSpPr>
+            <a:spLocks noGrp="1"/>
+          </p:cNvSpPr>
+          <p:nvPr>
+            <p:ph idx="1"/>
+          </p:nvPr>
+        </p:nvSpPr>
+        <p:spPr/>
+        <p:txBody>
+          <a:bodyPr/>
+          <a:lstStyle/>
+          <a:p>
+            <a:endParaRPr lang="en-US"/>
+          </a:p>
+        </p:txBody>
+      </p:sp>
+      <p:pic>
+        <p:nvPicPr>
+          <p:cNvPr id="5122" name="Picture 2">
+            <a:extLst>
+              <a:ext uri="{FF2B5EF4-FFF2-40B4-BE49-F238E27FC236}">
+                <a16:creationId xmlns:a16="http://schemas.microsoft.com/office/drawing/2014/main" id="{281E6F76-04AF-4D73-B65A-DD790C8F3EF6}"/>
+              </a:ext>
+            </a:extLst>
+          </p:cNvPr>
+          <p:cNvPicPr>
+            <a:picLocks noChangeAspect="1" noChangeArrowheads="1"/>
+          </p:cNvPicPr>
+          <p:nvPr/>
+        </p:nvPicPr>
+        <p:blipFill>
+          <a:blip r:embed="rId2">
+            <a:extLst>
+              <a:ext uri="{28A0092B-C50C-407E-A947-70E740481C1C}">
+                <a14:useLocalDpi xmlns:a14="http://schemas.microsoft.com/office/drawing/2010/main" val="0"/>
+              </a:ext>
+            </a:extLst>
+          </a:blip>
+          <a:srcRect/>
+          <a:stretch>
+            <a:fillRect/>
+          </a:stretch>
+        </p:blipFill>
+        <p:spPr bwMode="auto">
+          <a:xfrm>
+            <a:off x="665747" y="365125"/>
+            <a:ext cx="10218821" cy="4700923"/>
+          </a:xfrm>
+          <a:prstGeom prst="rect">
+            <a:avLst/>
+          </a:prstGeom>
+          <a:noFill/>
+          <a:extLst>
+            <a:ext uri="{909E8E84-426E-40DD-AFC4-6F175D3DCCD1}">
+              <a14:hiddenFill xmlns:a14="http://schemas.microsoft.com/office/drawing/2010/main">
+                <a:solidFill>
+                  <a:srgbClr val="FFFFFF"/>
+                </a:solidFill>
+              </a14:hiddenFill>
+            </a:ext>
+          </a:extLst>
+        </p:spPr>
+      </p:pic>
+    </p:spTree>
+    <p:extLst>
+      <p:ext uri="{BB962C8B-B14F-4D97-AF65-F5344CB8AC3E}">
+        <p14:creationId xmlns:p14="http://schemas.microsoft.com/office/powerpoint/2010/main" val="1619380711"/>
+      </p:ext>
+    </p:extLst>
+  </p:cSld>
+  <p:clrMapOvr>
+    <a:masterClrMapping/>
+  </p:clrMapOvr>
+  <p:timing>
+    <p:tnLst>
+      <p:par>
+        <p:cTn id="1" dur="indefinite" restart="never" nodeType="tmRoot"/>
+      </p:par>
+    </p:tnLst>
+  </p:timing>
+</p:sld>
+</file>
+
+<file path=ppt/slides/slide12.xml><?xml version="1.0" encoding="utf-8"?>
 <p:sld xmlns:a="http://schemas.openxmlformats.org/drawingml/2006/main" xmlns:r="http://schemas.openxmlformats.org/officeDocument/2006/relationships" xmlns:p="http://schemas.openxmlformats.org/presentationml/2006/main">
   <p:cSld>
     <p:spTree>
@@ -4067,10 +4343,17 @@
   <p:clrMapOvr>
     <a:masterClrMapping/>
   </p:clrMapOvr>
+  <p:timing>
+    <p:tnLst>
+      <p:par>
+        <p:cTn id="1" dur="indefinite" restart="never" nodeType="tmRoot"/>
+      </p:par>
+    </p:tnLst>
+  </p:timing>
 </p:sld>
 </file>
 
-<file path=ppt/slides/slide11.xml><?xml version="1.0" encoding="utf-8"?>
+<file path=ppt/slides/slide13.xml><?xml version="1.0" encoding="utf-8"?>
 <p:sld xmlns:a="http://schemas.openxmlformats.org/drawingml/2006/main" xmlns:r="http://schemas.openxmlformats.org/officeDocument/2006/relationships" xmlns:p="http://schemas.openxmlformats.org/presentationml/2006/main">
   <p:cSld>
     <p:spTree>
@@ -4243,10 +4526,17 @@
   <p:clrMapOvr>
     <a:masterClrMapping/>
   </p:clrMapOvr>
+  <p:timing>
+    <p:tnLst>
+      <p:par>
+        <p:cTn id="1" dur="indefinite" restart="never" nodeType="tmRoot"/>
+      </p:par>
+    </p:tnLst>
+  </p:timing>
 </p:sld>
 </file>
 
-<file path=ppt/slides/slide12.xml><?xml version="1.0" encoding="utf-8"?>
+<file path=ppt/slides/slide14.xml><?xml version="1.0" encoding="utf-8"?>
 <p:sld xmlns:a="http://schemas.openxmlformats.org/drawingml/2006/main" xmlns:r="http://schemas.openxmlformats.org/officeDocument/2006/relationships" xmlns:p="http://schemas.openxmlformats.org/presentationml/2006/main">
   <p:cSld>
     <p:spTree>
@@ -4391,10 +4681,17 @@
   <p:clrMapOvr>
     <a:masterClrMapping/>
   </p:clrMapOvr>
+  <p:timing>
+    <p:tnLst>
+      <p:par>
+        <p:cTn id="1" dur="indefinite" restart="never" nodeType="tmRoot"/>
+      </p:par>
+    </p:tnLst>
+  </p:timing>
 </p:sld>
 </file>
 
-<file path=ppt/slides/slide13.xml><?xml version="1.0" encoding="utf-8"?>
+<file path=ppt/slides/slide15.xml><?xml version="1.0" encoding="utf-8"?>
 <p:sld xmlns:a="http://schemas.openxmlformats.org/drawingml/2006/main" xmlns:r="http://schemas.openxmlformats.org/officeDocument/2006/relationships" xmlns:p="http://schemas.openxmlformats.org/presentationml/2006/main">
   <p:cSld>
     <p:spTree>
@@ -4493,10 +4790,17 @@
   <p:clrMapOvr>
     <a:masterClrMapping/>
   </p:clrMapOvr>
+  <p:timing>
+    <p:tnLst>
+      <p:par>
+        <p:cTn id="1" dur="indefinite" restart="never" nodeType="tmRoot"/>
+      </p:par>
+    </p:tnLst>
+  </p:timing>
 </p:sld>
 </file>
 
-<file path=ppt/slides/slide14.xml><?xml version="1.0" encoding="utf-8"?>
+<file path=ppt/slides/slide16.xml><?xml version="1.0" encoding="utf-8"?>
 <p:sld xmlns:a="http://schemas.openxmlformats.org/drawingml/2006/main" xmlns:r="http://schemas.openxmlformats.org/officeDocument/2006/relationships" xmlns:p="http://schemas.openxmlformats.org/presentationml/2006/main">
   <p:cSld>
     <p:spTree>
@@ -4612,10 +4916,17 @@
   <p:clrMapOvr>
     <a:masterClrMapping/>
   </p:clrMapOvr>
+  <p:timing>
+    <p:tnLst>
+      <p:par>
+        <p:cTn id="1" dur="indefinite" restart="never" nodeType="tmRoot"/>
+      </p:par>
+    </p:tnLst>
+  </p:timing>
 </p:sld>
 </file>
 
-<file path=ppt/slides/slide15.xml><?xml version="1.0" encoding="utf-8"?>
+<file path=ppt/slides/slide17.xml><?xml version="1.0" encoding="utf-8"?>
 <p:sld xmlns:a="http://schemas.openxmlformats.org/drawingml/2006/main" xmlns:r="http://schemas.openxmlformats.org/officeDocument/2006/relationships" xmlns:p="http://schemas.openxmlformats.org/presentationml/2006/main">
   <p:cSld>
     <p:spTree>
@@ -4804,10 +5115,17 @@
   <p:clrMapOvr>
     <a:masterClrMapping/>
   </p:clrMapOvr>
+  <p:timing>
+    <p:tnLst>
+      <p:par>
+        <p:cTn id="1" dur="indefinite" restart="never" nodeType="tmRoot"/>
+      </p:par>
+    </p:tnLst>
+  </p:timing>
 </p:sld>
 </file>
 
-<file path=ppt/slides/slide16.xml><?xml version="1.0" encoding="utf-8"?>
+<file path=ppt/slides/slide18.xml><?xml version="1.0" encoding="utf-8"?>
 <p:sld xmlns:a="http://schemas.openxmlformats.org/drawingml/2006/main" xmlns:r="http://schemas.openxmlformats.org/officeDocument/2006/relationships" xmlns:p="http://schemas.openxmlformats.org/presentationml/2006/main">
   <p:cSld>
     <p:spTree>
@@ -5366,10 +5684,17 @@
   <p:clrMapOvr>
     <a:masterClrMapping/>
   </p:clrMapOvr>
+  <p:timing>
+    <p:tnLst>
+      <p:par>
+        <p:cTn id="1" dur="indefinite" restart="never" nodeType="tmRoot"/>
+      </p:par>
+    </p:tnLst>
+  </p:timing>
 </p:sld>
 </file>
 
-<file path=ppt/slides/slide17.xml><?xml version="1.0" encoding="utf-8"?>
+<file path=ppt/slides/slide19.xml><?xml version="1.0" encoding="utf-8"?>
 <p:sld xmlns:a="http://schemas.openxmlformats.org/drawingml/2006/main" xmlns:r="http://schemas.openxmlformats.org/officeDocument/2006/relationships" xmlns:p="http://schemas.openxmlformats.org/presentationml/2006/main">
   <p:cSld>
     <p:spTree>
@@ -5508,10 +5833,171 @@
   <p:clrMapOvr>
     <a:masterClrMapping/>
   </p:clrMapOvr>
+  <p:timing>
+    <p:tnLst>
+      <p:par>
+        <p:cTn id="1" dur="indefinite" restart="never" nodeType="tmRoot"/>
+      </p:par>
+    </p:tnLst>
+  </p:timing>
 </p:sld>
 </file>
 
-<file path=ppt/slides/slide18.xml><?xml version="1.0" encoding="utf-8"?>
+<file path=ppt/slides/slide2.xml><?xml version="1.0" encoding="utf-8"?>
+<p:sld xmlns:a="http://schemas.openxmlformats.org/drawingml/2006/main" xmlns:r="http://schemas.openxmlformats.org/officeDocument/2006/relationships" xmlns:p="http://schemas.openxmlformats.org/presentationml/2006/main">
+  <p:cSld>
+    <p:spTree>
+      <p:nvGrpSpPr>
+        <p:cNvPr id="1" name=""/>
+        <p:cNvGrpSpPr/>
+        <p:nvPr/>
+      </p:nvGrpSpPr>
+      <p:grpSpPr>
+        <a:xfrm>
+          <a:off x="0" y="0"/>
+          <a:ext cx="0" cy="0"/>
+          <a:chOff x="0" y="0"/>
+          <a:chExt cx="0" cy="0"/>
+        </a:xfrm>
+      </p:grpSpPr>
+      <p:sp>
+        <p:nvSpPr>
+          <p:cNvPr id="2" name="Title 1"/>
+          <p:cNvSpPr>
+            <a:spLocks noGrp="1"/>
+          </p:cNvSpPr>
+          <p:nvPr>
+            <p:ph type="title"/>
+          </p:nvPr>
+        </p:nvSpPr>
+        <p:spPr/>
+        <p:txBody>
+          <a:bodyPr/>
+          <a:lstStyle/>
+          <a:p>
+            <a:r>
+              <a:rPr lang="ru-RU" dirty="0" smtClean="0"/>
+              <a:t>Меньше боли, меньше кода!</a:t>
+            </a:r>
+            <a:endParaRPr lang="en-US" dirty="0"/>
+          </a:p>
+        </p:txBody>
+      </p:sp>
+      <p:sp>
+        <p:nvSpPr>
+          <p:cNvPr id="3" name="Content Placeholder 2"/>
+          <p:cNvSpPr>
+            <a:spLocks noGrp="1"/>
+          </p:cNvSpPr>
+          <p:nvPr>
+            <p:ph idx="1"/>
+          </p:nvPr>
+        </p:nvSpPr>
+        <p:spPr>
+          <a:xfrm>
+            <a:off x="838200" y="1792981"/>
+            <a:ext cx="10515600" cy="4351338"/>
+          </a:xfrm>
+        </p:spPr>
+        <p:txBody>
+          <a:bodyPr/>
+          <a:lstStyle/>
+          <a:p>
+            <a:pPr marL="0" indent="0">
+              <a:buNone/>
+            </a:pPr>
+            <a:endParaRPr lang="en-US" dirty="0"/>
+          </a:p>
+        </p:txBody>
+      </p:sp>
+      <p:pic>
+        <p:nvPicPr>
+          <p:cNvPr id="1026" name="Picture 2" descr="https://miro.medium.com/max/958/1*SU5_ws88Kh_Oio_L4Myhvg.png"/>
+          <p:cNvPicPr>
+            <a:picLocks noChangeAspect="1" noChangeArrowheads="1"/>
+          </p:cNvPicPr>
+          <p:nvPr/>
+        </p:nvPicPr>
+        <p:blipFill>
+          <a:blip r:embed="rId2">
+            <a:extLst>
+              <a:ext uri="{28A0092B-C50C-407E-A947-70E740481C1C}">
+                <a14:useLocalDpi xmlns:a14="http://schemas.microsoft.com/office/drawing/2010/main" val="0"/>
+              </a:ext>
+            </a:extLst>
+          </a:blip>
+          <a:srcRect/>
+          <a:stretch>
+            <a:fillRect/>
+          </a:stretch>
+        </p:blipFill>
+        <p:spPr bwMode="auto">
+          <a:xfrm>
+            <a:off x="2675314" y="1792981"/>
+            <a:ext cx="6967451" cy="4545571"/>
+          </a:xfrm>
+          <a:prstGeom prst="rect">
+            <a:avLst/>
+          </a:prstGeom>
+          <a:noFill/>
+          <a:extLst>
+            <a:ext uri="{909E8E84-426E-40DD-AFC4-6F175D3DCCD1}">
+              <a14:hiddenFill xmlns:a14="http://schemas.microsoft.com/office/drawing/2010/main">
+                <a:solidFill>
+                  <a:srgbClr val="FFFFFF"/>
+                </a:solidFill>
+              </a14:hiddenFill>
+            </a:ext>
+          </a:extLst>
+        </p:spPr>
+      </p:pic>
+      <p:sp>
+        <p:nvSpPr>
+          <p:cNvPr id="4" name="TextBox 3"/>
+          <p:cNvSpPr txBox="1"/>
+          <p:nvPr/>
+        </p:nvSpPr>
+        <p:spPr>
+          <a:xfrm>
+            <a:off x="8545484" y="2992582"/>
+            <a:ext cx="184731" cy="369332"/>
+          </a:xfrm>
+          <a:prstGeom prst="rect">
+            <a:avLst/>
+          </a:prstGeom>
+          <a:noFill/>
+        </p:spPr>
+        <p:txBody>
+          <a:bodyPr wrap="none" rtlCol="0">
+            <a:spAutoFit/>
+          </a:bodyPr>
+          <a:lstStyle/>
+          <a:p>
+            <a:endParaRPr lang="en-US" dirty="0"/>
+          </a:p>
+        </p:txBody>
+      </p:sp>
+    </p:spTree>
+    <p:extLst>
+      <p:ext uri="{BB962C8B-B14F-4D97-AF65-F5344CB8AC3E}">
+        <p14:creationId xmlns:p14="http://schemas.microsoft.com/office/powerpoint/2010/main" val="3212682935"/>
+      </p:ext>
+    </p:extLst>
+  </p:cSld>
+  <p:clrMapOvr>
+    <a:masterClrMapping/>
+  </p:clrMapOvr>
+  <p:timing>
+    <p:tnLst>
+      <p:par>
+        <p:cTn id="1" dur="indefinite" restart="never" nodeType="tmRoot"/>
+      </p:par>
+    </p:tnLst>
+  </p:timing>
+</p:sld>
+</file>
+
+<file path=ppt/slides/slide20.xml><?xml version="1.0" encoding="utf-8"?>
 <p:sld xmlns:a="http://schemas.openxmlformats.org/drawingml/2006/main" xmlns:r="http://schemas.openxmlformats.org/officeDocument/2006/relationships" xmlns:p="http://schemas.openxmlformats.org/presentationml/2006/main">
   <p:cSld>
     <p:spTree>
@@ -5640,10 +6126,17 @@
   <p:clrMapOvr>
     <a:masterClrMapping/>
   </p:clrMapOvr>
+  <p:timing>
+    <p:tnLst>
+      <p:par>
+        <p:cTn id="1" dur="indefinite" restart="never" nodeType="tmRoot"/>
+      </p:par>
+    </p:tnLst>
+  </p:timing>
 </p:sld>
 </file>
 
-<file path=ppt/slides/slide19.xml><?xml version="1.0" encoding="utf-8"?>
+<file path=ppt/slides/slide21.xml><?xml version="1.0" encoding="utf-8"?>
 <p:sld xmlns:a="http://schemas.openxmlformats.org/drawingml/2006/main" xmlns:r="http://schemas.openxmlformats.org/officeDocument/2006/relationships" xmlns:p="http://schemas.openxmlformats.org/presentationml/2006/main">
   <p:cSld>
     <p:spTree>
@@ -5829,186 +6322,17 @@
   <p:clrMapOvr>
     <a:masterClrMapping/>
   </p:clrMapOvr>
+  <p:timing>
+    <p:tnLst>
+      <p:par>
+        <p:cTn id="1" dur="indefinite" restart="never" nodeType="tmRoot"/>
+      </p:par>
+    </p:tnLst>
+  </p:timing>
 </p:sld>
 </file>
 
-<file path=ppt/slides/slide2.xml><?xml version="1.0" encoding="utf-8"?>
-<p:sld xmlns:a="http://schemas.openxmlformats.org/drawingml/2006/main" xmlns:r="http://schemas.openxmlformats.org/officeDocument/2006/relationships" xmlns:p="http://schemas.openxmlformats.org/presentationml/2006/main">
-  <p:cSld>
-    <p:spTree>
-      <p:nvGrpSpPr>
-        <p:cNvPr id="1" name=""/>
-        <p:cNvGrpSpPr/>
-        <p:nvPr/>
-      </p:nvGrpSpPr>
-      <p:grpSpPr>
-        <a:xfrm>
-          <a:off x="0" y="0"/>
-          <a:ext cx="0" cy="0"/>
-          <a:chOff x="0" y="0"/>
-          <a:chExt cx="0" cy="0"/>
-        </a:xfrm>
-      </p:grpSpPr>
-      <p:sp>
-        <p:nvSpPr>
-          <p:cNvPr id="2" name="Title 1">
-            <a:extLst>
-              <a:ext uri="{FF2B5EF4-FFF2-40B4-BE49-F238E27FC236}">
-                <a16:creationId xmlns:a16="http://schemas.microsoft.com/office/drawing/2014/main" id="{A0C809ED-4169-4F88-B15D-159799893073}"/>
-              </a:ext>
-            </a:extLst>
-          </p:cNvPr>
-          <p:cNvSpPr>
-            <a:spLocks noGrp="1"/>
-          </p:cNvSpPr>
-          <p:nvPr>
-            <p:ph type="title"/>
-          </p:nvPr>
-        </p:nvSpPr>
-        <p:spPr>
-          <a:xfrm>
-            <a:off x="502820" y="184150"/>
-            <a:ext cx="11186360" cy="2314575"/>
-          </a:xfrm>
-        </p:spPr>
-        <p:txBody>
-          <a:bodyPr>
-            <a:normAutofit fontScale="90000"/>
-          </a:bodyPr>
-          <a:lstStyle/>
-          <a:p>
-            <a:pPr algn="ctr"/>
-            <a:r>
-              <a:rPr lang="en-US" i="1" dirty="0">
-                <a:solidFill>
-                  <a:srgbClr val="5A5A5A"/>
-                </a:solidFill>
-                <a:latin typeface="Arial" panose="020B0604020202020204" pitchFamily="34" charset="0"/>
-                <a:cs typeface="Arial" panose="020B0604020202020204" pitchFamily="34" charset="0"/>
-              </a:rPr>
-              <a:t>Hooks</a:t>
-            </a:r>
-            <a:r>
-              <a:rPr lang="ru-RU" dirty="0">
-                <a:solidFill>
-                  <a:srgbClr val="5A5A5A"/>
-                </a:solidFill>
-                <a:latin typeface="Arial" panose="020B0604020202020204" pitchFamily="34" charset="0"/>
-                <a:cs typeface="Arial" panose="020B0604020202020204" pitchFamily="34" charset="0"/>
-              </a:rPr>
-              <a:t> — нововведение в </a:t>
-            </a:r>
-            <a:r>
-              <a:rPr lang="ru-RU" dirty="0" err="1">
-                <a:solidFill>
-                  <a:srgbClr val="5A5A5A"/>
-                </a:solidFill>
-                <a:latin typeface="Arial" panose="020B0604020202020204" pitchFamily="34" charset="0"/>
-                <a:cs typeface="Arial" panose="020B0604020202020204" pitchFamily="34" charset="0"/>
-              </a:rPr>
-              <a:t>React</a:t>
-            </a:r>
-            <a:r>
-              <a:rPr lang="ru-RU" dirty="0">
-                <a:solidFill>
-                  <a:srgbClr val="5A5A5A"/>
-                </a:solidFill>
-                <a:latin typeface="Arial" panose="020B0604020202020204" pitchFamily="34" charset="0"/>
-                <a:cs typeface="Arial" panose="020B0604020202020204" pitchFamily="34" charset="0"/>
-              </a:rPr>
-              <a:t> 16.8, которое позволяет использовать состояние и другие возможности </a:t>
-            </a:r>
-            <a:r>
-              <a:rPr lang="ru-RU" dirty="0" err="1">
-                <a:solidFill>
-                  <a:srgbClr val="5A5A5A"/>
-                </a:solidFill>
-                <a:latin typeface="Arial" panose="020B0604020202020204" pitchFamily="34" charset="0"/>
-                <a:cs typeface="Arial" panose="020B0604020202020204" pitchFamily="34" charset="0"/>
-              </a:rPr>
-              <a:t>React</a:t>
-            </a:r>
-            <a:r>
-              <a:rPr lang="ru-RU" dirty="0">
-                <a:solidFill>
-                  <a:srgbClr val="5A5A5A"/>
-                </a:solidFill>
-                <a:latin typeface="Arial" panose="020B0604020202020204" pitchFamily="34" charset="0"/>
-                <a:cs typeface="Arial" panose="020B0604020202020204" pitchFamily="34" charset="0"/>
-              </a:rPr>
-              <a:t> без написания классов.</a:t>
-            </a:r>
-            <a:endParaRPr lang="en-US" dirty="0">
-              <a:solidFill>
-                <a:srgbClr val="5A5A5A"/>
-              </a:solidFill>
-              <a:latin typeface="Arial" panose="020B0604020202020204" pitchFamily="34" charset="0"/>
-              <a:cs typeface="Arial" panose="020B0604020202020204" pitchFamily="34" charset="0"/>
-            </a:endParaRPr>
-          </a:p>
-        </p:txBody>
-      </p:sp>
-      <p:pic>
-        <p:nvPicPr>
-          <p:cNvPr id="4" name="Picture 2" descr="Image result for react hook meme">
-            <a:extLst>
-              <a:ext uri="{FF2B5EF4-FFF2-40B4-BE49-F238E27FC236}">
-                <a16:creationId xmlns:a16="http://schemas.microsoft.com/office/drawing/2014/main" id="{C7CBBD9A-56D4-429A-9DCE-A0A39263B778}"/>
-              </a:ext>
-            </a:extLst>
-          </p:cNvPr>
-          <p:cNvPicPr>
-            <a:picLocks noChangeAspect="1" noChangeArrowheads="1"/>
-          </p:cNvPicPr>
-          <p:nvPr/>
-        </p:nvPicPr>
-        <p:blipFill>
-          <a:blip r:embed="rId2">
-            <a:extLst>
-              <a:ext uri="{28A0092B-C50C-407E-A947-70E740481C1C}">
-                <a14:useLocalDpi xmlns:a14="http://schemas.microsoft.com/office/drawing/2010/main" val="0"/>
-              </a:ext>
-            </a:extLst>
-          </a:blip>
-          <a:srcRect/>
-          <a:stretch>
-            <a:fillRect/>
-          </a:stretch>
-        </p:blipFill>
-        <p:spPr bwMode="auto">
-          <a:xfrm>
-            <a:off x="3134727" y="2697914"/>
-            <a:ext cx="6115050" cy="3590925"/>
-          </a:xfrm>
-          <a:prstGeom prst="rect">
-            <a:avLst/>
-          </a:prstGeom>
-          <a:noFill/>
-          <a:extLst>
-            <a:ext uri="{909E8E84-426E-40DD-AFC4-6F175D3DCCD1}">
-              <a14:hiddenFill xmlns:a14="http://schemas.microsoft.com/office/drawing/2010/main">
-                <a:solidFill>
-                  <a:srgbClr val="FFFFFF"/>
-                </a:solidFill>
-              </a14:hiddenFill>
-            </a:ext>
-          </a:extLst>
-        </p:spPr>
-      </p:pic>
-    </p:spTree>
-    <p:extLst>
-      <p:ext uri="{BB962C8B-B14F-4D97-AF65-F5344CB8AC3E}">
-        <p14:creationId xmlns:p14="http://schemas.microsoft.com/office/powerpoint/2010/main" val="2849461995"/>
-      </p:ext>
-    </p:extLst>
-  </p:cSld>
-  <p:clrMapOvr>
-    <a:masterClrMapping/>
-  </p:clrMapOvr>
-</p:sld>
-</file>
-
-<file path=ppt/slides/slide20.xml><?xml version="1.0" encoding="utf-8"?>
+<file path=ppt/slides/slide22.xml><?xml version="1.0" encoding="utf-8"?>
 <p:sld xmlns:a="http://schemas.openxmlformats.org/drawingml/2006/main" xmlns:r="http://schemas.openxmlformats.org/officeDocument/2006/relationships" xmlns:p="http://schemas.openxmlformats.org/presentationml/2006/main">
   <p:cSld>
     <p:spTree>
@@ -6115,10 +6439,17 @@
   <p:clrMapOvr>
     <a:masterClrMapping/>
   </p:clrMapOvr>
+  <p:timing>
+    <p:tnLst>
+      <p:par>
+        <p:cTn id="1" dur="indefinite" restart="never" nodeType="tmRoot"/>
+      </p:par>
+    </p:tnLst>
+  </p:timing>
 </p:sld>
 </file>
 
-<file path=ppt/slides/slide21.xml><?xml version="1.0" encoding="utf-8"?>
+<file path=ppt/slides/slide23.xml><?xml version="1.0" encoding="utf-8"?>
 <p:sld xmlns:a="http://schemas.openxmlformats.org/drawingml/2006/main" xmlns:r="http://schemas.openxmlformats.org/officeDocument/2006/relationships" xmlns:p="http://schemas.openxmlformats.org/presentationml/2006/main">
   <p:cSld>
     <p:spTree>
@@ -6464,10 +6795,17 @@
   <p:clrMapOvr>
     <a:masterClrMapping/>
   </p:clrMapOvr>
+  <p:timing>
+    <p:tnLst>
+      <p:par>
+        <p:cTn id="1" dur="indefinite" restart="never" nodeType="tmRoot"/>
+      </p:par>
+    </p:tnLst>
+  </p:timing>
 </p:sld>
 </file>
 
-<file path=ppt/slides/slide22.xml><?xml version="1.0" encoding="utf-8"?>
+<file path=ppt/slides/slide24.xml><?xml version="1.0" encoding="utf-8"?>
 <p:sld xmlns:a="http://schemas.openxmlformats.org/drawingml/2006/main" xmlns:r="http://schemas.openxmlformats.org/officeDocument/2006/relationships" xmlns:p="http://schemas.openxmlformats.org/presentationml/2006/main">
   <p:cSld>
     <p:spTree>
@@ -6819,10 +7157,17 @@
   <p:clrMapOvr>
     <a:masterClrMapping/>
   </p:clrMapOvr>
+  <p:timing>
+    <p:tnLst>
+      <p:par>
+        <p:cTn id="1" dur="indefinite" restart="never" nodeType="tmRoot"/>
+      </p:par>
+    </p:tnLst>
+  </p:timing>
 </p:sld>
 </file>
 
-<file path=ppt/slides/slide23.xml><?xml version="1.0" encoding="utf-8"?>
+<file path=ppt/slides/slide25.xml><?xml version="1.0" encoding="utf-8"?>
 <p:sld xmlns:a="http://schemas.openxmlformats.org/drawingml/2006/main" xmlns:r="http://schemas.openxmlformats.org/officeDocument/2006/relationships" xmlns:p="http://schemas.openxmlformats.org/presentationml/2006/main">
   <p:cSld>
     <p:spTree>
@@ -6946,6 +7291,279 @@
   <p:clrMapOvr>
     <a:masterClrMapping/>
   </p:clrMapOvr>
+  <p:timing>
+    <p:tnLst>
+      <p:par>
+        <p:cTn id="1" dur="indefinite" restart="never" nodeType="tmRoot"/>
+      </p:par>
+    </p:tnLst>
+  </p:timing>
+</p:sld>
+</file>
+
+<file path=ppt/slides/slide26.xml><?xml version="1.0" encoding="utf-8"?>
+<p:sld xmlns:a="http://schemas.openxmlformats.org/drawingml/2006/main" xmlns:r="http://schemas.openxmlformats.org/officeDocument/2006/relationships" xmlns:p="http://schemas.openxmlformats.org/presentationml/2006/main">
+  <p:cSld>
+    <p:spTree>
+      <p:nvGrpSpPr>
+        <p:cNvPr id="1" name=""/>
+        <p:cNvGrpSpPr/>
+        <p:nvPr/>
+      </p:nvGrpSpPr>
+      <p:grpSpPr>
+        <a:xfrm>
+          <a:off x="0" y="0"/>
+          <a:ext cx="0" cy="0"/>
+          <a:chOff x="0" y="0"/>
+          <a:chExt cx="0" cy="0"/>
+        </a:xfrm>
+      </p:grpSpPr>
+      <p:sp>
+        <p:nvSpPr>
+          <p:cNvPr id="2" name="Title 1"/>
+          <p:cNvSpPr>
+            <a:spLocks noGrp="1"/>
+          </p:cNvSpPr>
+          <p:nvPr>
+            <p:ph type="title"/>
+          </p:nvPr>
+        </p:nvSpPr>
+        <p:spPr/>
+        <p:txBody>
+          <a:bodyPr/>
+          <a:lstStyle/>
+          <a:p>
+            <a:r>
+              <a:rPr lang="en-US" dirty="0" smtClean="0"/>
+              <a:t>React Hooks + </a:t>
+            </a:r>
+            <a:r>
+              <a:rPr lang="en-US" dirty="0" err="1" smtClean="0"/>
+              <a:t>Redux</a:t>
+            </a:r>
+            <a:endParaRPr lang="en-US" dirty="0"/>
+          </a:p>
+        </p:txBody>
+      </p:sp>
+      <p:sp>
+        <p:nvSpPr>
+          <p:cNvPr id="3" name="Content Placeholder 2"/>
+          <p:cNvSpPr>
+            <a:spLocks noGrp="1"/>
+          </p:cNvSpPr>
+          <p:nvPr>
+            <p:ph idx="1"/>
+          </p:nvPr>
+        </p:nvSpPr>
+        <p:spPr>
+          <a:xfrm>
+            <a:off x="838200" y="2776451"/>
+            <a:ext cx="6094615" cy="1704109"/>
+          </a:xfrm>
+        </p:spPr>
+        <p:txBody>
+          <a:bodyPr>
+            <a:normAutofit fontScale="70000" lnSpcReduction="20000"/>
+          </a:bodyPr>
+          <a:lstStyle/>
+          <a:p>
+            <a:pPr marL="0" indent="0">
+              <a:buNone/>
+            </a:pPr>
+            <a:r>
+              <a:rPr lang="en-US" dirty="0"/>
+              <a:t>Pavel Uvarov,</a:t>
+            </a:r>
+          </a:p>
+          <a:p>
+            <a:pPr marL="0" indent="0">
+              <a:buNone/>
+            </a:pPr>
+            <a:r>
+              <a:rPr lang="en-US" dirty="0"/>
+              <a:t>software engineer</a:t>
+            </a:r>
+          </a:p>
+          <a:p>
+            <a:pPr marL="0" indent="0">
+              <a:buNone/>
+            </a:pPr>
+            <a:endParaRPr lang="en-US" dirty="0" smtClean="0">
+              <a:hlinkClick r:id="rId2"/>
+            </a:endParaRPr>
+          </a:p>
+          <a:p>
+            <a:pPr marL="0" indent="0">
+              <a:buNone/>
+            </a:pPr>
+            <a:r>
+              <a:rPr lang="en-US" dirty="0" smtClean="0">
+                <a:hlinkClick r:id="rId2"/>
+              </a:rPr>
+              <a:t>pavel_uvarov@epam.com</a:t>
+            </a:r>
+            <a:endParaRPr lang="en-US" dirty="0" smtClean="0"/>
+          </a:p>
+          <a:p>
+            <a:pPr marL="0" indent="0">
+              <a:buNone/>
+            </a:pPr>
+            <a:r>
+              <a:rPr lang="en-US" dirty="0" smtClean="0"/>
+              <a:t>room 111, Ryazan</a:t>
+            </a:r>
+            <a:endParaRPr lang="en-US" dirty="0"/>
+          </a:p>
+        </p:txBody>
+      </p:sp>
+      <p:pic>
+        <p:nvPicPr>
+          <p:cNvPr id="2050" name="Picture 2" descr="Related image"/>
+          <p:cNvPicPr>
+            <a:picLocks noChangeAspect="1" noChangeArrowheads="1"/>
+          </p:cNvPicPr>
+          <p:nvPr/>
+        </p:nvPicPr>
+        <p:blipFill>
+          <a:blip r:embed="rId3">
+            <a:extLst>
+              <a:ext uri="{28A0092B-C50C-407E-A947-70E740481C1C}">
+                <a14:useLocalDpi xmlns:a14="http://schemas.microsoft.com/office/drawing/2010/main" val="0"/>
+              </a:ext>
+            </a:extLst>
+          </a:blip>
+          <a:srcRect/>
+          <a:stretch>
+            <a:fillRect/>
+          </a:stretch>
+        </p:blipFill>
+        <p:spPr bwMode="auto">
+          <a:xfrm>
+            <a:off x="7514705" y="0"/>
+            <a:ext cx="4677295" cy="6875624"/>
+          </a:xfrm>
+          <a:prstGeom prst="rect">
+            <a:avLst/>
+          </a:prstGeom>
+          <a:noFill/>
+          <a:extLst>
+            <a:ext uri="{909E8E84-426E-40DD-AFC4-6F175D3DCCD1}">
+              <a14:hiddenFill xmlns:a14="http://schemas.microsoft.com/office/drawing/2010/main">
+                <a:solidFill>
+                  <a:srgbClr val="FFFFFF"/>
+                </a:solidFill>
+              </a14:hiddenFill>
+            </a:ext>
+          </a:extLst>
+        </p:spPr>
+      </p:pic>
+      <p:sp>
+        <p:nvSpPr>
+          <p:cNvPr id="5" name="Title 1"/>
+          <p:cNvSpPr txBox="1">
+            <a:spLocks/>
+          </p:cNvSpPr>
+          <p:nvPr/>
+        </p:nvSpPr>
+        <p:spPr>
+          <a:xfrm>
+            <a:off x="699654" y="5039649"/>
+            <a:ext cx="10515600" cy="1325563"/>
+          </a:xfrm>
+          <a:prstGeom prst="rect">
+            <a:avLst/>
+          </a:prstGeom>
+        </p:spPr>
+        <p:txBody>
+          <a:bodyPr vert="horz" lIns="91440" tIns="45720" rIns="91440" bIns="45720" rtlCol="0" anchor="ctr">
+            <a:normAutofit/>
+          </a:bodyPr>
+          <a:lstStyle>
+            <a:lvl1pPr algn="l" defTabSz="914400" rtl="0" eaLnBrk="1" latinLnBrk="0" hangingPunct="1">
+              <a:lnSpc>
+                <a:spcPct val="90000"/>
+              </a:lnSpc>
+              <a:spcBef>
+                <a:spcPct val="0"/>
+              </a:spcBef>
+              <a:buNone/>
+              <a:defRPr sz="4400" kern="1200">
+                <a:solidFill>
+                  <a:schemeClr val="tx1"/>
+                </a:solidFill>
+                <a:latin typeface="+mj-lt"/>
+                <a:ea typeface="+mj-ea"/>
+                <a:cs typeface="+mj-cs"/>
+              </a:defRPr>
+            </a:lvl1pPr>
+          </a:lstStyle>
+          <a:p>
+            <a:r>
+              <a:rPr lang="ru-RU" dirty="0" smtClean="0"/>
+              <a:t>Спасибо за внимание!</a:t>
+            </a:r>
+            <a:endParaRPr lang="en-US" dirty="0"/>
+          </a:p>
+        </p:txBody>
+      </p:sp>
+      <p:pic>
+        <p:nvPicPr>
+          <p:cNvPr id="2052" name="Picture 4" descr="https://static.cdn.epam.com/avatar/fb83a8dea32d892c2d7ed1c59a659ffa.jpg"/>
+          <p:cNvPicPr>
+            <a:picLocks noChangeAspect="1" noChangeArrowheads="1"/>
+          </p:cNvPicPr>
+          <p:nvPr/>
+        </p:nvPicPr>
+        <p:blipFill>
+          <a:blip r:embed="rId4">
+            <a:extLst>
+              <a:ext uri="{28A0092B-C50C-407E-A947-70E740481C1C}">
+                <a14:useLocalDpi xmlns:a14="http://schemas.microsoft.com/office/drawing/2010/main" val="0"/>
+              </a:ext>
+            </a:extLst>
+          </a:blip>
+          <a:srcRect/>
+          <a:stretch>
+            <a:fillRect/>
+          </a:stretch>
+        </p:blipFill>
+        <p:spPr bwMode="auto">
+          <a:xfrm>
+            <a:off x="920346" y="1741112"/>
+            <a:ext cx="952500" cy="952500"/>
+          </a:xfrm>
+          <a:prstGeom prst="rect">
+            <a:avLst/>
+          </a:prstGeom>
+          <a:noFill/>
+          <a:extLst>
+            <a:ext uri="{909E8E84-426E-40DD-AFC4-6F175D3DCCD1}">
+              <a14:hiddenFill xmlns:a14="http://schemas.microsoft.com/office/drawing/2010/main">
+                <a:solidFill>
+                  <a:srgbClr val="FFFFFF"/>
+                </a:solidFill>
+              </a14:hiddenFill>
+            </a:ext>
+          </a:extLst>
+        </p:spPr>
+      </p:pic>
+    </p:spTree>
+    <p:extLst>
+      <p:ext uri="{BB962C8B-B14F-4D97-AF65-F5344CB8AC3E}">
+        <p14:creationId xmlns:p14="http://schemas.microsoft.com/office/powerpoint/2010/main" val="3931122454"/>
+      </p:ext>
+    </p:extLst>
+  </p:cSld>
+  <p:clrMapOvr>
+    <a:masterClrMapping/>
+  </p:clrMapOvr>
+  <p:timing>
+    <p:tnLst>
+      <p:par>
+        <p:cTn id="1" dur="indefinite" restart="never" nodeType="tmRoot"/>
+      </p:par>
+    </p:tnLst>
+  </p:timing>
 </p:sld>
 </file>
 
@@ -6971,6 +7589,189 @@
           <p:cNvPr id="2" name="Title 1">
             <a:extLst>
               <a:ext uri="{FF2B5EF4-FFF2-40B4-BE49-F238E27FC236}">
+                <a16:creationId xmlns:a16="http://schemas.microsoft.com/office/drawing/2014/main" id="{A0C809ED-4169-4F88-B15D-159799893073}"/>
+              </a:ext>
+            </a:extLst>
+          </p:cNvPr>
+          <p:cNvSpPr>
+            <a:spLocks noGrp="1"/>
+          </p:cNvSpPr>
+          <p:nvPr>
+            <p:ph type="title"/>
+          </p:nvPr>
+        </p:nvSpPr>
+        <p:spPr>
+          <a:xfrm>
+            <a:off x="502820" y="184150"/>
+            <a:ext cx="11186360" cy="2314575"/>
+          </a:xfrm>
+        </p:spPr>
+        <p:txBody>
+          <a:bodyPr>
+            <a:normAutofit fontScale="90000"/>
+          </a:bodyPr>
+          <a:lstStyle/>
+          <a:p>
+            <a:pPr algn="ctr"/>
+            <a:r>
+              <a:rPr lang="en-US" i="1" dirty="0">
+                <a:solidFill>
+                  <a:srgbClr val="5A5A5A"/>
+                </a:solidFill>
+                <a:latin typeface="Arial" panose="020B0604020202020204" pitchFamily="34" charset="0"/>
+                <a:cs typeface="Arial" panose="020B0604020202020204" pitchFamily="34" charset="0"/>
+              </a:rPr>
+              <a:t>Hooks</a:t>
+            </a:r>
+            <a:r>
+              <a:rPr lang="ru-RU" dirty="0">
+                <a:solidFill>
+                  <a:srgbClr val="5A5A5A"/>
+                </a:solidFill>
+                <a:latin typeface="Arial" panose="020B0604020202020204" pitchFamily="34" charset="0"/>
+                <a:cs typeface="Arial" panose="020B0604020202020204" pitchFamily="34" charset="0"/>
+              </a:rPr>
+              <a:t> — нововведение в </a:t>
+            </a:r>
+            <a:r>
+              <a:rPr lang="ru-RU" dirty="0" err="1">
+                <a:solidFill>
+                  <a:srgbClr val="5A5A5A"/>
+                </a:solidFill>
+                <a:latin typeface="Arial" panose="020B0604020202020204" pitchFamily="34" charset="0"/>
+                <a:cs typeface="Arial" panose="020B0604020202020204" pitchFamily="34" charset="0"/>
+              </a:rPr>
+              <a:t>React</a:t>
+            </a:r>
+            <a:r>
+              <a:rPr lang="ru-RU" dirty="0">
+                <a:solidFill>
+                  <a:srgbClr val="5A5A5A"/>
+                </a:solidFill>
+                <a:latin typeface="Arial" panose="020B0604020202020204" pitchFamily="34" charset="0"/>
+                <a:cs typeface="Arial" panose="020B0604020202020204" pitchFamily="34" charset="0"/>
+              </a:rPr>
+              <a:t> 16.8, которое позволяет использовать состояние и другие возможности </a:t>
+            </a:r>
+            <a:r>
+              <a:rPr lang="ru-RU" dirty="0" err="1">
+                <a:solidFill>
+                  <a:srgbClr val="5A5A5A"/>
+                </a:solidFill>
+                <a:latin typeface="Arial" panose="020B0604020202020204" pitchFamily="34" charset="0"/>
+                <a:cs typeface="Arial" panose="020B0604020202020204" pitchFamily="34" charset="0"/>
+              </a:rPr>
+              <a:t>React</a:t>
+            </a:r>
+            <a:r>
+              <a:rPr lang="ru-RU" dirty="0">
+                <a:solidFill>
+                  <a:srgbClr val="5A5A5A"/>
+                </a:solidFill>
+                <a:latin typeface="Arial" panose="020B0604020202020204" pitchFamily="34" charset="0"/>
+                <a:cs typeface="Arial" panose="020B0604020202020204" pitchFamily="34" charset="0"/>
+              </a:rPr>
+              <a:t> без написания классов.</a:t>
+            </a:r>
+            <a:endParaRPr lang="en-US" dirty="0">
+              <a:solidFill>
+                <a:srgbClr val="5A5A5A"/>
+              </a:solidFill>
+              <a:latin typeface="Arial" panose="020B0604020202020204" pitchFamily="34" charset="0"/>
+              <a:cs typeface="Arial" panose="020B0604020202020204" pitchFamily="34" charset="0"/>
+            </a:endParaRPr>
+          </a:p>
+        </p:txBody>
+      </p:sp>
+      <p:pic>
+        <p:nvPicPr>
+          <p:cNvPr id="4" name="Picture 2" descr="Image result for react hook meme">
+            <a:extLst>
+              <a:ext uri="{FF2B5EF4-FFF2-40B4-BE49-F238E27FC236}">
+                <a16:creationId xmlns:a16="http://schemas.microsoft.com/office/drawing/2014/main" id="{C7CBBD9A-56D4-429A-9DCE-A0A39263B778}"/>
+              </a:ext>
+            </a:extLst>
+          </p:cNvPr>
+          <p:cNvPicPr>
+            <a:picLocks noChangeAspect="1" noChangeArrowheads="1"/>
+          </p:cNvPicPr>
+          <p:nvPr/>
+        </p:nvPicPr>
+        <p:blipFill>
+          <a:blip r:embed="rId2">
+            <a:extLst>
+              <a:ext uri="{28A0092B-C50C-407E-A947-70E740481C1C}">
+                <a14:useLocalDpi xmlns:a14="http://schemas.microsoft.com/office/drawing/2010/main" val="0"/>
+              </a:ext>
+            </a:extLst>
+          </a:blip>
+          <a:srcRect/>
+          <a:stretch>
+            <a:fillRect/>
+          </a:stretch>
+        </p:blipFill>
+        <p:spPr bwMode="auto">
+          <a:xfrm>
+            <a:off x="3134727" y="2697914"/>
+            <a:ext cx="6115050" cy="3590925"/>
+          </a:xfrm>
+          <a:prstGeom prst="rect">
+            <a:avLst/>
+          </a:prstGeom>
+          <a:noFill/>
+          <a:extLst>
+            <a:ext uri="{909E8E84-426E-40DD-AFC4-6F175D3DCCD1}">
+              <a14:hiddenFill xmlns:a14="http://schemas.microsoft.com/office/drawing/2010/main">
+                <a:solidFill>
+                  <a:srgbClr val="FFFFFF"/>
+                </a:solidFill>
+              </a14:hiddenFill>
+            </a:ext>
+          </a:extLst>
+        </p:spPr>
+      </p:pic>
+    </p:spTree>
+    <p:extLst>
+      <p:ext uri="{BB962C8B-B14F-4D97-AF65-F5344CB8AC3E}">
+        <p14:creationId xmlns:p14="http://schemas.microsoft.com/office/powerpoint/2010/main" val="2849461995"/>
+      </p:ext>
+    </p:extLst>
+  </p:cSld>
+  <p:clrMapOvr>
+    <a:masterClrMapping/>
+  </p:clrMapOvr>
+  <p:timing>
+    <p:tnLst>
+      <p:par>
+        <p:cTn id="1" dur="indefinite" restart="never" nodeType="tmRoot"/>
+      </p:par>
+    </p:tnLst>
+  </p:timing>
+</p:sld>
+</file>
+
+<file path=ppt/slides/slide4.xml><?xml version="1.0" encoding="utf-8"?>
+<p:sld xmlns:a="http://schemas.openxmlformats.org/drawingml/2006/main" xmlns:r="http://schemas.openxmlformats.org/officeDocument/2006/relationships" xmlns:p="http://schemas.openxmlformats.org/presentationml/2006/main">
+  <p:cSld>
+    <p:spTree>
+      <p:nvGrpSpPr>
+        <p:cNvPr id="1" name=""/>
+        <p:cNvGrpSpPr/>
+        <p:nvPr/>
+      </p:nvGrpSpPr>
+      <p:grpSpPr>
+        <a:xfrm>
+          <a:off x="0" y="0"/>
+          <a:ext cx="0" cy="0"/>
+          <a:chOff x="0" y="0"/>
+          <a:chExt cx="0" cy="0"/>
+        </a:xfrm>
+      </p:grpSpPr>
+      <p:sp>
+        <p:nvSpPr>
+          <p:cNvPr id="2" name="Title 1">
+            <a:extLst>
+              <a:ext uri="{FF2B5EF4-FFF2-40B4-BE49-F238E27FC236}">
                 <a16:creationId xmlns:a16="http://schemas.microsoft.com/office/drawing/2014/main" id="{70E98559-13A5-41B9-BB10-15AE3F7B745C}"/>
               </a:ext>
             </a:extLst>
@@ -7090,10 +7891,126 @@
   <p:clrMapOvr>
     <a:masterClrMapping/>
   </p:clrMapOvr>
+  <p:timing>
+    <p:tnLst>
+      <p:par>
+        <p:cTn id="1" dur="indefinite" restart="never" nodeType="tmRoot"/>
+      </p:par>
+    </p:tnLst>
+  </p:timing>
 </p:sld>
 </file>
 
-<file path=ppt/slides/slide4.xml><?xml version="1.0" encoding="utf-8"?>
+<file path=ppt/slides/slide5.xml><?xml version="1.0" encoding="utf-8"?>
+<p:sld xmlns:a="http://schemas.openxmlformats.org/drawingml/2006/main" xmlns:r="http://schemas.openxmlformats.org/officeDocument/2006/relationships" xmlns:p="http://schemas.openxmlformats.org/presentationml/2006/main">
+  <p:cSld>
+    <p:spTree>
+      <p:nvGrpSpPr>
+        <p:cNvPr id="1" name=""/>
+        <p:cNvGrpSpPr/>
+        <p:nvPr/>
+      </p:nvGrpSpPr>
+      <p:grpSpPr>
+        <a:xfrm>
+          <a:off x="0" y="0"/>
+          <a:ext cx="0" cy="0"/>
+          <a:chOff x="0" y="0"/>
+          <a:chExt cx="0" cy="0"/>
+        </a:xfrm>
+      </p:grpSpPr>
+      <p:sp>
+        <p:nvSpPr>
+          <p:cNvPr id="2" name="Title 1"/>
+          <p:cNvSpPr>
+            <a:spLocks noGrp="1"/>
+          </p:cNvSpPr>
+          <p:nvPr>
+            <p:ph type="title"/>
+          </p:nvPr>
+        </p:nvSpPr>
+        <p:spPr/>
+        <p:txBody>
+          <a:bodyPr/>
+          <a:lstStyle/>
+          <a:p>
+            <a:endParaRPr lang="en-US"/>
+          </a:p>
+        </p:txBody>
+      </p:sp>
+      <p:sp>
+        <p:nvSpPr>
+          <p:cNvPr id="3" name="Content Placeholder 2"/>
+          <p:cNvSpPr>
+            <a:spLocks noGrp="1"/>
+          </p:cNvSpPr>
+          <p:nvPr>
+            <p:ph idx="1"/>
+          </p:nvPr>
+        </p:nvSpPr>
+        <p:spPr/>
+        <p:txBody>
+          <a:bodyPr/>
+          <a:lstStyle/>
+          <a:p>
+            <a:endParaRPr lang="en-US"/>
+          </a:p>
+        </p:txBody>
+      </p:sp>
+      <p:pic>
+        <p:nvPicPr>
+          <p:cNvPr id="3074" name="Picture 2" descr="Image result for react hooks class vs hooks meme"/>
+          <p:cNvPicPr>
+            <a:picLocks noChangeAspect="1" noChangeArrowheads="1"/>
+          </p:cNvPicPr>
+          <p:nvPr/>
+        </p:nvPicPr>
+        <p:blipFill>
+          <a:blip r:embed="rId2">
+            <a:extLst>
+              <a:ext uri="{28A0092B-C50C-407E-A947-70E740481C1C}">
+                <a14:useLocalDpi xmlns:a14="http://schemas.microsoft.com/office/drawing/2010/main" val="0"/>
+              </a:ext>
+            </a:extLst>
+          </a:blip>
+          <a:srcRect/>
+          <a:stretch>
+            <a:fillRect/>
+          </a:stretch>
+        </p:blipFill>
+        <p:spPr bwMode="auto">
+          <a:xfrm>
+            <a:off x="2225444" y="1442259"/>
+            <a:ext cx="7620000" cy="4286250"/>
+          </a:xfrm>
+          <a:prstGeom prst="rect">
+            <a:avLst/>
+          </a:prstGeom>
+          <a:noFill/>
+          <a:extLst>
+            <a:ext uri="{909E8E84-426E-40DD-AFC4-6F175D3DCCD1}">
+              <a14:hiddenFill xmlns:a14="http://schemas.microsoft.com/office/drawing/2010/main">
+                <a:solidFill>
+                  <a:srgbClr val="FFFFFF"/>
+                </a:solidFill>
+              </a14:hiddenFill>
+            </a:ext>
+          </a:extLst>
+        </p:spPr>
+      </p:pic>
+    </p:spTree>
+    <p:extLst>
+      <p:ext uri="{BB962C8B-B14F-4D97-AF65-F5344CB8AC3E}">
+        <p14:creationId xmlns:p14="http://schemas.microsoft.com/office/powerpoint/2010/main" val="1341166543"/>
+      </p:ext>
+    </p:extLst>
+  </p:cSld>
+  <p:clrMapOvr>
+    <a:masterClrMapping/>
+  </p:clrMapOvr>
+</p:sld>
+</file>
+
+<file path=ppt/slides/slide6.xml><?xml version="1.0" encoding="utf-8"?>
 <p:sld xmlns:a="http://schemas.openxmlformats.org/drawingml/2006/main" xmlns:r="http://schemas.openxmlformats.org/officeDocument/2006/relationships" xmlns:p="http://schemas.openxmlformats.org/presentationml/2006/main">
   <p:cSld>
     <p:spTree>
@@ -7227,10 +8144,17 @@
   <p:clrMapOvr>
     <a:masterClrMapping/>
   </p:clrMapOvr>
+  <p:timing>
+    <p:tnLst>
+      <p:par>
+        <p:cTn id="1" dur="indefinite" restart="never" nodeType="tmRoot"/>
+      </p:par>
+    </p:tnLst>
+  </p:timing>
 </p:sld>
 </file>
 
-<file path=ppt/slides/slide5.xml><?xml version="1.0" encoding="utf-8"?>
+<file path=ppt/slides/slide7.xml><?xml version="1.0" encoding="utf-8"?>
 <p:sld xmlns:a="http://schemas.openxmlformats.org/drawingml/2006/main" xmlns:r="http://schemas.openxmlformats.org/officeDocument/2006/relationships" xmlns:p="http://schemas.openxmlformats.org/presentationml/2006/main">
   <p:cSld>
     <p:spTree>
@@ -7452,10 +8376,17 @@
   <p:clrMapOvr>
     <a:masterClrMapping/>
   </p:clrMapOvr>
+  <p:timing>
+    <p:tnLst>
+      <p:par>
+        <p:cTn id="1" dur="indefinite" restart="never" nodeType="tmRoot"/>
+      </p:par>
+    </p:tnLst>
+  </p:timing>
 </p:sld>
 </file>
 
-<file path=ppt/slides/slide6.xml><?xml version="1.0" encoding="utf-8"?>
+<file path=ppt/slides/slide8.xml><?xml version="1.0" encoding="utf-8"?>
 <p:sld xmlns:a="http://schemas.openxmlformats.org/drawingml/2006/main" xmlns:r="http://schemas.openxmlformats.org/officeDocument/2006/relationships" xmlns:p="http://schemas.openxmlformats.org/presentationml/2006/main">
   <p:cSld>
     <p:spTree>
@@ -7579,10 +8510,17 @@
   <p:clrMapOvr>
     <a:masterClrMapping/>
   </p:clrMapOvr>
+  <p:timing>
+    <p:tnLst>
+      <p:par>
+        <p:cTn id="1" dur="indefinite" restart="never" nodeType="tmRoot"/>
+      </p:par>
+    </p:tnLst>
+  </p:timing>
 </p:sld>
 </file>
 
-<file path=ppt/slides/slide7.xml><?xml version="1.0" encoding="utf-8"?>
+<file path=ppt/slides/slide9.xml><?xml version="1.0" encoding="utf-8"?>
 <p:sld xmlns:a="http://schemas.openxmlformats.org/drawingml/2006/main" xmlns:r="http://schemas.openxmlformats.org/officeDocument/2006/relationships" xmlns:p="http://schemas.openxmlformats.org/presentationml/2006/main">
   <p:cSld>
     <p:spTree>
@@ -7704,258 +8642,13 @@
   <p:clrMapOvr>
     <a:masterClrMapping/>
   </p:clrMapOvr>
-</p:sld>
-</file>
-
-<file path=ppt/slides/slide8.xml><?xml version="1.0" encoding="utf-8"?>
-<p:sld xmlns:a="http://schemas.openxmlformats.org/drawingml/2006/main" xmlns:r="http://schemas.openxmlformats.org/officeDocument/2006/relationships" xmlns:p="http://schemas.openxmlformats.org/presentationml/2006/main">
-  <p:cSld>
-    <p:spTree>
-      <p:nvGrpSpPr>
-        <p:cNvPr id="1" name=""/>
-        <p:cNvGrpSpPr/>
-        <p:nvPr/>
-      </p:nvGrpSpPr>
-      <p:grpSpPr>
-        <a:xfrm>
-          <a:off x="0" y="0"/>
-          <a:ext cx="0" cy="0"/>
-          <a:chOff x="0" y="0"/>
-          <a:chExt cx="0" cy="0"/>
-        </a:xfrm>
-      </p:grpSpPr>
-      <p:sp>
-        <p:nvSpPr>
-          <p:cNvPr id="2" name="Title 1">
-            <a:extLst>
-              <a:ext uri="{FF2B5EF4-FFF2-40B4-BE49-F238E27FC236}">
-                <a16:creationId xmlns:a16="http://schemas.microsoft.com/office/drawing/2014/main" id="{87C8B398-1A12-4B3E-84FE-90A9E638B1C1}"/>
-              </a:ext>
-            </a:extLst>
-          </p:cNvPr>
-          <p:cNvSpPr>
-            <a:spLocks noGrp="1"/>
-          </p:cNvSpPr>
-          <p:nvPr>
-            <p:ph type="title"/>
-          </p:nvPr>
-        </p:nvSpPr>
-        <p:spPr/>
-        <p:txBody>
-          <a:bodyPr/>
-          <a:lstStyle/>
-          <a:p>
-            <a:endParaRPr lang="en-US"/>
-          </a:p>
-        </p:txBody>
-      </p:sp>
-      <p:sp>
-        <p:nvSpPr>
-          <p:cNvPr id="3" name="Content Placeholder 2">
-            <a:extLst>
-              <a:ext uri="{FF2B5EF4-FFF2-40B4-BE49-F238E27FC236}">
-                <a16:creationId xmlns:a16="http://schemas.microsoft.com/office/drawing/2014/main" id="{C0D707B8-26D2-417A-94B7-8230EFDE5014}"/>
-              </a:ext>
-            </a:extLst>
-          </p:cNvPr>
-          <p:cNvSpPr>
-            <a:spLocks noGrp="1"/>
-          </p:cNvSpPr>
-          <p:nvPr>
-            <p:ph idx="1"/>
-          </p:nvPr>
-        </p:nvSpPr>
-        <p:spPr/>
-        <p:txBody>
-          <a:bodyPr/>
-          <a:lstStyle/>
-          <a:p>
-            <a:endParaRPr lang="en-US"/>
-          </a:p>
-        </p:txBody>
-      </p:sp>
-      <p:pic>
-        <p:nvPicPr>
-          <p:cNvPr id="4" name="Picture 4">
-            <a:extLst>
-              <a:ext uri="{FF2B5EF4-FFF2-40B4-BE49-F238E27FC236}">
-                <a16:creationId xmlns:a16="http://schemas.microsoft.com/office/drawing/2014/main" id="{AA1409C3-2FB7-45A8-8AFE-54DBB4C6731B}"/>
-              </a:ext>
-            </a:extLst>
-          </p:cNvPr>
-          <p:cNvPicPr>
-            <a:picLocks noChangeAspect="1" noChangeArrowheads="1"/>
-          </p:cNvPicPr>
-          <p:nvPr/>
-        </p:nvPicPr>
-        <p:blipFill rotWithShape="1">
-          <a:blip r:embed="rId2">
-            <a:extLst>
-              <a:ext uri="{28A0092B-C50C-407E-A947-70E740481C1C}">
-                <a14:useLocalDpi xmlns:a14="http://schemas.microsoft.com/office/drawing/2010/main" val="0"/>
-              </a:ext>
-            </a:extLst>
-          </a:blip>
-          <a:srcRect t="27796"/>
-          <a:stretch/>
-        </p:blipFill>
-        <p:spPr bwMode="auto">
-          <a:xfrm>
-            <a:off x="1017169" y="2109536"/>
-            <a:ext cx="10443211" cy="3141871"/>
-          </a:xfrm>
-          <a:prstGeom prst="rect">
-            <a:avLst/>
-          </a:prstGeom>
-          <a:noFill/>
-          <a:extLst>
-            <a:ext uri="{909E8E84-426E-40DD-AFC4-6F175D3DCCD1}">
-              <a14:hiddenFill xmlns:a14="http://schemas.microsoft.com/office/drawing/2010/main">
-                <a:solidFill>
-                  <a:srgbClr val="FFFFFF"/>
-                </a:solidFill>
-              </a14:hiddenFill>
-            </a:ext>
-          </a:extLst>
-        </p:spPr>
-      </p:pic>
-    </p:spTree>
-    <p:extLst>
-      <p:ext uri="{BB962C8B-B14F-4D97-AF65-F5344CB8AC3E}">
-        <p14:creationId xmlns:p14="http://schemas.microsoft.com/office/powerpoint/2010/main" val="806707828"/>
-      </p:ext>
-    </p:extLst>
-  </p:cSld>
-  <p:clrMapOvr>
-    <a:masterClrMapping/>
-  </p:clrMapOvr>
-</p:sld>
-</file>
-
-<file path=ppt/slides/slide9.xml><?xml version="1.0" encoding="utf-8"?>
-<p:sld xmlns:a="http://schemas.openxmlformats.org/drawingml/2006/main" xmlns:r="http://schemas.openxmlformats.org/officeDocument/2006/relationships" xmlns:p="http://schemas.openxmlformats.org/presentationml/2006/main">
-  <p:cSld>
-    <p:spTree>
-      <p:nvGrpSpPr>
-        <p:cNvPr id="1" name=""/>
-        <p:cNvGrpSpPr/>
-        <p:nvPr/>
-      </p:nvGrpSpPr>
-      <p:grpSpPr>
-        <a:xfrm>
-          <a:off x="0" y="0"/>
-          <a:ext cx="0" cy="0"/>
-          <a:chOff x="0" y="0"/>
-          <a:chExt cx="0" cy="0"/>
-        </a:xfrm>
-      </p:grpSpPr>
-      <p:sp>
-        <p:nvSpPr>
-          <p:cNvPr id="2" name="Title 1">
-            <a:extLst>
-              <a:ext uri="{FF2B5EF4-FFF2-40B4-BE49-F238E27FC236}">
-                <a16:creationId xmlns:a16="http://schemas.microsoft.com/office/drawing/2014/main" id="{CD74464C-79FA-439B-B4BA-A5A57CE5F834}"/>
-              </a:ext>
-            </a:extLst>
-          </p:cNvPr>
-          <p:cNvSpPr>
-            <a:spLocks noGrp="1"/>
-          </p:cNvSpPr>
-          <p:nvPr>
-            <p:ph type="title"/>
-          </p:nvPr>
-        </p:nvSpPr>
-        <p:spPr/>
-        <p:txBody>
-          <a:bodyPr/>
-          <a:lstStyle/>
-          <a:p>
-            <a:endParaRPr lang="en-US"/>
-          </a:p>
-        </p:txBody>
-      </p:sp>
-      <p:sp>
-        <p:nvSpPr>
-          <p:cNvPr id="3" name="Content Placeholder 2">
-            <a:extLst>
-              <a:ext uri="{FF2B5EF4-FFF2-40B4-BE49-F238E27FC236}">
-                <a16:creationId xmlns:a16="http://schemas.microsoft.com/office/drawing/2014/main" id="{C6B15ED1-47C4-4E6B-ABFE-1E0612984BA9}"/>
-              </a:ext>
-            </a:extLst>
-          </p:cNvPr>
-          <p:cNvSpPr>
-            <a:spLocks noGrp="1"/>
-          </p:cNvSpPr>
-          <p:nvPr>
-            <p:ph idx="1"/>
-          </p:nvPr>
-        </p:nvSpPr>
-        <p:spPr/>
-        <p:txBody>
-          <a:bodyPr/>
-          <a:lstStyle/>
-          <a:p>
-            <a:endParaRPr lang="en-US"/>
-          </a:p>
-        </p:txBody>
-      </p:sp>
-      <p:pic>
-        <p:nvPicPr>
-          <p:cNvPr id="5122" name="Picture 2">
-            <a:extLst>
-              <a:ext uri="{FF2B5EF4-FFF2-40B4-BE49-F238E27FC236}">
-                <a16:creationId xmlns:a16="http://schemas.microsoft.com/office/drawing/2014/main" id="{281E6F76-04AF-4D73-B65A-DD790C8F3EF6}"/>
-              </a:ext>
-            </a:extLst>
-          </p:cNvPr>
-          <p:cNvPicPr>
-            <a:picLocks noChangeAspect="1" noChangeArrowheads="1"/>
-          </p:cNvPicPr>
-          <p:nvPr/>
-        </p:nvPicPr>
-        <p:blipFill>
-          <a:blip r:embed="rId2">
-            <a:extLst>
-              <a:ext uri="{28A0092B-C50C-407E-A947-70E740481C1C}">
-                <a14:useLocalDpi xmlns:a14="http://schemas.microsoft.com/office/drawing/2010/main" val="0"/>
-              </a:ext>
-            </a:extLst>
-          </a:blip>
-          <a:srcRect/>
-          <a:stretch>
-            <a:fillRect/>
-          </a:stretch>
-        </p:blipFill>
-        <p:spPr bwMode="auto">
-          <a:xfrm>
-            <a:off x="665747" y="365125"/>
-            <a:ext cx="10218821" cy="4700923"/>
-          </a:xfrm>
-          <a:prstGeom prst="rect">
-            <a:avLst/>
-          </a:prstGeom>
-          <a:noFill/>
-          <a:extLst>
-            <a:ext uri="{909E8E84-426E-40DD-AFC4-6F175D3DCCD1}">
-              <a14:hiddenFill xmlns:a14="http://schemas.microsoft.com/office/drawing/2010/main">
-                <a:solidFill>
-                  <a:srgbClr val="FFFFFF"/>
-                </a:solidFill>
-              </a14:hiddenFill>
-            </a:ext>
-          </a:extLst>
-        </p:spPr>
-      </p:pic>
-    </p:spTree>
-    <p:extLst>
-      <p:ext uri="{BB962C8B-B14F-4D97-AF65-F5344CB8AC3E}">
-        <p14:creationId xmlns:p14="http://schemas.microsoft.com/office/powerpoint/2010/main" val="1619380711"/>
-      </p:ext>
-    </p:extLst>
-  </p:cSld>
-  <p:clrMapOvr>
-    <a:masterClrMapping/>
-  </p:clrMapOvr>
+  <p:timing>
+    <p:tnLst>
+      <p:par>
+        <p:cTn id="1" dur="indefinite" restart="never" nodeType="tmRoot"/>
+      </p:par>
+    </p:tnLst>
+  </p:timing>
 </p:sld>
 </file>
 
@@ -8255,18 +8948,18 @@
 </file>
 
 <file path=customXml/item1.xml><?xml version="1.0" encoding="utf-8"?>
-<p:properties xmlns:p="http://schemas.microsoft.com/office/2006/metadata/properties" xmlns:xsi="http://www.w3.org/2001/XMLSchema-instance" xmlns:pc="http://schemas.microsoft.com/office/infopath/2007/PartnerControls">
-  <documentManagement/>
-</p:properties>
-</file>
-
-<file path=customXml/item2.xml><?xml version="1.0" encoding="utf-8"?>
 <?mso-contentType ?>
 <FormTemplates xmlns="http://schemas.microsoft.com/sharepoint/v3/contenttype/forms">
   <Display>DocumentLibraryForm</Display>
   <Edit>DocumentLibraryForm</Edit>
   <New>DocumentLibraryForm</New>
 </FormTemplates>
+</file>
+
+<file path=customXml/item2.xml><?xml version="1.0" encoding="utf-8"?>
+<p:properties xmlns:p="http://schemas.microsoft.com/office/2006/metadata/properties" xmlns:xsi="http://www.w3.org/2001/XMLSchema-instance" xmlns:pc="http://schemas.microsoft.com/office/infopath/2007/PartnerControls">
+  <documentManagement/>
+</p:properties>
 </file>
 
 <file path=customXml/item3.xml><?xml version="1.0" encoding="utf-8"?>
@@ -8479,6 +9172,14 @@
 </file>
 
 <file path=customXml/itemProps1.xml><?xml version="1.0" encoding="utf-8"?>
+<ds:datastoreItem xmlns:ds="http://schemas.openxmlformats.org/officeDocument/2006/customXml" ds:itemID="{BE1E3851-0FEA-4D7D-B543-8D5F66D03BCE}">
+  <ds:schemaRefs>
+    <ds:schemaRef ds:uri="http://schemas.microsoft.com/sharepoint/v3/contenttype/forms"/>
+  </ds:schemaRefs>
+</ds:datastoreItem>
+</file>
+
+<file path=customXml/itemProps2.xml><?xml version="1.0" encoding="utf-8"?>
 <ds:datastoreItem xmlns:ds="http://schemas.openxmlformats.org/officeDocument/2006/customXml" ds:itemID="{81800929-FD15-4FCE-B863-7CC612F65BDB}">
   <ds:schemaRefs>
     <ds:schemaRef ds:uri="http://purl.org/dc/dcmitype/"/>
@@ -8491,14 +9192,6 @@
     <ds:schemaRef ds:uri="http://schemas.openxmlformats.org/package/2006/metadata/core-properties"/>
     <ds:schemaRef ds:uri="f2002a93-7bda-4cbc-8612-fb29e2446453"/>
     <ds:schemaRef ds:uri="http://www.w3.org/XML/1998/namespace"/>
-  </ds:schemaRefs>
-</ds:datastoreItem>
-</file>
-
-<file path=customXml/itemProps2.xml><?xml version="1.0" encoding="utf-8"?>
-<ds:datastoreItem xmlns:ds="http://schemas.openxmlformats.org/officeDocument/2006/customXml" ds:itemID="{BE1E3851-0FEA-4D7D-B543-8D5F66D03BCE}">
-  <ds:schemaRefs>
-    <ds:schemaRef ds:uri="http://schemas.microsoft.com/sharepoint/v3/contenttype/forms"/>
   </ds:schemaRefs>
 </ds:datastoreItem>
 </file>

--- a/React - Redux with Hooks.pptx
+++ b/React - Redux with Hooks.pptx
@@ -683,7 +683,7 @@
           <a:p>
             <a:fld id="{7CF9FAEB-4AD6-4364-B8B1-C87D190B56A4}" type="datetimeFigureOut">
               <a:rPr lang="en-US" smtClean="0"/>
-              <a:t>2/2/2020</a:t>
+              <a:t>2/3/2020</a:t>
             </a:fld>
             <a:endParaRPr lang="en-US"/>
           </a:p>
@@ -881,7 +881,7 @@
           <a:p>
             <a:fld id="{7CF9FAEB-4AD6-4364-B8B1-C87D190B56A4}" type="datetimeFigureOut">
               <a:rPr lang="en-US" smtClean="0"/>
-              <a:t>2/2/2020</a:t>
+              <a:t>2/3/2020</a:t>
             </a:fld>
             <a:endParaRPr lang="en-US"/>
           </a:p>
@@ -1089,7 +1089,7 @@
           <a:p>
             <a:fld id="{7CF9FAEB-4AD6-4364-B8B1-C87D190B56A4}" type="datetimeFigureOut">
               <a:rPr lang="en-US" smtClean="0"/>
-              <a:t>2/2/2020</a:t>
+              <a:t>2/3/2020</a:t>
             </a:fld>
             <a:endParaRPr lang="en-US"/>
           </a:p>
@@ -1287,7 +1287,7 @@
           <a:p>
             <a:fld id="{7CF9FAEB-4AD6-4364-B8B1-C87D190B56A4}" type="datetimeFigureOut">
               <a:rPr lang="en-US" smtClean="0"/>
-              <a:t>2/2/2020</a:t>
+              <a:t>2/3/2020</a:t>
             </a:fld>
             <a:endParaRPr lang="en-US"/>
           </a:p>
@@ -1562,7 +1562,7 @@
           <a:p>
             <a:fld id="{7CF9FAEB-4AD6-4364-B8B1-C87D190B56A4}" type="datetimeFigureOut">
               <a:rPr lang="en-US" smtClean="0"/>
-              <a:t>2/2/2020</a:t>
+              <a:t>2/3/2020</a:t>
             </a:fld>
             <a:endParaRPr lang="en-US"/>
           </a:p>
@@ -1827,7 +1827,7 @@
           <a:p>
             <a:fld id="{7CF9FAEB-4AD6-4364-B8B1-C87D190B56A4}" type="datetimeFigureOut">
               <a:rPr lang="en-US" smtClean="0"/>
-              <a:t>2/2/2020</a:t>
+              <a:t>2/3/2020</a:t>
             </a:fld>
             <a:endParaRPr lang="en-US"/>
           </a:p>
@@ -2239,7 +2239,7 @@
           <a:p>
             <a:fld id="{7CF9FAEB-4AD6-4364-B8B1-C87D190B56A4}" type="datetimeFigureOut">
               <a:rPr lang="en-US" smtClean="0"/>
-              <a:t>2/2/2020</a:t>
+              <a:t>2/3/2020</a:t>
             </a:fld>
             <a:endParaRPr lang="en-US"/>
           </a:p>
@@ -2380,7 +2380,7 @@
           <a:p>
             <a:fld id="{7CF9FAEB-4AD6-4364-B8B1-C87D190B56A4}" type="datetimeFigureOut">
               <a:rPr lang="en-US" smtClean="0"/>
-              <a:t>2/2/2020</a:t>
+              <a:t>2/3/2020</a:t>
             </a:fld>
             <a:endParaRPr lang="en-US"/>
           </a:p>
@@ -2493,7 +2493,7 @@
           <a:p>
             <a:fld id="{7CF9FAEB-4AD6-4364-B8B1-C87D190B56A4}" type="datetimeFigureOut">
               <a:rPr lang="en-US" smtClean="0"/>
-              <a:t>2/2/2020</a:t>
+              <a:t>2/3/2020</a:t>
             </a:fld>
             <a:endParaRPr lang="en-US"/>
           </a:p>
@@ -2804,7 +2804,7 @@
           <a:p>
             <a:fld id="{7CF9FAEB-4AD6-4364-B8B1-C87D190B56A4}" type="datetimeFigureOut">
               <a:rPr lang="en-US" smtClean="0"/>
-              <a:t>2/2/2020</a:t>
+              <a:t>2/3/2020</a:t>
             </a:fld>
             <a:endParaRPr lang="en-US"/>
           </a:p>
@@ -3092,7 +3092,7 @@
           <a:p>
             <a:fld id="{7CF9FAEB-4AD6-4364-B8B1-C87D190B56A4}" type="datetimeFigureOut">
               <a:rPr lang="en-US" smtClean="0"/>
-              <a:t>2/2/2020</a:t>
+              <a:t>2/3/2020</a:t>
             </a:fld>
             <a:endParaRPr lang="en-US"/>
           </a:p>
@@ -3333,7 +3333,7 @@
           <a:p>
             <a:fld id="{7CF9FAEB-4AD6-4364-B8B1-C87D190B56A4}" type="datetimeFigureOut">
               <a:rPr lang="en-US" smtClean="0"/>
-              <a:t>2/2/2020</a:t>
+              <a:t>2/3/2020</a:t>
             </a:fld>
             <a:endParaRPr lang="en-US"/>
           </a:p>
@@ -3780,7 +3780,7 @@
           <a:p>
             <a:pPr algn="ctr"/>
             <a:r>
-              <a:rPr lang="en-US" dirty="0">
+              <a:rPr lang="en-US" b="1" dirty="0">
                 <a:solidFill>
                   <a:srgbClr val="5A5A5A"/>
                 </a:solidFill>
@@ -3896,13 +3896,6 @@
   <p:clrMapOvr>
     <a:masterClrMapping/>
   </p:clrMapOvr>
-  <p:timing>
-    <p:tnLst>
-      <p:par>
-        <p:cTn id="1" dur="indefinite" restart="never" nodeType="tmRoot"/>
-      </p:par>
-    </p:tnLst>
-  </p:timing>
 </p:sld>
 </file>
 
@@ -4028,13 +4021,6 @@
   <p:clrMapOvr>
     <a:masterClrMapping/>
   </p:clrMapOvr>
-  <p:timing>
-    <p:tnLst>
-      <p:par>
-        <p:cTn id="1" dur="indefinite" restart="never" nodeType="tmRoot"/>
-      </p:par>
-    </p:tnLst>
-  </p:timing>
 </p:sld>
 </file>
 
@@ -4076,7 +4062,11 @@
           <a:bodyPr/>
           <a:lstStyle/>
           <a:p>
-            <a:endParaRPr lang="en-US"/>
+            <a:r>
+              <a:rPr lang="en-US" dirty="0" err="1"/>
+              <a:t>React.memo</a:t>
+            </a:r>
+            <a:endParaRPr lang="en-US" dirty="0"/>
           </a:p>
         </p:txBody>
       </p:sp>
@@ -4119,7 +4109,7 @@
           </p:cNvPicPr>
           <p:nvPr/>
         </p:nvPicPr>
-        <p:blipFill>
+        <p:blipFill rotWithShape="1">
           <a:blip r:embed="rId2">
             <a:extLst>
               <a:ext uri="{28A0092B-C50C-407E-A947-70E740481C1C}">
@@ -4127,15 +4117,13 @@
               </a:ext>
             </a:extLst>
           </a:blip>
-          <a:srcRect/>
-          <a:stretch>
-            <a:fillRect/>
-          </a:stretch>
+          <a:srcRect t="23105"/>
+          <a:stretch/>
         </p:blipFill>
         <p:spPr bwMode="auto">
           <a:xfrm>
-            <a:off x="665747" y="365125"/>
-            <a:ext cx="10218821" cy="4700923"/>
+            <a:off x="749637" y="1690688"/>
+            <a:ext cx="10218821" cy="3614752"/>
           </a:xfrm>
           <a:prstGeom prst="rect">
             <a:avLst/>
@@ -4162,13 +4150,6 @@
   <p:clrMapOvr>
     <a:masterClrMapping/>
   </p:clrMapOvr>
-  <p:timing>
-    <p:tnLst>
-      <p:par>
-        <p:cTn id="1" dur="indefinite" restart="never" nodeType="tmRoot"/>
-      </p:par>
-    </p:tnLst>
-  </p:timing>
 </p:sld>
 </file>
 
@@ -4210,7 +4191,19 @@
           <a:bodyPr/>
           <a:lstStyle/>
           <a:p>
-            <a:endParaRPr lang="en-US"/>
+            <a:r>
+              <a:rPr lang="en-US" b="1" dirty="0" err="1"/>
+              <a:t>useMemo</a:t>
+            </a:r>
+            <a:r>
+              <a:rPr lang="en-US" b="1" dirty="0"/>
+              <a:t> </a:t>
+            </a:r>
+            <a:r>
+              <a:rPr lang="en-US" b="1" dirty="0" err="1"/>
+              <a:t>useCallback</a:t>
+            </a:r>
+            <a:endParaRPr lang="en-US" b="1" dirty="0"/>
           </a:p>
         </p:txBody>
       </p:sp>
@@ -4235,7 +4228,7 @@
           <a:bodyPr/>
           <a:lstStyle/>
           <a:p>
-            <a:endParaRPr lang="en-US"/>
+            <a:endParaRPr lang="en-US" dirty="0"/>
           </a:p>
         </p:txBody>
       </p:sp>
@@ -4253,7 +4246,7 @@
           </p:cNvPicPr>
           <p:nvPr/>
         </p:nvPicPr>
-        <p:blipFill>
+        <p:blipFill rotWithShape="1">
           <a:blip r:embed="rId2">
             <a:extLst>
               <a:ext uri="{28A0092B-C50C-407E-A947-70E740481C1C}">
@@ -4261,15 +4254,13 @@
               </a:ext>
             </a:extLst>
           </a:blip>
-          <a:srcRect/>
-          <a:stretch>
-            <a:fillRect/>
-          </a:stretch>
+          <a:srcRect t="45960"/>
+          <a:stretch/>
         </p:blipFill>
         <p:spPr bwMode="auto">
           <a:xfrm>
-            <a:off x="0" y="-26194"/>
-            <a:ext cx="12192000" cy="3433763"/>
+            <a:off x="0" y="1551963"/>
+            <a:ext cx="12192000" cy="1855606"/>
           </a:xfrm>
           <a:prstGeom prst="rect">
             <a:avLst/>
@@ -4300,7 +4291,7 @@
           </p:cNvPicPr>
           <p:nvPr/>
         </p:nvPicPr>
-        <p:blipFill>
+        <p:blipFill rotWithShape="1">
           <a:blip r:embed="rId3">
             <a:extLst>
               <a:ext uri="{28A0092B-C50C-407E-A947-70E740481C1C}">
@@ -4308,15 +4299,13 @@
               </a:ext>
             </a:extLst>
           </a:blip>
-          <a:srcRect/>
-          <a:stretch>
-            <a:fillRect/>
-          </a:stretch>
+          <a:srcRect t="28411"/>
+          <a:stretch/>
         </p:blipFill>
         <p:spPr bwMode="auto">
           <a:xfrm>
-            <a:off x="266700" y="2747223"/>
-            <a:ext cx="9413206" cy="4090087"/>
+            <a:off x="207976" y="3070370"/>
+            <a:ext cx="11408029" cy="3548543"/>
           </a:xfrm>
           <a:prstGeom prst="rect">
             <a:avLst/>
@@ -4343,13 +4332,6 @@
   <p:clrMapOvr>
     <a:masterClrMapping/>
   </p:clrMapOvr>
-  <p:timing>
-    <p:tnLst>
-      <p:par>
-        <p:cTn id="1" dur="indefinite" restart="never" nodeType="tmRoot"/>
-      </p:par>
-    </p:tnLst>
-  </p:timing>
 </p:sld>
 </file>
 
@@ -4526,13 +4508,6 @@
   <p:clrMapOvr>
     <a:masterClrMapping/>
   </p:clrMapOvr>
-  <p:timing>
-    <p:tnLst>
-      <p:par>
-        <p:cTn id="1" dur="indefinite" restart="never" nodeType="tmRoot"/>
-      </p:par>
-    </p:tnLst>
-  </p:timing>
 </p:sld>
 </file>
 
@@ -4575,7 +4550,7 @@
           <a:lstStyle/>
           <a:p>
             <a:r>
-              <a:rPr lang="en-US" dirty="0"/>
+              <a:rPr lang="en-US" b="1" dirty="0"/>
               <a:t>Redux</a:t>
             </a:r>
           </a:p>
@@ -4681,13 +4656,6 @@
   <p:clrMapOvr>
     <a:masterClrMapping/>
   </p:clrMapOvr>
-  <p:timing>
-    <p:tnLst>
-      <p:par>
-        <p:cTn id="1" dur="indefinite" restart="never" nodeType="tmRoot"/>
-      </p:par>
-    </p:tnLst>
-  </p:timing>
 </p:sld>
 </file>
 
@@ -4790,13 +4758,6 @@
   <p:clrMapOvr>
     <a:masterClrMapping/>
   </p:clrMapOvr>
-  <p:timing>
-    <p:tnLst>
-      <p:par>
-        <p:cTn id="1" dur="indefinite" restart="never" nodeType="tmRoot"/>
-      </p:par>
-    </p:tnLst>
-  </p:timing>
 </p:sld>
 </file>
 
@@ -4839,11 +4800,11 @@
           <a:lstStyle/>
           <a:p>
             <a:r>
-              <a:rPr lang="ru-RU" dirty="0"/>
+              <a:rPr lang="ru-RU" b="1" dirty="0"/>
               <a:t>3 принципа </a:t>
             </a:r>
             <a:r>
-              <a:rPr lang="en-US" dirty="0"/>
+              <a:rPr lang="en-US" b="1" dirty="0"/>
               <a:t>Redux</a:t>
             </a:r>
           </a:p>
@@ -4916,13 +4877,6 @@
   <p:clrMapOvr>
     <a:masterClrMapping/>
   </p:clrMapOvr>
-  <p:timing>
-    <p:tnLst>
-      <p:par>
-        <p:cTn id="1" dur="indefinite" restart="never" nodeType="tmRoot"/>
-      </p:par>
-    </p:tnLst>
-  </p:timing>
 </p:sld>
 </file>
 
@@ -4965,11 +4919,11 @@
           <a:lstStyle/>
           <a:p>
             <a:r>
-              <a:rPr lang="ru-RU" dirty="0"/>
+              <a:rPr lang="ru-RU" b="1" dirty="0"/>
               <a:t>3 основные части </a:t>
             </a:r>
             <a:r>
-              <a:rPr lang="en-US" dirty="0"/>
+              <a:rPr lang="en-US" b="1" dirty="0"/>
               <a:t>Redux:</a:t>
             </a:r>
           </a:p>
@@ -5115,13 +5069,6 @@
   <p:clrMapOvr>
     <a:masterClrMapping/>
   </p:clrMapOvr>
-  <p:timing>
-    <p:tnLst>
-      <p:par>
-        <p:cTn id="1" dur="indefinite" restart="never" nodeType="tmRoot"/>
-      </p:par>
-    </p:tnLst>
-  </p:timing>
 </p:sld>
 </file>
 
@@ -5684,13 +5631,6 @@
   <p:clrMapOvr>
     <a:masterClrMapping/>
   </p:clrMapOvr>
-  <p:timing>
-    <p:tnLst>
-      <p:par>
-        <p:cTn id="1" dur="indefinite" restart="never" nodeType="tmRoot"/>
-      </p:par>
-    </p:tnLst>
-  </p:timing>
 </p:sld>
 </file>
 
@@ -5733,14 +5673,14 @@
           <a:lstStyle/>
           <a:p>
             <a:r>
-              <a:rPr lang="en-US" dirty="0"/>
+              <a:rPr lang="en-US" b="1" dirty="0"/>
               <a:t>Redux </a:t>
             </a:r>
             <a:r>
-              <a:rPr lang="ru-RU" dirty="0"/>
+              <a:rPr lang="ru-RU" b="1" dirty="0"/>
               <a:t>в 7 строк</a:t>
             </a:r>
-            <a:endParaRPr lang="en-US" dirty="0"/>
+            <a:endParaRPr lang="en-US" b="1" dirty="0"/>
           </a:p>
         </p:txBody>
       </p:sp>
@@ -5833,13 +5773,6 @@
   <p:clrMapOvr>
     <a:masterClrMapping/>
   </p:clrMapOvr>
-  <p:timing>
-    <p:tnLst>
-      <p:par>
-        <p:cTn id="1" dur="indefinite" restart="never" nodeType="tmRoot"/>
-      </p:par>
-    </p:tnLst>
-  </p:timing>
 </p:sld>
 </file>
 
@@ -5876,10 +5809,10 @@
           <a:lstStyle/>
           <a:p>
             <a:r>
-              <a:rPr lang="ru-RU" dirty="0" smtClean="0"/>
+              <a:rPr lang="ru-RU" b="1" dirty="0"/>
               <a:t>Меньше боли, меньше кода!</a:t>
             </a:r>
-            <a:endParaRPr lang="en-US" dirty="0"/>
+            <a:endParaRPr lang="en-US" b="1" dirty="0"/>
           </a:p>
         </p:txBody>
       </p:sp>
@@ -5987,13 +5920,6 @@
   <p:clrMapOvr>
     <a:masterClrMapping/>
   </p:clrMapOvr>
-  <p:timing>
-    <p:tnLst>
-      <p:par>
-        <p:cTn id="1" dur="indefinite" restart="never" nodeType="tmRoot"/>
-      </p:par>
-    </p:tnLst>
-  </p:timing>
 </p:sld>
 </file>
 
@@ -6036,7 +5962,7 @@
           <a:lstStyle/>
           <a:p>
             <a:r>
-              <a:rPr lang="en-US" dirty="0"/>
+              <a:rPr lang="en-US" b="1" dirty="0"/>
               <a:t>React + Redux</a:t>
             </a:r>
           </a:p>
@@ -6126,13 +6052,6 @@
   <p:clrMapOvr>
     <a:masterClrMapping/>
   </p:clrMapOvr>
-  <p:timing>
-    <p:tnLst>
-      <p:par>
-        <p:cTn id="1" dur="indefinite" restart="never" nodeType="tmRoot"/>
-      </p:par>
-    </p:tnLst>
-  </p:timing>
 </p:sld>
 </file>
 
@@ -6175,7 +6094,7 @@
           <a:lstStyle/>
           <a:p>
             <a:r>
-              <a:rPr lang="en-US" dirty="0"/>
+              <a:rPr lang="en-US" b="1" dirty="0"/>
               <a:t>Redux Hooks</a:t>
             </a:r>
           </a:p>
@@ -6322,13 +6241,6 @@
   <p:clrMapOvr>
     <a:masterClrMapping/>
   </p:clrMapOvr>
-  <p:timing>
-    <p:tnLst>
-      <p:par>
-        <p:cTn id="1" dur="indefinite" restart="never" nodeType="tmRoot"/>
-      </p:par>
-    </p:tnLst>
-  </p:timing>
 </p:sld>
 </file>
 
@@ -6376,7 +6288,7 @@
           <a:lstStyle/>
           <a:p>
             <a:r>
-              <a:rPr lang="en-US" dirty="0"/>
+              <a:rPr lang="en-US" b="1" dirty="0"/>
               <a:t>React Context</a:t>
             </a:r>
           </a:p>
@@ -6439,13 +6351,6 @@
   <p:clrMapOvr>
     <a:masterClrMapping/>
   </p:clrMapOvr>
-  <p:timing>
-    <p:tnLst>
-      <p:par>
-        <p:cTn id="1" dur="indefinite" restart="never" nodeType="tmRoot"/>
-      </p:par>
-    </p:tnLst>
-  </p:timing>
 </p:sld>
 </file>
 
@@ -6488,7 +6393,7 @@
           <a:lstStyle/>
           <a:p>
             <a:r>
-              <a:rPr lang="en-US" dirty="0"/>
+              <a:rPr lang="en-US" b="1" dirty="0"/>
               <a:t>Redux vs React Context</a:t>
             </a:r>
           </a:p>
@@ -6795,13 +6700,6 @@
   <p:clrMapOvr>
     <a:masterClrMapping/>
   </p:clrMapOvr>
-  <p:timing>
-    <p:tnLst>
-      <p:par>
-        <p:cTn id="1" dur="indefinite" restart="never" nodeType="tmRoot"/>
-      </p:par>
-    </p:tnLst>
-  </p:timing>
 </p:sld>
 </file>
 
@@ -7157,13 +7055,6 @@
   <p:clrMapOvr>
     <a:masterClrMapping/>
   </p:clrMapOvr>
-  <p:timing>
-    <p:tnLst>
-      <p:par>
-        <p:cTn id="1" dur="indefinite" restart="never" nodeType="tmRoot"/>
-      </p:par>
-    </p:tnLst>
-  </p:timing>
 </p:sld>
 </file>
 
@@ -7291,13 +7182,6 @@
   <p:clrMapOvr>
     <a:masterClrMapping/>
   </p:clrMapOvr>
-  <p:timing>
-    <p:tnLst>
-      <p:par>
-        <p:cTn id="1" dur="indefinite" restart="never" nodeType="tmRoot"/>
-      </p:par>
-    </p:tnLst>
-  </p:timing>
 </p:sld>
 </file>
 
@@ -7334,14 +7218,14 @@
           <a:lstStyle/>
           <a:p>
             <a:r>
-              <a:rPr lang="en-US" dirty="0" smtClean="0"/>
+              <a:rPr lang="en-US" b="1" dirty="0"/>
               <a:t>React Hooks + </a:t>
             </a:r>
             <a:r>
-              <a:rPr lang="en-US" dirty="0" err="1" smtClean="0"/>
+              <a:rPr lang="en-US" b="1" dirty="0" err="1"/>
               <a:t>Redux</a:t>
             </a:r>
-            <a:endParaRPr lang="en-US" dirty="0"/>
+            <a:endParaRPr lang="en-US" b="1" dirty="0"/>
           </a:p>
         </p:txBody>
       </p:sp>
@@ -7358,12 +7242,12 @@
         <p:spPr>
           <a:xfrm>
             <a:off x="838200" y="2776451"/>
-            <a:ext cx="6094615" cy="1704109"/>
+            <a:ext cx="6094615" cy="1971718"/>
           </a:xfrm>
         </p:spPr>
         <p:txBody>
           <a:bodyPr>
-            <a:normAutofit fontScale="70000" lnSpcReduction="20000"/>
+            <a:normAutofit fontScale="47500" lnSpcReduction="20000"/>
           </a:bodyPr>
           <a:lstStyle/>
           <a:p>
@@ -7388,7 +7272,7 @@
             <a:pPr marL="0" indent="0">
               <a:buNone/>
             </a:pPr>
-            <a:endParaRPr lang="en-US" dirty="0" smtClean="0">
+            <a:endParaRPr lang="en-US" dirty="0">
               <a:hlinkClick r:id="rId2"/>
             </a:endParaRPr>
           </a:p>
@@ -7397,20 +7281,37 @@
               <a:buNone/>
             </a:pPr>
             <a:r>
-              <a:rPr lang="en-US" dirty="0" smtClean="0">
+              <a:rPr lang="en-US" dirty="0">
                 <a:hlinkClick r:id="rId2"/>
               </a:rPr>
               <a:t>pavel_uvarov@epam.com</a:t>
             </a:r>
-            <a:endParaRPr lang="en-US" dirty="0" smtClean="0"/>
+            <a:endParaRPr lang="en-US" dirty="0"/>
           </a:p>
           <a:p>
             <a:pPr marL="0" indent="0">
               <a:buNone/>
             </a:pPr>
             <a:r>
-              <a:rPr lang="en-US" dirty="0" smtClean="0"/>
+              <a:rPr lang="en-US" dirty="0"/>
               <a:t>room 111, Ryazan</a:t>
+            </a:r>
+          </a:p>
+          <a:p>
+            <a:pPr marL="0" indent="0">
+              <a:buNone/>
+            </a:pPr>
+            <a:endParaRPr lang="en-US" dirty="0"/>
+          </a:p>
+          <a:p>
+            <a:pPr marL="0" indent="0">
+              <a:buNone/>
+            </a:pPr>
+            <a:r>
+              <a:rPr lang="en-US" dirty="0">
+                <a:hlinkClick r:id="rId3"/>
+              </a:rPr>
+              <a:t>https://github.com/spiderpoul</a:t>
             </a:r>
             <a:endParaRPr lang="en-US" dirty="0"/>
           </a:p>
@@ -7425,7 +7326,7 @@
           <p:nvPr/>
         </p:nvPicPr>
         <p:blipFill>
-          <a:blip r:embed="rId3">
+          <a:blip r:embed="rId4">
             <a:extLst>
               <a:ext uri="{28A0092B-C50C-407E-A947-70E740481C1C}">
                 <a14:useLocalDpi xmlns:a14="http://schemas.microsoft.com/office/drawing/2010/main" val="0"/>
@@ -7499,7 +7400,7 @@
           </a:lstStyle>
           <a:p>
             <a:r>
-              <a:rPr lang="ru-RU" dirty="0" smtClean="0"/>
+              <a:rPr lang="ru-RU" dirty="0"/>
               <a:t>Спасибо за внимание!</a:t>
             </a:r>
             <a:endParaRPr lang="en-US" dirty="0"/>
@@ -7515,7 +7416,7 @@
           <p:nvPr/>
         </p:nvPicPr>
         <p:blipFill>
-          <a:blip r:embed="rId4">
+          <a:blip r:embed="rId5">
             <a:extLst>
               <a:ext uri="{28A0092B-C50C-407E-A947-70E740481C1C}">
                 <a14:useLocalDpi xmlns:a14="http://schemas.microsoft.com/office/drawing/2010/main" val="0"/>
@@ -7557,13 +7458,6 @@
   <p:clrMapOvr>
     <a:masterClrMapping/>
   </p:clrMapOvr>
-  <p:timing>
-    <p:tnLst>
-      <p:par>
-        <p:cTn id="1" dur="indefinite" restart="never" nodeType="tmRoot"/>
-      </p:par>
-    </p:tnLst>
-  </p:timing>
 </p:sld>
 </file>
 
@@ -7740,13 +7634,6 @@
   <p:clrMapOvr>
     <a:masterClrMapping/>
   </p:clrMapOvr>
-  <p:timing>
-    <p:tnLst>
-      <p:par>
-        <p:cTn id="1" dur="indefinite" restart="never" nodeType="tmRoot"/>
-      </p:par>
-    </p:tnLst>
-  </p:timing>
 </p:sld>
 </file>
 
@@ -7789,14 +7676,14 @@
           <a:lstStyle/>
           <a:p>
             <a:r>
-              <a:rPr lang="en-US" dirty="0"/>
+              <a:rPr lang="en-US" b="1" dirty="0"/>
               <a:t>React Hooks</a:t>
             </a:r>
             <a:r>
-              <a:rPr lang="ru-RU" dirty="0"/>
+              <a:rPr lang="ru-RU" b="1" dirty="0"/>
               <a:t> позволяют:</a:t>
             </a:r>
-            <a:endParaRPr lang="en-US" dirty="0"/>
+            <a:endParaRPr lang="en-US" b="1" dirty="0"/>
           </a:p>
         </p:txBody>
       </p:sp>
@@ -7891,13 +7778,6 @@
   <p:clrMapOvr>
     <a:masterClrMapping/>
   </p:clrMapOvr>
-  <p:timing>
-    <p:tnLst>
-      <p:par>
-        <p:cTn id="1" dur="indefinite" restart="never" nodeType="tmRoot"/>
-      </p:par>
-    </p:tnLst>
-  </p:timing>
 </p:sld>
 </file>
 
@@ -8144,13 +8024,6 @@
   <p:clrMapOvr>
     <a:masterClrMapping/>
   </p:clrMapOvr>
-  <p:timing>
-    <p:tnLst>
-      <p:par>
-        <p:cTn id="1" dur="indefinite" restart="never" nodeType="tmRoot"/>
-      </p:par>
-    </p:tnLst>
-  </p:timing>
 </p:sld>
 </file>
 
@@ -8376,13 +8249,6 @@
   <p:clrMapOvr>
     <a:masterClrMapping/>
   </p:clrMapOvr>
-  <p:timing>
-    <p:tnLst>
-      <p:par>
-        <p:cTn id="1" dur="indefinite" restart="never" nodeType="tmRoot"/>
-      </p:par>
-    </p:tnLst>
-  </p:timing>
 </p:sld>
 </file>
 
@@ -8424,7 +8290,14 @@
           <a:bodyPr/>
           <a:lstStyle/>
           <a:p>
-            <a:endParaRPr lang="en-US"/>
+            <a:r>
+              <a:rPr lang="en-US" dirty="0" err="1"/>
+              <a:t>useEffect</a:t>
+            </a:r>
+            <a:r>
+              <a:rPr lang="en-US" dirty="0"/>
+              <a:t>: unsubscribe</a:t>
+            </a:r>
           </a:p>
         </p:txBody>
       </p:sp>
@@ -8467,7 +8340,7 @@
           </p:cNvPicPr>
           <p:nvPr/>
         </p:nvPicPr>
-        <p:blipFill>
+        <p:blipFill rotWithShape="1">
           <a:blip r:embed="rId2">
             <a:extLst>
               <a:ext uri="{28A0092B-C50C-407E-A947-70E740481C1C}">
@@ -8475,15 +8348,13 @@
               </a:ext>
             </a:extLst>
           </a:blip>
-          <a:srcRect/>
-          <a:stretch>
-            <a:fillRect/>
-          </a:stretch>
+          <a:srcRect t="28245"/>
+          <a:stretch/>
         </p:blipFill>
         <p:spPr bwMode="auto">
           <a:xfrm>
-            <a:off x="146384" y="584201"/>
-            <a:ext cx="12192000" cy="5297487"/>
+            <a:off x="247052" y="1825625"/>
+            <a:ext cx="12192000" cy="3801218"/>
           </a:xfrm>
           <a:prstGeom prst="rect">
             <a:avLst/>
@@ -8510,13 +8381,6 @@
   <p:clrMapOvr>
     <a:masterClrMapping/>
   </p:clrMapOvr>
-  <p:timing>
-    <p:tnLst>
-      <p:par>
-        <p:cTn id="1" dur="indefinite" restart="never" nodeType="tmRoot"/>
-      </p:par>
-    </p:tnLst>
-  </p:timing>
 </p:sld>
 </file>
 
@@ -8558,7 +8422,11 @@
           <a:bodyPr/>
           <a:lstStyle/>
           <a:p>
-            <a:endParaRPr lang="en-US"/>
+            <a:r>
+              <a:rPr lang="ru-RU" b="1" dirty="0"/>
+              <a:t>Что не так с кодом?</a:t>
+            </a:r>
+            <a:endParaRPr lang="en-US" b="1" dirty="0"/>
           </a:p>
         </p:txBody>
       </p:sp>
@@ -8642,13 +8510,6 @@
   <p:clrMapOvr>
     <a:masterClrMapping/>
   </p:clrMapOvr>
-  <p:timing>
-    <p:tnLst>
-      <p:par>
-        <p:cTn id="1" dur="indefinite" restart="never" nodeType="tmRoot"/>
-      </p:par>
-    </p:tnLst>
-  </p:timing>
 </p:sld>
 </file>
 
@@ -8948,18 +8809,18 @@
 </file>
 
 <file path=customXml/item1.xml><?xml version="1.0" encoding="utf-8"?>
+<p:properties xmlns:p="http://schemas.microsoft.com/office/2006/metadata/properties" xmlns:xsi="http://www.w3.org/2001/XMLSchema-instance" xmlns:pc="http://schemas.microsoft.com/office/infopath/2007/PartnerControls">
+  <documentManagement/>
+</p:properties>
+</file>
+
+<file path=customXml/item2.xml><?xml version="1.0" encoding="utf-8"?>
 <?mso-contentType ?>
 <FormTemplates xmlns="http://schemas.microsoft.com/sharepoint/v3/contenttype/forms">
   <Display>DocumentLibraryForm</Display>
   <Edit>DocumentLibraryForm</Edit>
   <New>DocumentLibraryForm</New>
 </FormTemplates>
-</file>
-
-<file path=customXml/item2.xml><?xml version="1.0" encoding="utf-8"?>
-<p:properties xmlns:p="http://schemas.microsoft.com/office/2006/metadata/properties" xmlns:xsi="http://www.w3.org/2001/XMLSchema-instance" xmlns:pc="http://schemas.microsoft.com/office/infopath/2007/PartnerControls">
-  <documentManagement/>
-</p:properties>
 </file>
 
 <file path=customXml/item3.xml><?xml version="1.0" encoding="utf-8"?>
@@ -9172,14 +9033,6 @@
 </file>
 
 <file path=customXml/itemProps1.xml><?xml version="1.0" encoding="utf-8"?>
-<ds:datastoreItem xmlns:ds="http://schemas.openxmlformats.org/officeDocument/2006/customXml" ds:itemID="{BE1E3851-0FEA-4D7D-B543-8D5F66D03BCE}">
-  <ds:schemaRefs>
-    <ds:schemaRef ds:uri="http://schemas.microsoft.com/sharepoint/v3/contenttype/forms"/>
-  </ds:schemaRefs>
-</ds:datastoreItem>
-</file>
-
-<file path=customXml/itemProps2.xml><?xml version="1.0" encoding="utf-8"?>
 <ds:datastoreItem xmlns:ds="http://schemas.openxmlformats.org/officeDocument/2006/customXml" ds:itemID="{81800929-FD15-4FCE-B863-7CC612F65BDB}">
   <ds:schemaRefs>
     <ds:schemaRef ds:uri="http://purl.org/dc/dcmitype/"/>
@@ -9192,6 +9045,14 @@
     <ds:schemaRef ds:uri="http://schemas.openxmlformats.org/package/2006/metadata/core-properties"/>
     <ds:schemaRef ds:uri="f2002a93-7bda-4cbc-8612-fb29e2446453"/>
     <ds:schemaRef ds:uri="http://www.w3.org/XML/1998/namespace"/>
+  </ds:schemaRefs>
+</ds:datastoreItem>
+</file>
+
+<file path=customXml/itemProps2.xml><?xml version="1.0" encoding="utf-8"?>
+<ds:datastoreItem xmlns:ds="http://schemas.openxmlformats.org/officeDocument/2006/customXml" ds:itemID="{BE1E3851-0FEA-4D7D-B543-8D5F66D03BCE}">
+  <ds:schemaRefs>
+    <ds:schemaRef ds:uri="http://schemas.microsoft.com/sharepoint/v3/contenttype/forms"/>
   </ds:schemaRefs>
 </ds:datastoreItem>
 </file>
